--- a/Combined Slidedeck.pptx
+++ b/Combined Slidedeck.pptx
@@ -5,7 +5,7 @@
     <p:sldMasterId id="2147483648" r:id="rId1"/>
   </p:sldMasterIdLst>
   <p:notesMasterIdLst>
-    <p:notesMasterId r:id="rId25"/>
+    <p:notesMasterId r:id="rId30"/>
   </p:notesMasterIdLst>
   <p:sldIdLst>
     <p:sldId id="267" r:id="rId2"/>
@@ -19,18 +19,23 @@
     <p:sldId id="257" r:id="rId10"/>
     <p:sldId id="258" r:id="rId11"/>
     <p:sldId id="259" r:id="rId12"/>
-    <p:sldId id="262" r:id="rId13"/>
-    <p:sldId id="263" r:id="rId14"/>
-    <p:sldId id="264" r:id="rId15"/>
-    <p:sldId id="265" r:id="rId16"/>
-    <p:sldId id="266" r:id="rId17"/>
-    <p:sldId id="260" r:id="rId18"/>
-    <p:sldId id="261" r:id="rId19"/>
-    <p:sldId id="274" r:id="rId20"/>
-    <p:sldId id="275" r:id="rId21"/>
-    <p:sldId id="276" r:id="rId22"/>
-    <p:sldId id="277" r:id="rId23"/>
-    <p:sldId id="278" r:id="rId24"/>
+    <p:sldId id="263" r:id="rId13"/>
+    <p:sldId id="264" r:id="rId14"/>
+    <p:sldId id="265" r:id="rId15"/>
+    <p:sldId id="266" r:id="rId16"/>
+    <p:sldId id="260" r:id="rId17"/>
+    <p:sldId id="261" r:id="rId18"/>
+    <p:sldId id="280" r:id="rId19"/>
+    <p:sldId id="281" r:id="rId20"/>
+    <p:sldId id="282" r:id="rId21"/>
+    <p:sldId id="283" r:id="rId22"/>
+    <p:sldId id="284" r:id="rId23"/>
+    <p:sldId id="277" r:id="rId24"/>
+    <p:sldId id="278" r:id="rId25"/>
+    <p:sldId id="274" r:id="rId26"/>
+    <p:sldId id="275" r:id="rId27"/>
+    <p:sldId id="276" r:id="rId28"/>
+    <p:sldId id="279" r:id="rId29"/>
   </p:sldIdLst>
   <p:sldSz cx="12192000" cy="6858000"/>
   <p:notesSz cx="6858000" cy="9144000"/>
@@ -552,7 +557,7 @@
           <a:p>
             <a:fld id="{54F66277-1231-2A45-B961-C920BC9B8042}" type="slidenum">
               <a:rPr lang="en-US" smtClean="0"/>
-              <a:t>16</a:t>
+              <a:t>15</a:t>
             </a:fld>
             <a:endParaRPr lang="en-US"/>
           </a:p>
@@ -636,7 +641,7 @@
           <a:p>
             <a:fld id="{54F66277-1231-2A45-B961-C920BC9B8042}" type="slidenum">
               <a:rPr lang="en-US" smtClean="0"/>
-              <a:t>18</a:t>
+              <a:t>17</a:t>
             </a:fld>
             <a:endParaRPr lang="en-US"/>
           </a:p>
@@ -720,7 +725,7 @@
           <a:p>
             <a:fld id="{54F66277-1231-2A45-B961-C920BC9B8042}" type="slidenum">
               <a:rPr lang="en-US" smtClean="0"/>
-              <a:t>19</a:t>
+              <a:t>23</a:t>
             </a:fld>
             <a:endParaRPr lang="en-US"/>
           </a:p>
@@ -729,7 +734,7 @@
     </p:spTree>
     <p:extLst>
       <p:ext uri="{BB962C8B-B14F-4D97-AF65-F5344CB8AC3E}">
-        <p14:creationId xmlns:p14="http://schemas.microsoft.com/office/powerpoint/2010/main" val="2068543282"/>
+        <p14:creationId xmlns:p14="http://schemas.microsoft.com/office/powerpoint/2010/main" val="1758019677"/>
       </p:ext>
     </p:extLst>
   </p:cSld>
@@ -802,9 +807,9 @@
           <a:bodyPr/>
           <a:lstStyle/>
           <a:p>
-            <a:fld id="{54F66277-1231-2A45-B961-C920BC9B8042}" type="slidenum">
+            <a:fld id="{5F87D9E0-510D-0F43-A304-A9F42220FEDB}" type="slidenum">
               <a:rPr lang="en-US" smtClean="0"/>
-              <a:t>21</a:t>
+              <a:t>24</a:t>
             </a:fld>
             <a:endParaRPr lang="en-US"/>
           </a:p>
@@ -813,7 +818,7 @@
     </p:spTree>
     <p:extLst>
       <p:ext uri="{BB962C8B-B14F-4D97-AF65-F5344CB8AC3E}">
-        <p14:creationId xmlns:p14="http://schemas.microsoft.com/office/powerpoint/2010/main" val="150284075"/>
+        <p14:creationId xmlns:p14="http://schemas.microsoft.com/office/powerpoint/2010/main" val="1771123280"/>
       </p:ext>
     </p:extLst>
   </p:cSld>
@@ -888,7 +893,7 @@
           <a:p>
             <a:fld id="{54F66277-1231-2A45-B961-C920BC9B8042}" type="slidenum">
               <a:rPr lang="en-US" smtClean="0"/>
-              <a:t>22</a:t>
+              <a:t>25</a:t>
             </a:fld>
             <a:endParaRPr lang="en-US"/>
           </a:p>
@@ -897,7 +902,7 @@
     </p:spTree>
     <p:extLst>
       <p:ext uri="{BB962C8B-B14F-4D97-AF65-F5344CB8AC3E}">
-        <p14:creationId xmlns:p14="http://schemas.microsoft.com/office/powerpoint/2010/main" val="1758019677"/>
+        <p14:creationId xmlns:p14="http://schemas.microsoft.com/office/powerpoint/2010/main" val="2068543282"/>
       </p:ext>
     </p:extLst>
   </p:cSld>
@@ -970,9 +975,9 @@
           <a:bodyPr/>
           <a:lstStyle/>
           <a:p>
-            <a:fld id="{5F87D9E0-510D-0F43-A304-A9F42220FEDB}" type="slidenum">
+            <a:fld id="{54F66277-1231-2A45-B961-C920BC9B8042}" type="slidenum">
               <a:rPr lang="en-US" smtClean="0"/>
-              <a:t>23</a:t>
+              <a:t>26</a:t>
             </a:fld>
             <a:endParaRPr lang="en-US"/>
           </a:p>
@@ -981,7 +986,175 @@
     </p:spTree>
     <p:extLst>
       <p:ext uri="{BB962C8B-B14F-4D97-AF65-F5344CB8AC3E}">
-        <p14:creationId xmlns:p14="http://schemas.microsoft.com/office/powerpoint/2010/main" val="1771123280"/>
+        <p14:creationId xmlns:p14="http://schemas.microsoft.com/office/powerpoint/2010/main" val="55842182"/>
+      </p:ext>
+    </p:extLst>
+  </p:cSld>
+  <p:clrMapOvr>
+    <a:masterClrMapping/>
+  </p:clrMapOvr>
+</p:notes>
+</file>
+
+<file path=ppt/notesSlides/notesSlide7.xml><?xml version="1.0" encoding="utf-8"?>
+<p:notes xmlns:a="http://schemas.openxmlformats.org/drawingml/2006/main" xmlns:r="http://schemas.openxmlformats.org/officeDocument/2006/relationships" xmlns:p="http://schemas.openxmlformats.org/presentationml/2006/main">
+  <p:cSld>
+    <p:spTree>
+      <p:nvGrpSpPr>
+        <p:cNvPr id="1" name=""/>
+        <p:cNvGrpSpPr/>
+        <p:nvPr/>
+      </p:nvGrpSpPr>
+      <p:grpSpPr>
+        <a:xfrm>
+          <a:off x="0" y="0"/>
+          <a:ext cx="0" cy="0"/>
+          <a:chOff x="0" y="0"/>
+          <a:chExt cx="0" cy="0"/>
+        </a:xfrm>
+      </p:grpSpPr>
+      <p:sp>
+        <p:nvSpPr>
+          <p:cNvPr id="2" name="Slide Image Placeholder 1"/>
+          <p:cNvSpPr>
+            <a:spLocks noGrp="1" noRot="1" noChangeAspect="1"/>
+          </p:cNvSpPr>
+          <p:nvPr>
+            <p:ph type="sldImg"/>
+          </p:nvPr>
+        </p:nvSpPr>
+        <p:spPr/>
+      </p:sp>
+      <p:sp>
+        <p:nvSpPr>
+          <p:cNvPr id="3" name="Notes Placeholder 2"/>
+          <p:cNvSpPr>
+            <a:spLocks noGrp="1"/>
+          </p:cNvSpPr>
+          <p:nvPr>
+            <p:ph type="body" idx="1"/>
+          </p:nvPr>
+        </p:nvSpPr>
+        <p:spPr/>
+        <p:txBody>
+          <a:bodyPr/>
+          <a:lstStyle/>
+          <a:p>
+            <a:endParaRPr lang="en-US" dirty="0"/>
+          </a:p>
+        </p:txBody>
+      </p:sp>
+      <p:sp>
+        <p:nvSpPr>
+          <p:cNvPr id="4" name="Slide Number Placeholder 3"/>
+          <p:cNvSpPr>
+            <a:spLocks noGrp="1"/>
+          </p:cNvSpPr>
+          <p:nvPr>
+            <p:ph type="sldNum" sz="quarter" idx="10"/>
+          </p:nvPr>
+        </p:nvSpPr>
+        <p:spPr/>
+        <p:txBody>
+          <a:bodyPr/>
+          <a:lstStyle/>
+          <a:p>
+            <a:fld id="{54F66277-1231-2A45-B961-C920BC9B8042}" type="slidenum">
+              <a:rPr lang="en-US" smtClean="0"/>
+              <a:t>27</a:t>
+            </a:fld>
+            <a:endParaRPr lang="en-US"/>
+          </a:p>
+        </p:txBody>
+      </p:sp>
+    </p:spTree>
+    <p:extLst>
+      <p:ext uri="{BB962C8B-B14F-4D97-AF65-F5344CB8AC3E}">
+        <p14:creationId xmlns:p14="http://schemas.microsoft.com/office/powerpoint/2010/main" val="150284075"/>
+      </p:ext>
+    </p:extLst>
+  </p:cSld>
+  <p:clrMapOvr>
+    <a:masterClrMapping/>
+  </p:clrMapOvr>
+</p:notes>
+</file>
+
+<file path=ppt/notesSlides/notesSlide8.xml><?xml version="1.0" encoding="utf-8"?>
+<p:notes xmlns:a="http://schemas.openxmlformats.org/drawingml/2006/main" xmlns:r="http://schemas.openxmlformats.org/officeDocument/2006/relationships" xmlns:p="http://schemas.openxmlformats.org/presentationml/2006/main">
+  <p:cSld>
+    <p:spTree>
+      <p:nvGrpSpPr>
+        <p:cNvPr id="1" name=""/>
+        <p:cNvGrpSpPr/>
+        <p:nvPr/>
+      </p:nvGrpSpPr>
+      <p:grpSpPr>
+        <a:xfrm>
+          <a:off x="0" y="0"/>
+          <a:ext cx="0" cy="0"/>
+          <a:chOff x="0" y="0"/>
+          <a:chExt cx="0" cy="0"/>
+        </a:xfrm>
+      </p:grpSpPr>
+      <p:sp>
+        <p:nvSpPr>
+          <p:cNvPr id="2" name="Slide Image Placeholder 1"/>
+          <p:cNvSpPr>
+            <a:spLocks noGrp="1" noRot="1" noChangeAspect="1"/>
+          </p:cNvSpPr>
+          <p:nvPr>
+            <p:ph type="sldImg"/>
+          </p:nvPr>
+        </p:nvSpPr>
+        <p:spPr/>
+      </p:sp>
+      <p:sp>
+        <p:nvSpPr>
+          <p:cNvPr id="3" name="Notes Placeholder 2"/>
+          <p:cNvSpPr>
+            <a:spLocks noGrp="1"/>
+          </p:cNvSpPr>
+          <p:nvPr>
+            <p:ph type="body" idx="1"/>
+          </p:nvPr>
+        </p:nvSpPr>
+        <p:spPr/>
+        <p:txBody>
+          <a:bodyPr/>
+          <a:lstStyle/>
+          <a:p>
+            <a:endParaRPr lang="en-US" dirty="0"/>
+          </a:p>
+        </p:txBody>
+      </p:sp>
+      <p:sp>
+        <p:nvSpPr>
+          <p:cNvPr id="4" name="Slide Number Placeholder 3"/>
+          <p:cNvSpPr>
+            <a:spLocks noGrp="1"/>
+          </p:cNvSpPr>
+          <p:nvPr>
+            <p:ph type="sldNum" sz="quarter" idx="10"/>
+          </p:nvPr>
+        </p:nvSpPr>
+        <p:spPr/>
+        <p:txBody>
+          <a:bodyPr/>
+          <a:lstStyle/>
+          <a:p>
+            <a:fld id="{54F66277-1231-2A45-B961-C920BC9B8042}" type="slidenum">
+              <a:rPr lang="en-US" smtClean="0"/>
+              <a:t>28</a:t>
+            </a:fld>
+            <a:endParaRPr lang="en-US"/>
+          </a:p>
+        </p:txBody>
+      </p:sp>
+    </p:spTree>
+    <p:extLst>
+      <p:ext uri="{BB962C8B-B14F-4D97-AF65-F5344CB8AC3E}">
+        <p14:creationId xmlns:p14="http://schemas.microsoft.com/office/powerpoint/2010/main" val="1912700105"/>
       </p:ext>
     </p:extLst>
   </p:cSld>
@@ -6536,7 +6709,7 @@
             <a:spLocks noGrp="1"/>
           </p:cNvSpPr>
           <p:nvPr>
-            <p:ph type="ctrTitle"/>
+            <p:ph type="title"/>
           </p:nvPr>
         </p:nvSpPr>
         <p:spPr/>
@@ -6546,83 +6719,9 @@
           <a:p>
             <a:r>
               <a:rPr lang="en-US" dirty="0" smtClean="0"/>
-              <a:t>Do </a:t>
-            </a:r>
-            <a:r>
-              <a:rPr lang="en-US" dirty="0"/>
-              <a:t>campaign contributions lead to electoral success</a:t>
-            </a:r>
-          </a:p>
-        </p:txBody>
-      </p:sp>
-      <p:sp>
-        <p:nvSpPr>
-          <p:cNvPr id="3" name="Subtitle 2"/>
-          <p:cNvSpPr>
-            <a:spLocks noGrp="1"/>
-          </p:cNvSpPr>
-          <p:nvPr>
-            <p:ph type="subTitle" idx="1"/>
-          </p:nvPr>
-        </p:nvSpPr>
-        <p:spPr/>
-        <p:txBody>
-          <a:bodyPr/>
-          <a:lstStyle/>
-          <a:p>
-            <a:endParaRPr lang="en-US"/>
-          </a:p>
-        </p:txBody>
-      </p:sp>
-    </p:spTree>
-    <p:extLst>
-      <p:ext uri="{BB962C8B-B14F-4D97-AF65-F5344CB8AC3E}">
-        <p14:creationId xmlns:p14="http://schemas.microsoft.com/office/powerpoint/2010/main" val="838614382"/>
-      </p:ext>
-    </p:extLst>
-  </p:cSld>
-  <p:clrMapOvr>
-    <a:masterClrMapping/>
-  </p:clrMapOvr>
-</p:sld>
-</file>
-
-<file path=ppt/slides/slide13.xml><?xml version="1.0" encoding="utf-8"?>
-<p:sld xmlns:a="http://schemas.openxmlformats.org/drawingml/2006/main" xmlns:r="http://schemas.openxmlformats.org/officeDocument/2006/relationships" xmlns:p="http://schemas.openxmlformats.org/presentationml/2006/main">
-  <p:cSld>
-    <p:spTree>
-      <p:nvGrpSpPr>
-        <p:cNvPr id="1" name=""/>
-        <p:cNvGrpSpPr/>
-        <p:nvPr/>
-      </p:nvGrpSpPr>
-      <p:grpSpPr>
-        <a:xfrm>
-          <a:off x="0" y="0"/>
-          <a:ext cx="0" cy="0"/>
-          <a:chOff x="0" y="0"/>
-          <a:chExt cx="0" cy="0"/>
-        </a:xfrm>
-      </p:grpSpPr>
-      <p:sp>
-        <p:nvSpPr>
-          <p:cNvPr id="2" name="Title 1"/>
-          <p:cNvSpPr>
-            <a:spLocks noGrp="1"/>
-          </p:cNvSpPr>
-          <p:nvPr>
-            <p:ph type="title"/>
-          </p:nvPr>
-        </p:nvSpPr>
-        <p:spPr/>
-        <p:txBody>
-          <a:bodyPr/>
-          <a:lstStyle/>
-          <a:p>
-            <a:r>
-              <a:rPr lang="en-US" dirty="0"/>
               <a:t>Models</a:t>
             </a:r>
+            <a:endParaRPr lang="en-US" dirty="0"/>
           </a:p>
         </p:txBody>
       </p:sp>
@@ -6681,7 +6780,7 @@
 </p:sld>
 </file>
 
-<file path=ppt/slides/slide14.xml><?xml version="1.0" encoding="utf-8"?>
+<file path=ppt/slides/slide13.xml><?xml version="1.0" encoding="utf-8"?>
 <p:sld xmlns:a="http://schemas.openxmlformats.org/drawingml/2006/main" xmlns:r="http://schemas.openxmlformats.org/officeDocument/2006/relationships" xmlns:p="http://schemas.openxmlformats.org/presentationml/2006/main">
   <p:cSld>
     <p:spTree>
@@ -6873,7 +6972,7 @@
 </p:sld>
 </file>
 
-<file path=ppt/slides/slide15.xml><?xml version="1.0" encoding="utf-8"?>
+<file path=ppt/slides/slide14.xml><?xml version="1.0" encoding="utf-8"?>
 <p:sld xmlns:a="http://schemas.openxmlformats.org/drawingml/2006/main" xmlns:r="http://schemas.openxmlformats.org/officeDocument/2006/relationships" xmlns:p="http://schemas.openxmlformats.org/presentationml/2006/main">
   <p:cSld>
     <p:spTree>
@@ -6954,7 +7053,7 @@
 </p:sld>
 </file>
 
-<file path=ppt/slides/slide16.xml><?xml version="1.0" encoding="utf-8"?>
+<file path=ppt/slides/slide15.xml><?xml version="1.0" encoding="utf-8"?>
 <p:sld xmlns:a="http://schemas.openxmlformats.org/drawingml/2006/main" xmlns:r="http://schemas.openxmlformats.org/officeDocument/2006/relationships" xmlns:p="http://schemas.openxmlformats.org/presentationml/2006/main">
   <p:cSld>
     <p:spTree>
@@ -7060,7 +7159,7 @@
 </p:sld>
 </file>
 
-<file path=ppt/slides/slide17.xml><?xml version="1.0" encoding="utf-8"?>
+<file path=ppt/slides/slide16.xml><?xml version="1.0" encoding="utf-8"?>
 <p:sld xmlns:a="http://schemas.openxmlformats.org/drawingml/2006/main" xmlns:r="http://schemas.openxmlformats.org/officeDocument/2006/relationships" xmlns:p="http://schemas.openxmlformats.org/presentationml/2006/main">
   <p:cSld>
     <p:spTree>
@@ -7154,7 +7253,7 @@
 </p:sld>
 </file>
 
-<file path=ppt/slides/slide18.xml><?xml version="1.0" encoding="utf-8"?>
+<file path=ppt/slides/slide17.xml><?xml version="1.0" encoding="utf-8"?>
 <p:sld xmlns:a="http://schemas.openxmlformats.org/drawingml/2006/main" xmlns:r="http://schemas.openxmlformats.org/officeDocument/2006/relationships" xmlns:p="http://schemas.openxmlformats.org/presentationml/2006/main">
   <p:cSld>
     <p:spTree>
@@ -7308,7 +7407,7 @@
 </p:sld>
 </file>
 
-<file path=ppt/slides/slide19.xml><?xml version="1.0" encoding="utf-8"?>
+<file path=ppt/slides/slide18.xml><?xml version="1.0" encoding="utf-8"?>
 <p:sld xmlns:a="http://schemas.openxmlformats.org/drawingml/2006/main" xmlns:r="http://schemas.openxmlformats.org/officeDocument/2006/relationships" xmlns:p="http://schemas.openxmlformats.org/presentationml/2006/main">
   <p:cSld>
     <p:spTree>
@@ -7327,7 +7426,7 @@
       </p:grpSpPr>
       <p:sp>
         <p:nvSpPr>
-          <p:cNvPr id="2" name="Title 1"/>
+          <p:cNvPr id="4" name="Title 3"/>
           <p:cNvSpPr>
             <a:spLocks noGrp="1"/>
           </p:cNvSpPr>
@@ -7335,77 +7434,118 @@
             <p:ph type="title"/>
           </p:nvPr>
         </p:nvSpPr>
-        <p:spPr>
-          <a:xfrm>
-            <a:off x="838200" y="2242801"/>
-            <a:ext cx="10515600" cy="1325563"/>
-          </a:xfrm>
-        </p:spPr>
+        <p:spPr/>
         <p:txBody>
-          <a:bodyPr>
-            <a:normAutofit/>
-          </a:bodyPr>
+          <a:bodyPr/>
           <a:lstStyle/>
           <a:p>
-            <a:pPr algn="ctr"/>
             <a:r>
-              <a:rPr lang="en-US" sz="6000" smtClean="0"/>
-              <a:t>Wrapping it Up</a:t>
+              <a:rPr lang="en-US" dirty="0" smtClean="0"/>
+              <a:t>Party Disparity</a:t>
             </a:r>
-            <a:endParaRPr lang="en-US" sz="6000" dirty="0"/>
+            <a:endParaRPr lang="en-US" dirty="0"/>
           </a:p>
         </p:txBody>
       </p:sp>
-      <p:sp>
-        <p:nvSpPr>
-          <p:cNvPr id="3" name="Content Placeholder 2"/>
-          <p:cNvSpPr>
-            <a:spLocks noGrp="1"/>
-          </p:cNvSpPr>
+      <p:pic>
+        <p:nvPicPr>
+          <p:cNvPr id="6" name="Content Placeholder 5"/>
+          <p:cNvPicPr>
+            <a:picLocks noGrp="1" noChangeAspect="1"/>
+          </p:cNvPicPr>
           <p:nvPr>
             <p:ph idx="1"/>
           </p:nvPr>
-        </p:nvSpPr>
+        </p:nvPicPr>
+        <p:blipFill>
+          <a:blip r:embed="rId2" cstate="print">
+            <a:extLst>
+              <a:ext uri="{28A0092B-C50C-407E-A947-70E740481C1C}">
+                <a14:useLocalDpi xmlns:a14="http://schemas.microsoft.com/office/drawing/2010/main" val="0"/>
+              </a:ext>
+            </a:extLst>
+          </a:blip>
+          <a:stretch>
+            <a:fillRect/>
+          </a:stretch>
+        </p:blipFill>
         <p:spPr>
           <a:xfrm>
-            <a:off x="838200" y="3568364"/>
-            <a:ext cx="10515600" cy="2875467"/>
+            <a:off x="2780700" y="1592283"/>
+            <a:ext cx="6630599" cy="4703581"/>
           </a:xfrm>
         </p:spPr>
-        <p:txBody>
-          <a:bodyPr>
-            <a:normAutofit/>
-          </a:bodyPr>
-          <a:lstStyle/>
-          <a:p>
-            <a:pPr marL="0" indent="0" algn="ctr">
-              <a:buNone/>
-            </a:pPr>
-            <a:r>
-              <a:rPr lang="en-US" sz="2400" dirty="0" smtClean="0"/>
-              <a:t>What has been the key things we have been able to conclude?</a:t>
-            </a:r>
-            <a:endParaRPr lang="en-US" sz="2400" dirty="0"/>
-          </a:p>
-        </p:txBody>
-      </p:sp>
+      </p:pic>
     </p:spTree>
     <p:extLst>
       <p:ext uri="{BB962C8B-B14F-4D97-AF65-F5344CB8AC3E}">
-        <p14:creationId xmlns:p14="http://schemas.microsoft.com/office/powerpoint/2010/main" val="1564322208"/>
+        <p14:creationId xmlns:p14="http://schemas.microsoft.com/office/powerpoint/2010/main" val="1626842985"/>
       </p:ext>
     </p:extLst>
   </p:cSld>
   <p:clrMapOvr>
     <a:masterClrMapping/>
   </p:clrMapOvr>
-  <p:timing>
-    <p:tnLst>
-      <p:par>
-        <p:cTn id="1" dur="indefinite" restart="never" nodeType="tmRoot"/>
-      </p:par>
-    </p:tnLst>
-  </p:timing>
+</p:sld>
+</file>
+
+<file path=ppt/slides/slide19.xml><?xml version="1.0" encoding="utf-8"?>
+<p:sld xmlns:a="http://schemas.openxmlformats.org/drawingml/2006/main" xmlns:r="http://schemas.openxmlformats.org/officeDocument/2006/relationships" xmlns:p="http://schemas.openxmlformats.org/presentationml/2006/main">
+  <p:cSld>
+    <p:spTree>
+      <p:nvGrpSpPr>
+        <p:cNvPr id="1" name=""/>
+        <p:cNvGrpSpPr/>
+        <p:nvPr/>
+      </p:nvGrpSpPr>
+      <p:grpSpPr>
+        <a:xfrm>
+          <a:off x="0" y="0"/>
+          <a:ext cx="0" cy="0"/>
+          <a:chOff x="0" y="0"/>
+          <a:chExt cx="0" cy="0"/>
+        </a:xfrm>
+      </p:grpSpPr>
+      <p:pic>
+        <p:nvPicPr>
+          <p:cNvPr id="4" name="Picture 3"/>
+          <p:cNvPicPr>
+            <a:picLocks noChangeAspect="1"/>
+          </p:cNvPicPr>
+          <p:nvPr/>
+        </p:nvPicPr>
+        <p:blipFill>
+          <a:blip r:embed="rId2">
+            <a:extLst>
+              <a:ext uri="{28A0092B-C50C-407E-A947-70E740481C1C}">
+                <a14:useLocalDpi xmlns:a14="http://schemas.microsoft.com/office/drawing/2010/main" val="0"/>
+              </a:ext>
+            </a:extLst>
+          </a:blip>
+          <a:stretch>
+            <a:fillRect/>
+          </a:stretch>
+        </p:blipFill>
+        <p:spPr>
+          <a:xfrm>
+            <a:off x="2596431" y="1382486"/>
+            <a:ext cx="7042869" cy="4084864"/>
+          </a:xfrm>
+          <a:prstGeom prst="rect">
+            <a:avLst/>
+          </a:prstGeom>
+        </p:spPr>
+      </p:pic>
+    </p:spTree>
+    <p:extLst>
+      <p:ext uri="{BB962C8B-B14F-4D97-AF65-F5344CB8AC3E}">
+        <p14:creationId xmlns:p14="http://schemas.microsoft.com/office/powerpoint/2010/main" val="588255291"/>
+      </p:ext>
+    </p:extLst>
+  </p:cSld>
+  <p:clrMapOvr>
+    <a:masterClrMapping/>
+  </p:clrMapOvr>
 </p:sld>
 </file>
 
@@ -7570,457 +7710,46 @@
           <a:chExt cx="0" cy="0"/>
         </a:xfrm>
       </p:grpSpPr>
-      <p:sp>
-        <p:nvSpPr>
-          <p:cNvPr id="2" name="Title 1"/>
-          <p:cNvSpPr>
-            <a:spLocks noGrp="1"/>
-          </p:cNvSpPr>
-          <p:nvPr>
-            <p:ph type="title"/>
-          </p:nvPr>
-        </p:nvSpPr>
-        <p:spPr/>
-        <p:txBody>
-          <a:bodyPr/>
-          <a:lstStyle/>
-          <a:p>
-            <a:r>
-              <a:rPr lang="en-US" dirty="0" smtClean="0"/>
-              <a:t>The evolution of our Question</a:t>
-            </a:r>
-            <a:endParaRPr lang="en-US" dirty="0"/>
-          </a:p>
-        </p:txBody>
-      </p:sp>
-      <p:sp>
-        <p:nvSpPr>
-          <p:cNvPr id="3" name="Content Placeholder 2"/>
-          <p:cNvSpPr>
-            <a:spLocks noGrp="1"/>
-          </p:cNvSpPr>
-          <p:nvPr>
-            <p:ph idx="1"/>
-          </p:nvPr>
-        </p:nvSpPr>
-        <p:spPr/>
-        <p:txBody>
-          <a:bodyPr/>
-          <a:lstStyle/>
-          <a:p>
-            <a:pPr lvl="1"/>
-            <a:r>
-              <a:rPr lang="en-US" dirty="0" smtClean="0"/>
-              <a:t>At First we wanted to know:</a:t>
-            </a:r>
-          </a:p>
-          <a:p>
-            <a:pPr lvl="2"/>
-            <a:r>
-              <a:rPr lang="en-US" dirty="0" smtClean="0"/>
-              <a:t>Do Political Contributes  by sectors affect whether candidates win?</a:t>
-            </a:r>
-          </a:p>
-          <a:p>
-            <a:pPr lvl="2"/>
-            <a:r>
-              <a:rPr lang="en-US" dirty="0" smtClean="0"/>
-              <a:t>Do election </a:t>
-            </a:r>
-            <a:r>
-              <a:rPr lang="en-US" dirty="0"/>
-              <a:t>results had any specific impact on the market as a whole</a:t>
-            </a:r>
-            <a:r>
-              <a:rPr lang="en-US" dirty="0" smtClean="0"/>
-              <a:t>.?</a:t>
-            </a:r>
-            <a:endParaRPr lang="en-US" dirty="0"/>
-          </a:p>
-          <a:p>
-            <a:pPr lvl="1"/>
-            <a:endParaRPr lang="en-US" dirty="0"/>
-          </a:p>
-          <a:p>
-            <a:pPr lvl="1"/>
-            <a:r>
-              <a:rPr lang="en-US" dirty="0" smtClean="0"/>
-              <a:t>After Part 2</a:t>
-            </a:r>
-          </a:p>
-          <a:p>
-            <a:pPr lvl="2"/>
-            <a:r>
-              <a:rPr lang="en-US" dirty="0" smtClean="0"/>
-              <a:t>The idea morphed into looking at total campaign contributions </a:t>
-            </a:r>
-          </a:p>
-          <a:p>
-            <a:pPr lvl="2"/>
-            <a:r>
-              <a:rPr lang="en-US" dirty="0" smtClean="0"/>
-              <a:t>Due to uncovering very little with respect to stock changes and voting shifts </a:t>
-            </a:r>
-          </a:p>
-          <a:p>
-            <a:pPr lvl="3"/>
-            <a:r>
-              <a:rPr lang="en-US" dirty="0" smtClean="0"/>
-              <a:t>An interesting paradox is the Financial Crisis</a:t>
-            </a:r>
-          </a:p>
-        </p:txBody>
-      </p:sp>
+      <p:pic>
+        <p:nvPicPr>
+          <p:cNvPr id="2" name="Picture 1"/>
+          <p:cNvPicPr>
+            <a:picLocks noChangeAspect="1"/>
+          </p:cNvPicPr>
+          <p:nvPr/>
+        </p:nvPicPr>
+        <p:blipFill>
+          <a:blip r:embed="rId2">
+            <a:extLst>
+              <a:ext uri="{28A0092B-C50C-407E-A947-70E740481C1C}">
+                <a14:useLocalDpi xmlns:a14="http://schemas.microsoft.com/office/drawing/2010/main" val="0"/>
+              </a:ext>
+            </a:extLst>
+          </a:blip>
+          <a:stretch>
+            <a:fillRect/>
+          </a:stretch>
+        </p:blipFill>
+        <p:spPr>
+          <a:xfrm>
+            <a:off x="2519362" y="1652587"/>
+            <a:ext cx="7153275" cy="3552825"/>
+          </a:xfrm>
+          <a:prstGeom prst="rect">
+            <a:avLst/>
+          </a:prstGeom>
+        </p:spPr>
+      </p:pic>
     </p:spTree>
     <p:extLst>
       <p:ext uri="{BB962C8B-B14F-4D97-AF65-F5344CB8AC3E}">
-        <p14:creationId xmlns:p14="http://schemas.microsoft.com/office/powerpoint/2010/main" val="394179291"/>
+        <p14:creationId xmlns:p14="http://schemas.microsoft.com/office/powerpoint/2010/main" val="1939448696"/>
       </p:ext>
     </p:extLst>
   </p:cSld>
   <p:clrMapOvr>
     <a:masterClrMapping/>
   </p:clrMapOvr>
-  <p:transition spd="slow">
-    <p:push dir="u"/>
-  </p:transition>
-  <p:timing>
-    <p:tnLst>
-      <p:par>
-        <p:cTn id="1" dur="indefinite" restart="never" nodeType="tmRoot">
-          <p:childTnLst>
-            <p:seq concurrent="1" nextAc="seek">
-              <p:cTn id="2" dur="indefinite" nodeType="mainSeq">
-                <p:childTnLst>
-                  <p:par>
-                    <p:cTn id="3" fill="hold">
-                      <p:stCondLst>
-                        <p:cond delay="indefinite"/>
-                      </p:stCondLst>
-                      <p:childTnLst>
-                        <p:par>
-                          <p:cTn id="4" fill="hold">
-                            <p:stCondLst>
-                              <p:cond delay="0"/>
-                            </p:stCondLst>
-                            <p:childTnLst>
-                              <p:par>
-                                <p:cTn id="5" presetID="1" presetClass="entr" presetSubtype="0" fill="hold" nodeType="clickEffect">
-                                  <p:stCondLst>
-                                    <p:cond delay="0"/>
-                                  </p:stCondLst>
-                                  <p:childTnLst>
-                                    <p:set>
-                                      <p:cBhvr>
-                                        <p:cTn id="6" dur="1" fill="hold">
-                                          <p:stCondLst>
-                                            <p:cond delay="0"/>
-                                          </p:stCondLst>
-                                        </p:cTn>
-                                        <p:tgtEl>
-                                          <p:spTgt spid="3">
-                                            <p:txEl>
-                                              <p:pRg st="0" end="0"/>
-                                            </p:txEl>
-                                          </p:spTgt>
-                                        </p:tgtEl>
-                                        <p:attrNameLst>
-                                          <p:attrName>style.visibility</p:attrName>
-                                        </p:attrNameLst>
-                                      </p:cBhvr>
-                                      <p:to>
-                                        <p:strVal val="visible"/>
-                                      </p:to>
-                                    </p:set>
-                                  </p:childTnLst>
-                                </p:cTn>
-                              </p:par>
-                            </p:childTnLst>
-                          </p:cTn>
-                        </p:par>
-                      </p:childTnLst>
-                    </p:cTn>
-                  </p:par>
-                  <p:par>
-                    <p:cTn id="7" fill="hold">
-                      <p:stCondLst>
-                        <p:cond delay="indefinite"/>
-                      </p:stCondLst>
-                      <p:childTnLst>
-                        <p:par>
-                          <p:cTn id="8" fill="hold">
-                            <p:stCondLst>
-                              <p:cond delay="0"/>
-                            </p:stCondLst>
-                            <p:childTnLst>
-                              <p:par>
-                                <p:cTn id="9" presetID="1" presetClass="entr" presetSubtype="0" fill="hold" nodeType="clickEffect">
-                                  <p:stCondLst>
-                                    <p:cond delay="0"/>
-                                  </p:stCondLst>
-                                  <p:childTnLst>
-                                    <p:set>
-                                      <p:cBhvr>
-                                        <p:cTn id="10" dur="1" fill="hold">
-                                          <p:stCondLst>
-                                            <p:cond delay="0"/>
-                                          </p:stCondLst>
-                                        </p:cTn>
-                                        <p:tgtEl>
-                                          <p:spTgt spid="3">
-                                            <p:txEl>
-                                              <p:pRg st="1" end="1"/>
-                                            </p:txEl>
-                                          </p:spTgt>
-                                        </p:tgtEl>
-                                        <p:attrNameLst>
-                                          <p:attrName>style.visibility</p:attrName>
-                                        </p:attrNameLst>
-                                      </p:cBhvr>
-                                      <p:to>
-                                        <p:strVal val="visible"/>
-                                      </p:to>
-                                    </p:set>
-                                  </p:childTnLst>
-                                </p:cTn>
-                              </p:par>
-                              <p:par>
-                                <p:cTn id="11" presetID="1" presetClass="entr" presetSubtype="0" fill="hold" nodeType="withEffect">
-                                  <p:stCondLst>
-                                    <p:cond delay="0"/>
-                                  </p:stCondLst>
-                                  <p:childTnLst>
-                                    <p:set>
-                                      <p:cBhvr>
-                                        <p:cTn id="12" dur="1" fill="hold">
-                                          <p:stCondLst>
-                                            <p:cond delay="0"/>
-                                          </p:stCondLst>
-                                        </p:cTn>
-                                        <p:tgtEl>
-                                          <p:spTgt spid="3">
-                                            <p:txEl>
-                                              <p:pRg st="2" end="2"/>
-                                            </p:txEl>
-                                          </p:spTgt>
-                                        </p:tgtEl>
-                                        <p:attrNameLst>
-                                          <p:attrName>style.visibility</p:attrName>
-                                        </p:attrNameLst>
-                                      </p:cBhvr>
-                                      <p:to>
-                                        <p:strVal val="visible"/>
-                                      </p:to>
-                                    </p:set>
-                                  </p:childTnLst>
-                                </p:cTn>
-                              </p:par>
-                            </p:childTnLst>
-                          </p:cTn>
-                        </p:par>
-                      </p:childTnLst>
-                    </p:cTn>
-                  </p:par>
-                  <p:par>
-                    <p:cTn id="13" fill="hold">
-                      <p:stCondLst>
-                        <p:cond delay="indefinite"/>
-                      </p:stCondLst>
-                      <p:childTnLst>
-                        <p:par>
-                          <p:cTn id="14" fill="hold">
-                            <p:stCondLst>
-                              <p:cond delay="0"/>
-                            </p:stCondLst>
-                            <p:childTnLst>
-                              <p:par>
-                                <p:cTn id="15" presetID="1" presetClass="entr" presetSubtype="0" fill="hold" nodeType="clickEffect">
-                                  <p:stCondLst>
-                                    <p:cond delay="0"/>
-                                  </p:stCondLst>
-                                  <p:childTnLst>
-                                    <p:set>
-                                      <p:cBhvr>
-                                        <p:cTn id="16" dur="1" fill="hold">
-                                          <p:stCondLst>
-                                            <p:cond delay="0"/>
-                                          </p:stCondLst>
-                                        </p:cTn>
-                                        <p:tgtEl>
-                                          <p:spTgt spid="3">
-                                            <p:txEl>
-                                              <p:pRg st="4" end="4"/>
-                                            </p:txEl>
-                                          </p:spTgt>
-                                        </p:tgtEl>
-                                        <p:attrNameLst>
-                                          <p:attrName>style.visibility</p:attrName>
-                                        </p:attrNameLst>
-                                      </p:cBhvr>
-                                      <p:to>
-                                        <p:strVal val="visible"/>
-                                      </p:to>
-                                    </p:set>
-                                  </p:childTnLst>
-                                </p:cTn>
-                              </p:par>
-                            </p:childTnLst>
-                          </p:cTn>
-                        </p:par>
-                      </p:childTnLst>
-                    </p:cTn>
-                  </p:par>
-                  <p:par>
-                    <p:cTn id="17" fill="hold">
-                      <p:stCondLst>
-                        <p:cond delay="indefinite"/>
-                      </p:stCondLst>
-                      <p:childTnLst>
-                        <p:par>
-                          <p:cTn id="18" fill="hold">
-                            <p:stCondLst>
-                              <p:cond delay="0"/>
-                            </p:stCondLst>
-                            <p:childTnLst>
-                              <p:par>
-                                <p:cTn id="19" presetID="1" presetClass="entr" presetSubtype="0" fill="hold" nodeType="clickEffect">
-                                  <p:stCondLst>
-                                    <p:cond delay="0"/>
-                                  </p:stCondLst>
-                                  <p:childTnLst>
-                                    <p:set>
-                                      <p:cBhvr>
-                                        <p:cTn id="20" dur="1" fill="hold">
-                                          <p:stCondLst>
-                                            <p:cond delay="0"/>
-                                          </p:stCondLst>
-                                        </p:cTn>
-                                        <p:tgtEl>
-                                          <p:spTgt spid="3">
-                                            <p:txEl>
-                                              <p:pRg st="5" end="5"/>
-                                            </p:txEl>
-                                          </p:spTgt>
-                                        </p:tgtEl>
-                                        <p:attrNameLst>
-                                          <p:attrName>style.visibility</p:attrName>
-                                        </p:attrNameLst>
-                                      </p:cBhvr>
-                                      <p:to>
-                                        <p:strVal val="visible"/>
-                                      </p:to>
-                                    </p:set>
-                                  </p:childTnLst>
-                                </p:cTn>
-                              </p:par>
-                              <p:par>
-                                <p:cTn id="21" presetID="1" presetClass="entr" presetSubtype="0" fill="hold" nodeType="withEffect">
-                                  <p:stCondLst>
-                                    <p:cond delay="0"/>
-                                  </p:stCondLst>
-                                  <p:childTnLst>
-                                    <p:set>
-                                      <p:cBhvr>
-                                        <p:cTn id="22" dur="1" fill="hold">
-                                          <p:stCondLst>
-                                            <p:cond delay="0"/>
-                                          </p:stCondLst>
-                                        </p:cTn>
-                                        <p:tgtEl>
-                                          <p:spTgt spid="3">
-                                            <p:txEl>
-                                              <p:pRg st="6" end="6"/>
-                                            </p:txEl>
-                                          </p:spTgt>
-                                        </p:tgtEl>
-                                        <p:attrNameLst>
-                                          <p:attrName>style.visibility</p:attrName>
-                                        </p:attrNameLst>
-                                      </p:cBhvr>
-                                      <p:to>
-                                        <p:strVal val="visible"/>
-                                      </p:to>
-                                    </p:set>
-                                  </p:childTnLst>
-                                </p:cTn>
-                              </p:par>
-                            </p:childTnLst>
-                          </p:cTn>
-                        </p:par>
-                      </p:childTnLst>
-                    </p:cTn>
-                  </p:par>
-                  <p:par>
-                    <p:cTn id="23" fill="hold">
-                      <p:stCondLst>
-                        <p:cond delay="indefinite"/>
-                      </p:stCondLst>
-                      <p:childTnLst>
-                        <p:par>
-                          <p:cTn id="24" fill="hold">
-                            <p:stCondLst>
-                              <p:cond delay="0"/>
-                            </p:stCondLst>
-                            <p:childTnLst>
-                              <p:par>
-                                <p:cTn id="25" presetID="1" presetClass="entr" presetSubtype="0" fill="hold" nodeType="clickEffect">
-                                  <p:stCondLst>
-                                    <p:cond delay="0"/>
-                                  </p:stCondLst>
-                                  <p:childTnLst>
-                                    <p:set>
-                                      <p:cBhvr>
-                                        <p:cTn id="26" dur="1" fill="hold">
-                                          <p:stCondLst>
-                                            <p:cond delay="0"/>
-                                          </p:stCondLst>
-                                        </p:cTn>
-                                        <p:tgtEl>
-                                          <p:spTgt spid="3">
-                                            <p:txEl>
-                                              <p:pRg st="7" end="7"/>
-                                            </p:txEl>
-                                          </p:spTgt>
-                                        </p:tgtEl>
-                                        <p:attrNameLst>
-                                          <p:attrName>style.visibility</p:attrName>
-                                        </p:attrNameLst>
-                                      </p:cBhvr>
-                                      <p:to>
-                                        <p:strVal val="visible"/>
-                                      </p:to>
-                                    </p:set>
-                                  </p:childTnLst>
-                                </p:cTn>
-                              </p:par>
-                            </p:childTnLst>
-                          </p:cTn>
-                        </p:par>
-                      </p:childTnLst>
-                    </p:cTn>
-                  </p:par>
-                </p:childTnLst>
-              </p:cTn>
-              <p:prevCondLst>
-                <p:cond evt="onPrev" delay="0">
-                  <p:tgtEl>
-                    <p:sldTgt/>
-                  </p:tgtEl>
-                </p:cond>
-              </p:prevCondLst>
-              <p:nextCondLst>
-                <p:cond evt="onNext" delay="0">
-                  <p:tgtEl>
-                    <p:sldTgt/>
-                  </p:tgtEl>
-                </p:cond>
-              </p:nextCondLst>
-            </p:seq>
-          </p:childTnLst>
-        </p:cTn>
-      </p:par>
-    </p:tnLst>
-  </p:timing>
 </p:sld>
 </file>
 
@@ -8041,257 +7770,140 @@
           <a:chExt cx="0" cy="0"/>
         </a:xfrm>
       </p:grpSpPr>
-      <p:sp>
-        <p:nvSpPr>
-          <p:cNvPr id="2" name="Title 1"/>
-          <p:cNvSpPr>
-            <a:spLocks noGrp="1"/>
-          </p:cNvSpPr>
-          <p:nvPr>
-            <p:ph type="title"/>
-          </p:nvPr>
-        </p:nvSpPr>
-        <p:spPr/>
-        <p:txBody>
-          <a:bodyPr/>
-          <a:lstStyle/>
-          <a:p>
-            <a:r>
-              <a:rPr lang="en-US" dirty="0" smtClean="0"/>
-              <a:t>Some takeaways</a:t>
-            </a:r>
-            <a:endParaRPr lang="en-US" dirty="0"/>
-          </a:p>
-        </p:txBody>
-      </p:sp>
-      <p:sp>
-        <p:nvSpPr>
-          <p:cNvPr id="3" name="Content Placeholder 2"/>
-          <p:cNvSpPr>
-            <a:spLocks noGrp="1"/>
-          </p:cNvSpPr>
-          <p:nvPr>
-            <p:ph idx="1"/>
-          </p:nvPr>
-        </p:nvSpPr>
-        <p:spPr/>
-        <p:txBody>
-          <a:bodyPr/>
-          <a:lstStyle/>
-          <a:p>
-            <a:r>
-              <a:rPr lang="en-US" dirty="0" smtClean="0"/>
-              <a:t>Many of our conclusions supported already expected conclusions, but no major breakthroughs that we we were hopping for</a:t>
-            </a:r>
-          </a:p>
-          <a:p>
-            <a:r>
-              <a:rPr lang="en-US" dirty="0" smtClean="0"/>
-              <a:t>Stocks aren’t significantly affected by election results</a:t>
-            </a:r>
-          </a:p>
-          <a:p>
-            <a:r>
-              <a:rPr lang="en-US" dirty="0"/>
-              <a:t>If you’re running for congress, make sure to be an incumbent</a:t>
-            </a:r>
-          </a:p>
-          <a:p>
-            <a:endParaRPr lang="en-US" dirty="0"/>
-          </a:p>
-        </p:txBody>
-      </p:sp>
+      <p:pic>
+        <p:nvPicPr>
+          <p:cNvPr id="2" name="Picture 1"/>
+          <p:cNvPicPr>
+            <a:picLocks noChangeAspect="1"/>
+          </p:cNvPicPr>
+          <p:nvPr/>
+        </p:nvPicPr>
+        <p:blipFill>
+          <a:blip r:embed="rId2">
+            <a:extLst>
+              <a:ext uri="{28A0092B-C50C-407E-A947-70E740481C1C}">
+                <a14:useLocalDpi xmlns:a14="http://schemas.microsoft.com/office/drawing/2010/main" val="0"/>
+              </a:ext>
+            </a:extLst>
+          </a:blip>
+          <a:stretch>
+            <a:fillRect/>
+          </a:stretch>
+        </p:blipFill>
+        <p:spPr>
+          <a:xfrm>
+            <a:off x="2519362" y="1652587"/>
+            <a:ext cx="7153275" cy="3552825"/>
+          </a:xfrm>
+          <a:prstGeom prst="rect">
+            <a:avLst/>
+          </a:prstGeom>
+        </p:spPr>
+      </p:pic>
     </p:spTree>
     <p:extLst>
       <p:ext uri="{BB962C8B-B14F-4D97-AF65-F5344CB8AC3E}">
-        <p14:creationId xmlns:p14="http://schemas.microsoft.com/office/powerpoint/2010/main" val="2131776489"/>
+        <p14:creationId xmlns:p14="http://schemas.microsoft.com/office/powerpoint/2010/main" val="1807439506"/>
       </p:ext>
     </p:extLst>
   </p:cSld>
   <p:clrMapOvr>
     <a:masterClrMapping/>
   </p:clrMapOvr>
-  <p:timing>
-    <p:tnLst>
-      <p:par>
-        <p:cTn id="1" dur="indefinite" restart="never" nodeType="tmRoot">
-          <p:childTnLst>
-            <p:seq concurrent="1" nextAc="seek">
-              <p:cTn id="2" dur="indefinite" nodeType="mainSeq">
-                <p:childTnLst>
-                  <p:par>
-                    <p:cTn id="3" fill="hold">
-                      <p:stCondLst>
-                        <p:cond delay="indefinite"/>
-                      </p:stCondLst>
-                      <p:childTnLst>
-                        <p:par>
-                          <p:cTn id="4" fill="hold">
-                            <p:stCondLst>
-                              <p:cond delay="0"/>
-                            </p:stCondLst>
-                            <p:childTnLst>
-                              <p:par>
-                                <p:cTn id="5" presetID="1" presetClass="entr" presetSubtype="0" fill="hold" nodeType="clickEffect">
-                                  <p:stCondLst>
-                                    <p:cond delay="0"/>
-                                  </p:stCondLst>
-                                  <p:childTnLst>
-                                    <p:set>
-                                      <p:cBhvr>
-                                        <p:cTn id="6" dur="1" fill="hold">
-                                          <p:stCondLst>
-                                            <p:cond delay="0"/>
-                                          </p:stCondLst>
-                                        </p:cTn>
-                                        <p:tgtEl>
-                                          <p:spTgt spid="3">
-                                            <p:txEl>
-                                              <p:pRg st="0" end="0"/>
-                                            </p:txEl>
-                                          </p:spTgt>
-                                        </p:tgtEl>
-                                        <p:attrNameLst>
-                                          <p:attrName>style.visibility</p:attrName>
-                                        </p:attrNameLst>
-                                      </p:cBhvr>
-                                      <p:to>
-                                        <p:strVal val="visible"/>
-                                      </p:to>
-                                    </p:set>
-                                  </p:childTnLst>
-                                </p:cTn>
-                              </p:par>
-                            </p:childTnLst>
-                          </p:cTn>
-                        </p:par>
-                      </p:childTnLst>
-                    </p:cTn>
-                  </p:par>
-                  <p:par>
-                    <p:cTn id="7" fill="hold">
-                      <p:stCondLst>
-                        <p:cond delay="indefinite"/>
-                      </p:stCondLst>
-                      <p:childTnLst>
-                        <p:par>
-                          <p:cTn id="8" fill="hold">
-                            <p:stCondLst>
-                              <p:cond delay="0"/>
-                            </p:stCondLst>
-                            <p:childTnLst>
-                              <p:par>
-                                <p:cTn id="9" presetID="1" presetClass="entr" presetSubtype="0" fill="hold" nodeType="clickEffect">
-                                  <p:stCondLst>
-                                    <p:cond delay="0"/>
-                                  </p:stCondLst>
-                                  <p:childTnLst>
-                                    <p:set>
-                                      <p:cBhvr>
-                                        <p:cTn id="10" dur="1" fill="hold">
-                                          <p:stCondLst>
-                                            <p:cond delay="0"/>
-                                          </p:stCondLst>
-                                        </p:cTn>
-                                        <p:tgtEl>
-                                          <p:spTgt spid="3">
-                                            <p:txEl>
-                                              <p:pRg st="1" end="1"/>
-                                            </p:txEl>
-                                          </p:spTgt>
-                                        </p:tgtEl>
-                                        <p:attrNameLst>
-                                          <p:attrName>style.visibility</p:attrName>
-                                        </p:attrNameLst>
-                                      </p:cBhvr>
-                                      <p:to>
-                                        <p:strVal val="visible"/>
-                                      </p:to>
-                                    </p:set>
-                                  </p:childTnLst>
-                                </p:cTn>
-                              </p:par>
-                            </p:childTnLst>
-                          </p:cTn>
-                        </p:par>
-                      </p:childTnLst>
-                    </p:cTn>
-                  </p:par>
-                  <p:par>
-                    <p:cTn id="11" fill="hold">
-                      <p:stCondLst>
-                        <p:cond delay="indefinite"/>
-                      </p:stCondLst>
-                      <p:childTnLst>
-                        <p:par>
-                          <p:cTn id="12" fill="hold">
-                            <p:stCondLst>
-                              <p:cond delay="0"/>
-                            </p:stCondLst>
-                            <p:childTnLst>
-                              <p:par>
-                                <p:cTn id="13" presetID="1" presetClass="entr" presetSubtype="0" fill="hold" nodeType="clickEffect">
-                                  <p:stCondLst>
-                                    <p:cond delay="0"/>
-                                  </p:stCondLst>
-                                  <p:childTnLst>
-                                    <p:set>
-                                      <p:cBhvr>
-                                        <p:cTn id="14" dur="1" fill="hold">
-                                          <p:stCondLst>
-                                            <p:cond delay="0"/>
-                                          </p:stCondLst>
-                                        </p:cTn>
-                                        <p:tgtEl>
-                                          <p:spTgt spid="3">
-                                            <p:txEl>
-                                              <p:pRg st="2" end="2"/>
-                                            </p:txEl>
-                                          </p:spTgt>
-                                        </p:tgtEl>
-                                        <p:attrNameLst>
-                                          <p:attrName>style.visibility</p:attrName>
-                                        </p:attrNameLst>
-                                      </p:cBhvr>
-                                      <p:to>
-                                        <p:strVal val="visible"/>
-                                      </p:to>
-                                    </p:set>
-                                  </p:childTnLst>
-                                </p:cTn>
-                              </p:par>
-                            </p:childTnLst>
-                          </p:cTn>
-                        </p:par>
-                      </p:childTnLst>
-                    </p:cTn>
-                  </p:par>
-                </p:childTnLst>
-              </p:cTn>
-              <p:prevCondLst>
-                <p:cond evt="onPrev" delay="0">
-                  <p:tgtEl>
-                    <p:sldTgt/>
-                  </p:tgtEl>
-                </p:cond>
-              </p:prevCondLst>
-              <p:nextCondLst>
-                <p:cond evt="onNext" delay="0">
-                  <p:tgtEl>
-                    <p:sldTgt/>
-                  </p:tgtEl>
-                </p:cond>
-              </p:nextCondLst>
-            </p:seq>
-          </p:childTnLst>
-        </p:cTn>
-      </p:par>
-    </p:tnLst>
-  </p:timing>
 </p:sld>
 </file>
 
 <file path=ppt/slides/slide22.xml><?xml version="1.0" encoding="utf-8"?>
+<p:sld xmlns:a="http://schemas.openxmlformats.org/drawingml/2006/main" xmlns:r="http://schemas.openxmlformats.org/officeDocument/2006/relationships" xmlns:p="http://schemas.openxmlformats.org/presentationml/2006/main">
+  <p:cSld>
+    <p:spTree>
+      <p:nvGrpSpPr>
+        <p:cNvPr id="1" name=""/>
+        <p:cNvGrpSpPr/>
+        <p:nvPr/>
+      </p:nvGrpSpPr>
+      <p:grpSpPr>
+        <a:xfrm>
+          <a:off x="0" y="0"/>
+          <a:ext cx="0" cy="0"/>
+          <a:chOff x="0" y="0"/>
+          <a:chExt cx="0" cy="0"/>
+        </a:xfrm>
+      </p:grpSpPr>
+      <p:pic>
+        <p:nvPicPr>
+          <p:cNvPr id="2" name="Picture 1"/>
+          <p:cNvPicPr>
+            <a:picLocks noChangeAspect="1"/>
+          </p:cNvPicPr>
+          <p:nvPr/>
+        </p:nvPicPr>
+        <p:blipFill>
+          <a:blip r:embed="rId2">
+            <a:extLst>
+              <a:ext uri="{28A0092B-C50C-407E-A947-70E740481C1C}">
+                <a14:useLocalDpi xmlns:a14="http://schemas.microsoft.com/office/drawing/2010/main" val="0"/>
+              </a:ext>
+            </a:extLst>
+          </a:blip>
+          <a:stretch>
+            <a:fillRect/>
+          </a:stretch>
+        </p:blipFill>
+        <p:spPr>
+          <a:xfrm>
+            <a:off x="2497589" y="0"/>
+            <a:ext cx="7153275" cy="3552825"/>
+          </a:xfrm>
+          <a:prstGeom prst="rect">
+            <a:avLst/>
+          </a:prstGeom>
+        </p:spPr>
+      </p:pic>
+      <p:pic>
+        <p:nvPicPr>
+          <p:cNvPr id="3" name="Picture 2"/>
+          <p:cNvPicPr>
+            <a:picLocks noChangeAspect="1"/>
+          </p:cNvPicPr>
+          <p:nvPr/>
+        </p:nvPicPr>
+        <p:blipFill>
+          <a:blip r:embed="rId3">
+            <a:extLst>
+              <a:ext uri="{28A0092B-C50C-407E-A947-70E740481C1C}">
+                <a14:useLocalDpi xmlns:a14="http://schemas.microsoft.com/office/drawing/2010/main" val="0"/>
+              </a:ext>
+            </a:extLst>
+          </a:blip>
+          <a:stretch>
+            <a:fillRect/>
+          </a:stretch>
+        </p:blipFill>
+        <p:spPr>
+          <a:xfrm>
+            <a:off x="2497590" y="3391900"/>
+            <a:ext cx="7153275" cy="3552825"/>
+          </a:xfrm>
+          <a:prstGeom prst="rect">
+            <a:avLst/>
+          </a:prstGeom>
+        </p:spPr>
+      </p:pic>
+    </p:spTree>
+    <p:extLst>
+      <p:ext uri="{BB962C8B-B14F-4D97-AF65-F5344CB8AC3E}">
+        <p14:creationId xmlns:p14="http://schemas.microsoft.com/office/powerpoint/2010/main" val="1479590527"/>
+      </p:ext>
+    </p:extLst>
+  </p:cSld>
+  <p:clrMapOvr>
+    <a:masterClrMapping/>
+  </p:clrMapOvr>
+</p:sld>
+</file>
+
+<file path=ppt/slides/slide23.xml><?xml version="1.0" encoding="utf-8"?>
 <p:sld xmlns:a="http://schemas.openxmlformats.org/drawingml/2006/main" xmlns:r="http://schemas.openxmlformats.org/officeDocument/2006/relationships" xmlns:p="http://schemas.openxmlformats.org/presentationml/2006/main">
   <p:cSld>
     <p:spTree>
@@ -8388,7 +8000,7 @@
 </p:sld>
 </file>
 
-<file path=ppt/slides/slide23.xml><?xml version="1.0" encoding="utf-8"?>
+<file path=ppt/slides/slide24.xml><?xml version="1.0" encoding="utf-8"?>
 <p:sld xmlns:a="http://schemas.openxmlformats.org/drawingml/2006/main" xmlns:r="http://schemas.openxmlformats.org/officeDocument/2006/relationships" xmlns:p="http://schemas.openxmlformats.org/presentationml/2006/main">
   <p:cSld>
     <p:spTree>
@@ -8765,6 +8377,908 @@
       </p:par>
     </p:tnLst>
   </p:timing>
+</p:sld>
+</file>
+
+<file path=ppt/slides/slide25.xml><?xml version="1.0" encoding="utf-8"?>
+<p:sld xmlns:a="http://schemas.openxmlformats.org/drawingml/2006/main" xmlns:r="http://schemas.openxmlformats.org/officeDocument/2006/relationships" xmlns:p="http://schemas.openxmlformats.org/presentationml/2006/main">
+  <p:cSld>
+    <p:spTree>
+      <p:nvGrpSpPr>
+        <p:cNvPr id="1" name=""/>
+        <p:cNvGrpSpPr/>
+        <p:nvPr/>
+      </p:nvGrpSpPr>
+      <p:grpSpPr>
+        <a:xfrm>
+          <a:off x="0" y="0"/>
+          <a:ext cx="0" cy="0"/>
+          <a:chOff x="0" y="0"/>
+          <a:chExt cx="0" cy="0"/>
+        </a:xfrm>
+      </p:grpSpPr>
+      <p:sp>
+        <p:nvSpPr>
+          <p:cNvPr id="2" name="Title 1"/>
+          <p:cNvSpPr>
+            <a:spLocks noGrp="1"/>
+          </p:cNvSpPr>
+          <p:nvPr>
+            <p:ph type="title"/>
+          </p:nvPr>
+        </p:nvSpPr>
+        <p:spPr>
+          <a:xfrm>
+            <a:off x="838200" y="2242801"/>
+            <a:ext cx="10515600" cy="1325563"/>
+          </a:xfrm>
+        </p:spPr>
+        <p:txBody>
+          <a:bodyPr>
+            <a:normAutofit/>
+          </a:bodyPr>
+          <a:lstStyle/>
+          <a:p>
+            <a:pPr algn="ctr"/>
+            <a:r>
+              <a:rPr lang="en-US" sz="6000" dirty="0" smtClean="0"/>
+              <a:t>Wrapping it Up</a:t>
+            </a:r>
+            <a:endParaRPr lang="en-US" sz="6000" dirty="0"/>
+          </a:p>
+        </p:txBody>
+      </p:sp>
+      <p:sp>
+        <p:nvSpPr>
+          <p:cNvPr id="3" name="Content Placeholder 2"/>
+          <p:cNvSpPr>
+            <a:spLocks noGrp="1"/>
+          </p:cNvSpPr>
+          <p:nvPr>
+            <p:ph idx="1"/>
+          </p:nvPr>
+        </p:nvSpPr>
+        <p:spPr>
+          <a:xfrm>
+            <a:off x="838200" y="3568364"/>
+            <a:ext cx="10515600" cy="2875467"/>
+          </a:xfrm>
+        </p:spPr>
+        <p:txBody>
+          <a:bodyPr>
+            <a:normAutofit/>
+          </a:bodyPr>
+          <a:lstStyle/>
+          <a:p>
+            <a:pPr marL="0" indent="0" algn="ctr">
+              <a:buNone/>
+            </a:pPr>
+            <a:endParaRPr lang="en-US" sz="2400" dirty="0"/>
+          </a:p>
+        </p:txBody>
+      </p:sp>
+    </p:spTree>
+    <p:extLst>
+      <p:ext uri="{BB962C8B-B14F-4D97-AF65-F5344CB8AC3E}">
+        <p14:creationId xmlns:p14="http://schemas.microsoft.com/office/powerpoint/2010/main" val="1564322208"/>
+      </p:ext>
+    </p:extLst>
+  </p:cSld>
+  <p:clrMapOvr>
+    <a:masterClrMapping/>
+  </p:clrMapOvr>
+  <p:timing>
+    <p:tnLst>
+      <p:par>
+        <p:cTn id="1" dur="indefinite" restart="never" nodeType="tmRoot"/>
+      </p:par>
+    </p:tnLst>
+  </p:timing>
+</p:sld>
+</file>
+
+<file path=ppt/slides/slide26.xml><?xml version="1.0" encoding="utf-8"?>
+<p:sld xmlns:a="http://schemas.openxmlformats.org/drawingml/2006/main" xmlns:r="http://schemas.openxmlformats.org/officeDocument/2006/relationships" xmlns:p="http://schemas.openxmlformats.org/presentationml/2006/main">
+  <p:cSld>
+    <p:spTree>
+      <p:nvGrpSpPr>
+        <p:cNvPr id="1" name=""/>
+        <p:cNvGrpSpPr/>
+        <p:nvPr/>
+      </p:nvGrpSpPr>
+      <p:grpSpPr>
+        <a:xfrm>
+          <a:off x="0" y="0"/>
+          <a:ext cx="0" cy="0"/>
+          <a:chOff x="0" y="0"/>
+          <a:chExt cx="0" cy="0"/>
+        </a:xfrm>
+      </p:grpSpPr>
+      <p:sp>
+        <p:nvSpPr>
+          <p:cNvPr id="2" name="Title 1"/>
+          <p:cNvSpPr>
+            <a:spLocks noGrp="1"/>
+          </p:cNvSpPr>
+          <p:nvPr>
+            <p:ph type="title"/>
+          </p:nvPr>
+        </p:nvSpPr>
+        <p:spPr/>
+        <p:txBody>
+          <a:bodyPr/>
+          <a:lstStyle/>
+          <a:p>
+            <a:r>
+              <a:rPr lang="en-US" dirty="0" smtClean="0"/>
+              <a:t>The evolution of our Question</a:t>
+            </a:r>
+            <a:endParaRPr lang="en-US" dirty="0"/>
+          </a:p>
+        </p:txBody>
+      </p:sp>
+      <p:sp>
+        <p:nvSpPr>
+          <p:cNvPr id="3" name="Content Placeholder 2"/>
+          <p:cNvSpPr>
+            <a:spLocks noGrp="1"/>
+          </p:cNvSpPr>
+          <p:nvPr>
+            <p:ph idx="1"/>
+          </p:nvPr>
+        </p:nvSpPr>
+        <p:spPr/>
+        <p:txBody>
+          <a:bodyPr/>
+          <a:lstStyle/>
+          <a:p>
+            <a:pPr lvl="1"/>
+            <a:r>
+              <a:rPr lang="en-US" dirty="0"/>
+              <a:t>Initial </a:t>
+            </a:r>
+            <a:r>
+              <a:rPr lang="en-US" dirty="0" smtClean="0"/>
+              <a:t>Ideas</a:t>
+            </a:r>
+            <a:r>
+              <a:rPr lang="en-US" dirty="0" smtClean="0"/>
+              <a:t>:</a:t>
+            </a:r>
+            <a:endParaRPr lang="en-US" dirty="0" smtClean="0"/>
+          </a:p>
+          <a:p>
+            <a:pPr lvl="2"/>
+            <a:r>
+              <a:rPr lang="en-US" dirty="0" smtClean="0"/>
+              <a:t>Do Political Contributes  by sectors affect whether candidates win?</a:t>
+            </a:r>
+          </a:p>
+          <a:p>
+            <a:pPr lvl="2"/>
+            <a:r>
+              <a:rPr lang="en-US" dirty="0" smtClean="0"/>
+              <a:t>Do election </a:t>
+            </a:r>
+            <a:r>
+              <a:rPr lang="en-US" dirty="0"/>
+              <a:t>results had any specific impact on the market as a whole</a:t>
+            </a:r>
+            <a:r>
+              <a:rPr lang="en-US" dirty="0" smtClean="0"/>
+              <a:t>.?</a:t>
+            </a:r>
+            <a:endParaRPr lang="en-US" dirty="0"/>
+          </a:p>
+          <a:p>
+            <a:pPr lvl="1"/>
+            <a:endParaRPr lang="en-US" dirty="0"/>
+          </a:p>
+          <a:p>
+            <a:pPr lvl="1"/>
+            <a:r>
+              <a:rPr lang="en-US" dirty="0" smtClean="0"/>
+              <a:t>Resulting </a:t>
+            </a:r>
+            <a:r>
+              <a:rPr lang="en-US" dirty="0"/>
+              <a:t>Analyses</a:t>
+            </a:r>
+          </a:p>
+          <a:p>
+            <a:pPr lvl="2"/>
+            <a:r>
+              <a:rPr lang="en-US" dirty="0" smtClean="0"/>
+              <a:t>The </a:t>
+            </a:r>
+            <a:r>
+              <a:rPr lang="en-US" dirty="0" smtClean="0"/>
+              <a:t>idea morphed into looking at total campaign contributions </a:t>
+            </a:r>
+          </a:p>
+          <a:p>
+            <a:pPr lvl="2"/>
+            <a:r>
+              <a:rPr lang="en-US" dirty="0" smtClean="0"/>
+              <a:t>Due to uncovering very little with respect to stock changes and voting shifts </a:t>
+            </a:r>
+          </a:p>
+          <a:p>
+            <a:pPr lvl="3"/>
+            <a:r>
+              <a:rPr lang="en-US" dirty="0" smtClean="0"/>
+              <a:t>An interesting paradox is the Financial Crisis</a:t>
+            </a:r>
+          </a:p>
+        </p:txBody>
+      </p:sp>
+    </p:spTree>
+    <p:extLst>
+      <p:ext uri="{BB962C8B-B14F-4D97-AF65-F5344CB8AC3E}">
+        <p14:creationId xmlns:p14="http://schemas.microsoft.com/office/powerpoint/2010/main" val="394179291"/>
+      </p:ext>
+    </p:extLst>
+  </p:cSld>
+  <p:clrMapOvr>
+    <a:masterClrMapping/>
+  </p:clrMapOvr>
+  <p:transition spd="slow">
+    <p:push dir="u"/>
+  </p:transition>
+  <p:timing>
+    <p:tnLst>
+      <p:par>
+        <p:cTn id="1" dur="indefinite" restart="never" nodeType="tmRoot">
+          <p:childTnLst>
+            <p:seq concurrent="1" nextAc="seek">
+              <p:cTn id="2" dur="indefinite" nodeType="mainSeq">
+                <p:childTnLst>
+                  <p:par>
+                    <p:cTn id="3" fill="hold">
+                      <p:stCondLst>
+                        <p:cond delay="indefinite"/>
+                      </p:stCondLst>
+                      <p:childTnLst>
+                        <p:par>
+                          <p:cTn id="4" fill="hold">
+                            <p:stCondLst>
+                              <p:cond delay="0"/>
+                            </p:stCondLst>
+                            <p:childTnLst>
+                              <p:par>
+                                <p:cTn id="5" presetID="1" presetClass="entr" presetSubtype="0" fill="hold" nodeType="clickEffect">
+                                  <p:stCondLst>
+                                    <p:cond delay="0"/>
+                                  </p:stCondLst>
+                                  <p:childTnLst>
+                                    <p:set>
+                                      <p:cBhvr>
+                                        <p:cTn id="6" dur="1" fill="hold">
+                                          <p:stCondLst>
+                                            <p:cond delay="0"/>
+                                          </p:stCondLst>
+                                        </p:cTn>
+                                        <p:tgtEl>
+                                          <p:spTgt spid="3">
+                                            <p:txEl>
+                                              <p:pRg st="0" end="0"/>
+                                            </p:txEl>
+                                          </p:spTgt>
+                                        </p:tgtEl>
+                                        <p:attrNameLst>
+                                          <p:attrName>style.visibility</p:attrName>
+                                        </p:attrNameLst>
+                                      </p:cBhvr>
+                                      <p:to>
+                                        <p:strVal val="visible"/>
+                                      </p:to>
+                                    </p:set>
+                                  </p:childTnLst>
+                                </p:cTn>
+                              </p:par>
+                            </p:childTnLst>
+                          </p:cTn>
+                        </p:par>
+                      </p:childTnLst>
+                    </p:cTn>
+                  </p:par>
+                  <p:par>
+                    <p:cTn id="7" fill="hold">
+                      <p:stCondLst>
+                        <p:cond delay="indefinite"/>
+                      </p:stCondLst>
+                      <p:childTnLst>
+                        <p:par>
+                          <p:cTn id="8" fill="hold">
+                            <p:stCondLst>
+                              <p:cond delay="0"/>
+                            </p:stCondLst>
+                            <p:childTnLst>
+                              <p:par>
+                                <p:cTn id="9" presetID="1" presetClass="entr" presetSubtype="0" fill="hold" nodeType="clickEffect">
+                                  <p:stCondLst>
+                                    <p:cond delay="0"/>
+                                  </p:stCondLst>
+                                  <p:childTnLst>
+                                    <p:set>
+                                      <p:cBhvr>
+                                        <p:cTn id="10" dur="1" fill="hold">
+                                          <p:stCondLst>
+                                            <p:cond delay="0"/>
+                                          </p:stCondLst>
+                                        </p:cTn>
+                                        <p:tgtEl>
+                                          <p:spTgt spid="3">
+                                            <p:txEl>
+                                              <p:pRg st="1" end="1"/>
+                                            </p:txEl>
+                                          </p:spTgt>
+                                        </p:tgtEl>
+                                        <p:attrNameLst>
+                                          <p:attrName>style.visibility</p:attrName>
+                                        </p:attrNameLst>
+                                      </p:cBhvr>
+                                      <p:to>
+                                        <p:strVal val="visible"/>
+                                      </p:to>
+                                    </p:set>
+                                  </p:childTnLst>
+                                </p:cTn>
+                              </p:par>
+                              <p:par>
+                                <p:cTn id="11" presetID="1" presetClass="entr" presetSubtype="0" fill="hold" nodeType="withEffect">
+                                  <p:stCondLst>
+                                    <p:cond delay="0"/>
+                                  </p:stCondLst>
+                                  <p:childTnLst>
+                                    <p:set>
+                                      <p:cBhvr>
+                                        <p:cTn id="12" dur="1" fill="hold">
+                                          <p:stCondLst>
+                                            <p:cond delay="0"/>
+                                          </p:stCondLst>
+                                        </p:cTn>
+                                        <p:tgtEl>
+                                          <p:spTgt spid="3">
+                                            <p:txEl>
+                                              <p:pRg st="2" end="2"/>
+                                            </p:txEl>
+                                          </p:spTgt>
+                                        </p:tgtEl>
+                                        <p:attrNameLst>
+                                          <p:attrName>style.visibility</p:attrName>
+                                        </p:attrNameLst>
+                                      </p:cBhvr>
+                                      <p:to>
+                                        <p:strVal val="visible"/>
+                                      </p:to>
+                                    </p:set>
+                                  </p:childTnLst>
+                                </p:cTn>
+                              </p:par>
+                            </p:childTnLst>
+                          </p:cTn>
+                        </p:par>
+                      </p:childTnLst>
+                    </p:cTn>
+                  </p:par>
+                  <p:par>
+                    <p:cTn id="13" fill="hold">
+                      <p:stCondLst>
+                        <p:cond delay="indefinite"/>
+                      </p:stCondLst>
+                      <p:childTnLst>
+                        <p:par>
+                          <p:cTn id="14" fill="hold">
+                            <p:stCondLst>
+                              <p:cond delay="0"/>
+                            </p:stCondLst>
+                            <p:childTnLst>
+                              <p:par>
+                                <p:cTn id="15" presetID="1" presetClass="entr" presetSubtype="0" fill="hold" nodeType="clickEffect">
+                                  <p:stCondLst>
+                                    <p:cond delay="0"/>
+                                  </p:stCondLst>
+                                  <p:childTnLst>
+                                    <p:set>
+                                      <p:cBhvr>
+                                        <p:cTn id="16" dur="1" fill="hold">
+                                          <p:stCondLst>
+                                            <p:cond delay="0"/>
+                                          </p:stCondLst>
+                                        </p:cTn>
+                                        <p:tgtEl>
+                                          <p:spTgt spid="3">
+                                            <p:txEl>
+                                              <p:pRg st="4" end="4"/>
+                                            </p:txEl>
+                                          </p:spTgt>
+                                        </p:tgtEl>
+                                        <p:attrNameLst>
+                                          <p:attrName>style.visibility</p:attrName>
+                                        </p:attrNameLst>
+                                      </p:cBhvr>
+                                      <p:to>
+                                        <p:strVal val="visible"/>
+                                      </p:to>
+                                    </p:set>
+                                  </p:childTnLst>
+                                </p:cTn>
+                              </p:par>
+                            </p:childTnLst>
+                          </p:cTn>
+                        </p:par>
+                      </p:childTnLst>
+                    </p:cTn>
+                  </p:par>
+                  <p:par>
+                    <p:cTn id="17" fill="hold">
+                      <p:stCondLst>
+                        <p:cond delay="indefinite"/>
+                      </p:stCondLst>
+                      <p:childTnLst>
+                        <p:par>
+                          <p:cTn id="18" fill="hold">
+                            <p:stCondLst>
+                              <p:cond delay="0"/>
+                            </p:stCondLst>
+                            <p:childTnLst>
+                              <p:par>
+                                <p:cTn id="19" presetID="1" presetClass="entr" presetSubtype="0" fill="hold" nodeType="clickEffect">
+                                  <p:stCondLst>
+                                    <p:cond delay="0"/>
+                                  </p:stCondLst>
+                                  <p:childTnLst>
+                                    <p:set>
+                                      <p:cBhvr>
+                                        <p:cTn id="20" dur="1" fill="hold">
+                                          <p:stCondLst>
+                                            <p:cond delay="0"/>
+                                          </p:stCondLst>
+                                        </p:cTn>
+                                        <p:tgtEl>
+                                          <p:spTgt spid="3">
+                                            <p:txEl>
+                                              <p:pRg st="5" end="5"/>
+                                            </p:txEl>
+                                          </p:spTgt>
+                                        </p:tgtEl>
+                                        <p:attrNameLst>
+                                          <p:attrName>style.visibility</p:attrName>
+                                        </p:attrNameLst>
+                                      </p:cBhvr>
+                                      <p:to>
+                                        <p:strVal val="visible"/>
+                                      </p:to>
+                                    </p:set>
+                                  </p:childTnLst>
+                                </p:cTn>
+                              </p:par>
+                              <p:par>
+                                <p:cTn id="21" presetID="1" presetClass="entr" presetSubtype="0" fill="hold" nodeType="withEffect">
+                                  <p:stCondLst>
+                                    <p:cond delay="0"/>
+                                  </p:stCondLst>
+                                  <p:childTnLst>
+                                    <p:set>
+                                      <p:cBhvr>
+                                        <p:cTn id="22" dur="1" fill="hold">
+                                          <p:stCondLst>
+                                            <p:cond delay="0"/>
+                                          </p:stCondLst>
+                                        </p:cTn>
+                                        <p:tgtEl>
+                                          <p:spTgt spid="3">
+                                            <p:txEl>
+                                              <p:pRg st="6" end="6"/>
+                                            </p:txEl>
+                                          </p:spTgt>
+                                        </p:tgtEl>
+                                        <p:attrNameLst>
+                                          <p:attrName>style.visibility</p:attrName>
+                                        </p:attrNameLst>
+                                      </p:cBhvr>
+                                      <p:to>
+                                        <p:strVal val="visible"/>
+                                      </p:to>
+                                    </p:set>
+                                  </p:childTnLst>
+                                </p:cTn>
+                              </p:par>
+                            </p:childTnLst>
+                          </p:cTn>
+                        </p:par>
+                      </p:childTnLst>
+                    </p:cTn>
+                  </p:par>
+                  <p:par>
+                    <p:cTn id="23" fill="hold">
+                      <p:stCondLst>
+                        <p:cond delay="indefinite"/>
+                      </p:stCondLst>
+                      <p:childTnLst>
+                        <p:par>
+                          <p:cTn id="24" fill="hold">
+                            <p:stCondLst>
+                              <p:cond delay="0"/>
+                            </p:stCondLst>
+                            <p:childTnLst>
+                              <p:par>
+                                <p:cTn id="25" presetID="1" presetClass="entr" presetSubtype="0" fill="hold" nodeType="clickEffect">
+                                  <p:stCondLst>
+                                    <p:cond delay="0"/>
+                                  </p:stCondLst>
+                                  <p:childTnLst>
+                                    <p:set>
+                                      <p:cBhvr>
+                                        <p:cTn id="26" dur="1" fill="hold">
+                                          <p:stCondLst>
+                                            <p:cond delay="0"/>
+                                          </p:stCondLst>
+                                        </p:cTn>
+                                        <p:tgtEl>
+                                          <p:spTgt spid="3">
+                                            <p:txEl>
+                                              <p:pRg st="7" end="7"/>
+                                            </p:txEl>
+                                          </p:spTgt>
+                                        </p:tgtEl>
+                                        <p:attrNameLst>
+                                          <p:attrName>style.visibility</p:attrName>
+                                        </p:attrNameLst>
+                                      </p:cBhvr>
+                                      <p:to>
+                                        <p:strVal val="visible"/>
+                                      </p:to>
+                                    </p:set>
+                                  </p:childTnLst>
+                                </p:cTn>
+                              </p:par>
+                            </p:childTnLst>
+                          </p:cTn>
+                        </p:par>
+                      </p:childTnLst>
+                    </p:cTn>
+                  </p:par>
+                </p:childTnLst>
+              </p:cTn>
+              <p:prevCondLst>
+                <p:cond evt="onPrev" delay="0">
+                  <p:tgtEl>
+                    <p:sldTgt/>
+                  </p:tgtEl>
+                </p:cond>
+              </p:prevCondLst>
+              <p:nextCondLst>
+                <p:cond evt="onNext" delay="0">
+                  <p:tgtEl>
+                    <p:sldTgt/>
+                  </p:tgtEl>
+                </p:cond>
+              </p:nextCondLst>
+            </p:seq>
+          </p:childTnLst>
+        </p:cTn>
+      </p:par>
+    </p:tnLst>
+  </p:timing>
+</p:sld>
+</file>
+
+<file path=ppt/slides/slide27.xml><?xml version="1.0" encoding="utf-8"?>
+<p:sld xmlns:a="http://schemas.openxmlformats.org/drawingml/2006/main" xmlns:r="http://schemas.openxmlformats.org/officeDocument/2006/relationships" xmlns:p="http://schemas.openxmlformats.org/presentationml/2006/main">
+  <p:cSld>
+    <p:spTree>
+      <p:nvGrpSpPr>
+        <p:cNvPr id="1" name=""/>
+        <p:cNvGrpSpPr/>
+        <p:nvPr/>
+      </p:nvGrpSpPr>
+      <p:grpSpPr>
+        <a:xfrm>
+          <a:off x="0" y="0"/>
+          <a:ext cx="0" cy="0"/>
+          <a:chOff x="0" y="0"/>
+          <a:chExt cx="0" cy="0"/>
+        </a:xfrm>
+      </p:grpSpPr>
+      <p:sp>
+        <p:nvSpPr>
+          <p:cNvPr id="2" name="Title 1"/>
+          <p:cNvSpPr>
+            <a:spLocks noGrp="1"/>
+          </p:cNvSpPr>
+          <p:nvPr>
+            <p:ph type="title"/>
+          </p:nvPr>
+        </p:nvSpPr>
+        <p:spPr/>
+        <p:txBody>
+          <a:bodyPr/>
+          <a:lstStyle/>
+          <a:p>
+            <a:r>
+              <a:rPr lang="en-US" dirty="0" smtClean="0"/>
+              <a:t>Some takeaways</a:t>
+            </a:r>
+            <a:endParaRPr lang="en-US" dirty="0"/>
+          </a:p>
+        </p:txBody>
+      </p:sp>
+      <p:sp>
+        <p:nvSpPr>
+          <p:cNvPr id="3" name="Content Placeholder 2"/>
+          <p:cNvSpPr>
+            <a:spLocks noGrp="1"/>
+          </p:cNvSpPr>
+          <p:nvPr>
+            <p:ph idx="1"/>
+          </p:nvPr>
+        </p:nvSpPr>
+        <p:spPr/>
+        <p:txBody>
+          <a:bodyPr/>
+          <a:lstStyle/>
+          <a:p>
+            <a:r>
+              <a:rPr lang="en-US" dirty="0"/>
+              <a:t>Many of our conclusions supported already expected conclusions, but no major breakthroughs that were uncovered</a:t>
+            </a:r>
+          </a:p>
+          <a:p>
+            <a:r>
+              <a:rPr lang="en-US" dirty="0" smtClean="0"/>
+              <a:t>Stocks </a:t>
+            </a:r>
+            <a:r>
+              <a:rPr lang="en-US" dirty="0" smtClean="0"/>
+              <a:t>aren’t significantly affected by election results</a:t>
+            </a:r>
+          </a:p>
+          <a:p>
+            <a:r>
+              <a:rPr lang="en-US" dirty="0"/>
+              <a:t>Non-incumbent candidates, regardless of party, are dead-money</a:t>
+            </a:r>
+          </a:p>
+          <a:p>
+            <a:endParaRPr lang="en-US" dirty="0"/>
+          </a:p>
+        </p:txBody>
+      </p:sp>
+    </p:spTree>
+    <p:extLst>
+      <p:ext uri="{BB962C8B-B14F-4D97-AF65-F5344CB8AC3E}">
+        <p14:creationId xmlns:p14="http://schemas.microsoft.com/office/powerpoint/2010/main" val="2131776489"/>
+      </p:ext>
+    </p:extLst>
+  </p:cSld>
+  <p:clrMapOvr>
+    <a:masterClrMapping/>
+  </p:clrMapOvr>
+  <p:timing>
+    <p:tnLst>
+      <p:par>
+        <p:cTn id="1" dur="indefinite" restart="never" nodeType="tmRoot">
+          <p:childTnLst>
+            <p:seq concurrent="1" nextAc="seek">
+              <p:cTn id="2" dur="indefinite" nodeType="mainSeq">
+                <p:childTnLst>
+                  <p:par>
+                    <p:cTn id="3" fill="hold">
+                      <p:stCondLst>
+                        <p:cond delay="indefinite"/>
+                      </p:stCondLst>
+                      <p:childTnLst>
+                        <p:par>
+                          <p:cTn id="4" fill="hold">
+                            <p:stCondLst>
+                              <p:cond delay="0"/>
+                            </p:stCondLst>
+                            <p:childTnLst>
+                              <p:par>
+                                <p:cTn id="5" presetID="1" presetClass="entr" presetSubtype="0" fill="hold" nodeType="clickEffect">
+                                  <p:stCondLst>
+                                    <p:cond delay="0"/>
+                                  </p:stCondLst>
+                                  <p:childTnLst>
+                                    <p:set>
+                                      <p:cBhvr>
+                                        <p:cTn id="6" dur="1" fill="hold">
+                                          <p:stCondLst>
+                                            <p:cond delay="0"/>
+                                          </p:stCondLst>
+                                        </p:cTn>
+                                        <p:tgtEl>
+                                          <p:spTgt spid="3">
+                                            <p:txEl>
+                                              <p:pRg st="0" end="0"/>
+                                            </p:txEl>
+                                          </p:spTgt>
+                                        </p:tgtEl>
+                                        <p:attrNameLst>
+                                          <p:attrName>style.visibility</p:attrName>
+                                        </p:attrNameLst>
+                                      </p:cBhvr>
+                                      <p:to>
+                                        <p:strVal val="visible"/>
+                                      </p:to>
+                                    </p:set>
+                                  </p:childTnLst>
+                                </p:cTn>
+                              </p:par>
+                            </p:childTnLst>
+                          </p:cTn>
+                        </p:par>
+                      </p:childTnLst>
+                    </p:cTn>
+                  </p:par>
+                  <p:par>
+                    <p:cTn id="7" fill="hold">
+                      <p:stCondLst>
+                        <p:cond delay="indefinite"/>
+                      </p:stCondLst>
+                      <p:childTnLst>
+                        <p:par>
+                          <p:cTn id="8" fill="hold">
+                            <p:stCondLst>
+                              <p:cond delay="0"/>
+                            </p:stCondLst>
+                            <p:childTnLst>
+                              <p:par>
+                                <p:cTn id="9" presetID="1" presetClass="entr" presetSubtype="0" fill="hold" nodeType="clickEffect">
+                                  <p:stCondLst>
+                                    <p:cond delay="0"/>
+                                  </p:stCondLst>
+                                  <p:childTnLst>
+                                    <p:set>
+                                      <p:cBhvr>
+                                        <p:cTn id="10" dur="1" fill="hold">
+                                          <p:stCondLst>
+                                            <p:cond delay="0"/>
+                                          </p:stCondLst>
+                                        </p:cTn>
+                                        <p:tgtEl>
+                                          <p:spTgt spid="3">
+                                            <p:txEl>
+                                              <p:pRg st="1" end="1"/>
+                                            </p:txEl>
+                                          </p:spTgt>
+                                        </p:tgtEl>
+                                        <p:attrNameLst>
+                                          <p:attrName>style.visibility</p:attrName>
+                                        </p:attrNameLst>
+                                      </p:cBhvr>
+                                      <p:to>
+                                        <p:strVal val="visible"/>
+                                      </p:to>
+                                    </p:set>
+                                  </p:childTnLst>
+                                </p:cTn>
+                              </p:par>
+                            </p:childTnLst>
+                          </p:cTn>
+                        </p:par>
+                      </p:childTnLst>
+                    </p:cTn>
+                  </p:par>
+                </p:childTnLst>
+              </p:cTn>
+              <p:prevCondLst>
+                <p:cond evt="onPrev" delay="0">
+                  <p:tgtEl>
+                    <p:sldTgt/>
+                  </p:tgtEl>
+                </p:cond>
+              </p:prevCondLst>
+              <p:nextCondLst>
+                <p:cond evt="onNext" delay="0">
+                  <p:tgtEl>
+                    <p:sldTgt/>
+                  </p:tgtEl>
+                </p:cond>
+              </p:nextCondLst>
+            </p:seq>
+          </p:childTnLst>
+        </p:cTn>
+      </p:par>
+    </p:tnLst>
+  </p:timing>
+</p:sld>
+</file>
+
+<file path=ppt/slides/slide28.xml><?xml version="1.0" encoding="utf-8"?>
+<p:sld xmlns:a="http://schemas.openxmlformats.org/drawingml/2006/main" xmlns:r="http://schemas.openxmlformats.org/officeDocument/2006/relationships" xmlns:p="http://schemas.openxmlformats.org/presentationml/2006/main">
+  <p:cSld>
+    <p:spTree>
+      <p:nvGrpSpPr>
+        <p:cNvPr id="1" name=""/>
+        <p:cNvGrpSpPr/>
+        <p:nvPr/>
+      </p:nvGrpSpPr>
+      <p:grpSpPr>
+        <a:xfrm>
+          <a:off x="0" y="0"/>
+          <a:ext cx="0" cy="0"/>
+          <a:chOff x="0" y="0"/>
+          <a:chExt cx="0" cy="0"/>
+        </a:xfrm>
+      </p:grpSpPr>
+      <p:sp>
+        <p:nvSpPr>
+          <p:cNvPr id="2" name="Title 1"/>
+          <p:cNvSpPr>
+            <a:spLocks noGrp="1"/>
+          </p:cNvSpPr>
+          <p:nvPr>
+            <p:ph type="title"/>
+          </p:nvPr>
+        </p:nvSpPr>
+        <p:spPr/>
+        <p:txBody>
+          <a:bodyPr/>
+          <a:lstStyle/>
+          <a:p>
+            <a:r>
+              <a:rPr lang="en-US" dirty="0" smtClean="0"/>
+              <a:t>A </a:t>
+            </a:r>
+            <a:r>
+              <a:rPr lang="en-US" dirty="0"/>
+              <a:t>C</a:t>
+            </a:r>
+            <a:r>
+              <a:rPr lang="en-US" dirty="0" smtClean="0"/>
+              <a:t>ool Visualization</a:t>
+            </a:r>
+            <a:endParaRPr lang="en-US" dirty="0"/>
+          </a:p>
+        </p:txBody>
+      </p:sp>
+      <p:sp>
+        <p:nvSpPr>
+          <p:cNvPr id="3" name="Content Placeholder 2"/>
+          <p:cNvSpPr>
+            <a:spLocks noGrp="1"/>
+          </p:cNvSpPr>
+          <p:nvPr>
+            <p:ph idx="1"/>
+          </p:nvPr>
+        </p:nvSpPr>
+        <p:spPr/>
+        <p:txBody>
+          <a:bodyPr/>
+          <a:lstStyle/>
+          <a:p>
+            <a:r>
+              <a:rPr lang="en-US" dirty="0">
+                <a:hlinkClick r:id="rId3"/>
+              </a:rPr>
+              <a:t>http://cs-sys-1.uis.georgetown.edu/~</a:t>
+            </a:r>
+            <a:r>
+              <a:rPr lang="en-US" dirty="0" smtClean="0">
+                <a:hlinkClick r:id="rId3"/>
+              </a:rPr>
+              <a:t>hw271/ds_visualization/USCongressionalDistrict/index.html</a:t>
+            </a:r>
+            <a:endParaRPr lang="en-US" dirty="0" smtClean="0"/>
+          </a:p>
+          <a:p>
+            <a:endParaRPr lang="en-US" dirty="0"/>
+          </a:p>
+        </p:txBody>
+      </p:sp>
+    </p:spTree>
+    <p:extLst>
+      <p:ext uri="{BB962C8B-B14F-4D97-AF65-F5344CB8AC3E}">
+        <p14:creationId xmlns:p14="http://schemas.microsoft.com/office/powerpoint/2010/main" val="1516002729"/>
+      </p:ext>
+    </p:extLst>
+  </p:cSld>
+  <p:clrMapOvr>
+    <a:masterClrMapping/>
+  </p:clrMapOvr>
 </p:sld>
 </file>
 

--- a/Combined Slidedeck.pptx
+++ b/Combined Slidedeck.pptx
@@ -2,7 +2,7 @@
 <file path=ppt/presentation.xml><?xml version="1.0" encoding="utf-8"?>
 <p:presentation xmlns:a="http://schemas.openxmlformats.org/drawingml/2006/main" xmlns:r="http://schemas.openxmlformats.org/officeDocument/2006/relationships" xmlns:p="http://schemas.openxmlformats.org/presentationml/2006/main" saveSubsetFonts="1" autoCompressPictures="0">
   <p:sldMasterIdLst>
-    <p:sldMasterId id="2147483648" r:id="rId1"/>
+    <p:sldMasterId id="2147483720" r:id="rId1"/>
   </p:sldMasterIdLst>
   <p:notesMasterIdLst>
     <p:notesMasterId r:id="rId30"/>
@@ -1193,15 +1193,17 @@
         </p:nvSpPr>
         <p:spPr>
           <a:xfrm>
-            <a:off x="1524000" y="1122363"/>
-            <a:ext cx="9144000" cy="2387600"/>
+            <a:off x="2589213" y="2514600"/>
+            <a:ext cx="8915399" cy="2262781"/>
           </a:xfrm>
         </p:spPr>
         <p:txBody>
-          <a:bodyPr anchor="b"/>
+          <a:bodyPr anchor="b">
+            <a:normAutofit/>
+          </a:bodyPr>
           <a:lstStyle>
-            <a:lvl1pPr algn="ctr">
-              <a:defRPr sz="6000"/>
+            <a:lvl1pPr>
+              <a:defRPr sz="5400"/>
             </a:lvl1pPr>
           </a:lstStyle>
           <a:p>
@@ -1209,7 +1211,7 @@
               <a:rPr lang="en-US" smtClean="0"/>
               <a:t>Click to edit Master title style</a:t>
             </a:r>
-            <a:endParaRPr lang="en-US"/>
+            <a:endParaRPr lang="en-US" dirty="0"/>
           </a:p>
         </p:txBody>
       </p:sp>
@@ -1225,48 +1227,103 @@
         </p:nvSpPr>
         <p:spPr>
           <a:xfrm>
-            <a:off x="1524000" y="3602038"/>
-            <a:ext cx="9144000" cy="1655762"/>
+            <a:off x="2589213" y="4777379"/>
+            <a:ext cx="8915399" cy="1126283"/>
           </a:xfrm>
         </p:spPr>
         <p:txBody>
-          <a:bodyPr/>
+          <a:bodyPr anchor="t"/>
           <a:lstStyle>
-            <a:lvl1pPr marL="0" indent="0" algn="ctr">
+            <a:lvl1pPr marL="0" indent="0" algn="l">
               <a:buNone/>
-              <a:defRPr sz="2400"/>
+              <a:defRPr>
+                <a:solidFill>
+                  <a:schemeClr val="tx1">
+                    <a:lumMod val="65000"/>
+                    <a:lumOff val="35000"/>
+                  </a:schemeClr>
+                </a:solidFill>
+              </a:defRPr>
             </a:lvl1pPr>
             <a:lvl2pPr marL="457200" indent="0" algn="ctr">
               <a:buNone/>
-              <a:defRPr sz="2000"/>
+              <a:defRPr>
+                <a:solidFill>
+                  <a:schemeClr val="tx1">
+                    <a:tint val="75000"/>
+                  </a:schemeClr>
+                </a:solidFill>
+              </a:defRPr>
             </a:lvl2pPr>
             <a:lvl3pPr marL="914400" indent="0" algn="ctr">
               <a:buNone/>
-              <a:defRPr sz="1800"/>
+              <a:defRPr>
+                <a:solidFill>
+                  <a:schemeClr val="tx1">
+                    <a:tint val="75000"/>
+                  </a:schemeClr>
+                </a:solidFill>
+              </a:defRPr>
             </a:lvl3pPr>
             <a:lvl4pPr marL="1371600" indent="0" algn="ctr">
               <a:buNone/>
-              <a:defRPr sz="1600"/>
+              <a:defRPr>
+                <a:solidFill>
+                  <a:schemeClr val="tx1">
+                    <a:tint val="75000"/>
+                  </a:schemeClr>
+                </a:solidFill>
+              </a:defRPr>
             </a:lvl4pPr>
             <a:lvl5pPr marL="1828800" indent="0" algn="ctr">
               <a:buNone/>
-              <a:defRPr sz="1600"/>
+              <a:defRPr>
+                <a:solidFill>
+                  <a:schemeClr val="tx1">
+                    <a:tint val="75000"/>
+                  </a:schemeClr>
+                </a:solidFill>
+              </a:defRPr>
             </a:lvl5pPr>
             <a:lvl6pPr marL="2286000" indent="0" algn="ctr">
               <a:buNone/>
-              <a:defRPr sz="1600"/>
+              <a:defRPr>
+                <a:solidFill>
+                  <a:schemeClr val="tx1">
+                    <a:tint val="75000"/>
+                  </a:schemeClr>
+                </a:solidFill>
+              </a:defRPr>
             </a:lvl6pPr>
             <a:lvl7pPr marL="2743200" indent="0" algn="ctr">
               <a:buNone/>
-              <a:defRPr sz="1600"/>
+              <a:defRPr>
+                <a:solidFill>
+                  <a:schemeClr val="tx1">
+                    <a:tint val="75000"/>
+                  </a:schemeClr>
+                </a:solidFill>
+              </a:defRPr>
             </a:lvl7pPr>
             <a:lvl8pPr marL="3200400" indent="0" algn="ctr">
               <a:buNone/>
-              <a:defRPr sz="1600"/>
+              <a:defRPr>
+                <a:solidFill>
+                  <a:schemeClr val="tx1">
+                    <a:tint val="75000"/>
+                  </a:schemeClr>
+                </a:solidFill>
+              </a:defRPr>
             </a:lvl8pPr>
             <a:lvl9pPr marL="3657600" indent="0" algn="ctr">
               <a:buNone/>
-              <a:defRPr sz="1600"/>
+              <a:defRPr>
+                <a:solidFill>
+                  <a:schemeClr val="tx1">
+                    <a:tint val="75000"/>
+                  </a:schemeClr>
+                </a:solidFill>
+              </a:defRPr>
             </a:lvl9pPr>
           </a:lstStyle>
           <a:p>
@@ -1274,7 +1331,7 @@
               <a:rPr lang="en-US" smtClean="0"/>
               <a:t>Click to edit Master subtitle style</a:t>
             </a:r>
-            <a:endParaRPr lang="en-US"/>
+            <a:endParaRPr lang="en-US" dirty="0"/>
           </a:p>
         </p:txBody>
       </p:sp>
@@ -1322,6 +1379,88 @@
       </p:sp>
       <p:sp>
         <p:nvSpPr>
+          <p:cNvPr id="7" name="Freeform 6"/>
+          <p:cNvSpPr/>
+          <p:nvPr/>
+        </p:nvSpPr>
+        <p:spPr bwMode="auto">
+          <a:xfrm>
+            <a:off x="0" y="4323810"/>
+            <a:ext cx="1744652" cy="778589"/>
+          </a:xfrm>
+          <a:custGeom>
+            <a:avLst/>
+            <a:gdLst/>
+            <a:ahLst/>
+            <a:cxnLst/>
+            <a:rect l="0" t="0" r="r" b="b"/>
+            <a:pathLst>
+              <a:path w="372" h="166">
+                <a:moveTo>
+                  <a:pt x="287" y="166"/>
+                </a:moveTo>
+                <a:cubicBezTo>
+                  <a:pt x="290" y="166"/>
+                  <a:pt x="292" y="165"/>
+                  <a:pt x="293" y="164"/>
+                </a:cubicBezTo>
+                <a:cubicBezTo>
+                  <a:pt x="293" y="163"/>
+                  <a:pt x="294" y="163"/>
+                  <a:pt x="294" y="163"/>
+                </a:cubicBezTo>
+                <a:cubicBezTo>
+                  <a:pt x="370" y="87"/>
+                  <a:pt x="370" y="87"/>
+                  <a:pt x="370" y="87"/>
+                </a:cubicBezTo>
+                <a:cubicBezTo>
+                  <a:pt x="372" y="85"/>
+                  <a:pt x="372" y="81"/>
+                  <a:pt x="370" y="78"/>
+                </a:cubicBezTo>
+                <a:cubicBezTo>
+                  <a:pt x="294" y="3"/>
+                  <a:pt x="294" y="3"/>
+                  <a:pt x="294" y="3"/>
+                </a:cubicBezTo>
+                <a:cubicBezTo>
+                  <a:pt x="294" y="2"/>
+                  <a:pt x="293" y="2"/>
+                  <a:pt x="293" y="2"/>
+                </a:cubicBezTo>
+                <a:cubicBezTo>
+                  <a:pt x="292" y="1"/>
+                  <a:pt x="290" y="0"/>
+                  <a:pt x="287" y="0"/>
+                </a:cubicBezTo>
+                <a:cubicBezTo>
+                  <a:pt x="0" y="0"/>
+                  <a:pt x="0" y="0"/>
+                  <a:pt x="0" y="0"/>
+                </a:cubicBezTo>
+                <a:cubicBezTo>
+                  <a:pt x="0" y="166"/>
+                  <a:pt x="0" y="166"/>
+                  <a:pt x="0" y="166"/>
+                </a:cubicBezTo>
+                <a:lnTo>
+                  <a:pt x="287" y="166"/>
+                </a:lnTo>
+                <a:close/>
+              </a:path>
+            </a:pathLst>
+          </a:custGeom>
+          <a:solidFill>
+            <a:schemeClr val="accent1"/>
+          </a:solidFill>
+          <a:ln>
+            <a:noFill/>
+          </a:ln>
+        </p:spPr>
+      </p:sp>
+      <p:sp>
+        <p:nvSpPr>
           <p:cNvPr id="6" name="Slide Number Placeholder 5"/>
           <p:cNvSpPr>
             <a:spLocks noGrp="1"/>
@@ -1330,7 +1469,12 @@
             <p:ph type="sldNum" sz="quarter" idx="12"/>
           </p:nvPr>
         </p:nvSpPr>
-        <p:spPr/>
+        <p:spPr>
+          <a:xfrm>
+            <a:off x="531812" y="4529540"/>
+            <a:ext cx="779767" cy="365125"/>
+          </a:xfrm>
+        </p:spPr>
         <p:txBody>
           <a:bodyPr/>
           <a:lstStyle/>
@@ -1346,7 +1490,7 @@
     </p:spTree>
     <p:extLst>
       <p:ext uri="{BB962C8B-B14F-4D97-AF65-F5344CB8AC3E}">
-        <p14:creationId xmlns:p14="http://schemas.microsoft.com/office/powerpoint/2010/main" val="846930886"/>
+        <p14:creationId xmlns:p14="http://schemas.microsoft.com/office/powerpoint/2010/main" val="152037865"/>
       </p:ext>
     </p:extLst>
   </p:cSld>
@@ -1357,528 +1501,8 @@
 </file>
 
 <file path=ppt/slideLayouts/slideLayout10.xml><?xml version="1.0" encoding="utf-8"?>
-<p:sldLayout xmlns:a="http://schemas.openxmlformats.org/drawingml/2006/main" xmlns:r="http://schemas.openxmlformats.org/officeDocument/2006/relationships" xmlns:p="http://schemas.openxmlformats.org/presentationml/2006/main" type="vertTx" preserve="1">
-  <p:cSld name="Title and Vertical Text">
-    <p:spTree>
-      <p:nvGrpSpPr>
-        <p:cNvPr id="1" name=""/>
-        <p:cNvGrpSpPr/>
-        <p:nvPr/>
-      </p:nvGrpSpPr>
-      <p:grpSpPr>
-        <a:xfrm>
-          <a:off x="0" y="0"/>
-          <a:ext cx="0" cy="0"/>
-          <a:chOff x="0" y="0"/>
-          <a:chExt cx="0" cy="0"/>
-        </a:xfrm>
-      </p:grpSpPr>
-      <p:sp>
-        <p:nvSpPr>
-          <p:cNvPr id="2" name="Title 1"/>
-          <p:cNvSpPr>
-            <a:spLocks noGrp="1"/>
-          </p:cNvSpPr>
-          <p:nvPr>
-            <p:ph type="title"/>
-          </p:nvPr>
-        </p:nvSpPr>
-        <p:spPr/>
-        <p:txBody>
-          <a:bodyPr/>
-          <a:lstStyle/>
-          <a:p>
-            <a:r>
-              <a:rPr lang="en-US" smtClean="0"/>
-              <a:t>Click to edit Master title style</a:t>
-            </a:r>
-            <a:endParaRPr lang="en-US"/>
-          </a:p>
-        </p:txBody>
-      </p:sp>
-      <p:sp>
-        <p:nvSpPr>
-          <p:cNvPr id="3" name="Vertical Text Placeholder 2"/>
-          <p:cNvSpPr>
-            <a:spLocks noGrp="1"/>
-          </p:cNvSpPr>
-          <p:nvPr>
-            <p:ph type="body" orient="vert" idx="1"/>
-          </p:nvPr>
-        </p:nvSpPr>
-        <p:spPr/>
-        <p:txBody>
-          <a:bodyPr vert="eaVert"/>
-          <a:lstStyle/>
-          <a:p>
-            <a:pPr lvl="0"/>
-            <a:r>
-              <a:rPr lang="en-US" smtClean="0"/>
-              <a:t>Click to edit Master text styles</a:t>
-            </a:r>
-          </a:p>
-          <a:p>
-            <a:pPr lvl="1"/>
-            <a:r>
-              <a:rPr lang="en-US" smtClean="0"/>
-              <a:t>Second level</a:t>
-            </a:r>
-          </a:p>
-          <a:p>
-            <a:pPr lvl="2"/>
-            <a:r>
-              <a:rPr lang="en-US" smtClean="0"/>
-              <a:t>Third level</a:t>
-            </a:r>
-          </a:p>
-          <a:p>
-            <a:pPr lvl="3"/>
-            <a:r>
-              <a:rPr lang="en-US" smtClean="0"/>
-              <a:t>Fourth level</a:t>
-            </a:r>
-          </a:p>
-          <a:p>
-            <a:pPr lvl="4"/>
-            <a:r>
-              <a:rPr lang="en-US" smtClean="0"/>
-              <a:t>Fifth level</a:t>
-            </a:r>
-            <a:endParaRPr lang="en-US"/>
-          </a:p>
-        </p:txBody>
-      </p:sp>
-      <p:sp>
-        <p:nvSpPr>
-          <p:cNvPr id="4" name="Date Placeholder 3"/>
-          <p:cNvSpPr>
-            <a:spLocks noGrp="1"/>
-          </p:cNvSpPr>
-          <p:nvPr>
-            <p:ph type="dt" sz="half" idx="10"/>
-          </p:nvPr>
-        </p:nvSpPr>
-        <p:spPr/>
-        <p:txBody>
-          <a:bodyPr/>
-          <a:lstStyle/>
-          <a:p>
-            <a:fld id="{DDADED73-3DFB-7641-B760-2A6E60A49006}" type="datetimeFigureOut">
-              <a:rPr lang="en-US" smtClean="0"/>
-              <a:t>12/9/15</a:t>
-            </a:fld>
-            <a:endParaRPr lang="en-US"/>
-          </a:p>
-        </p:txBody>
-      </p:sp>
-      <p:sp>
-        <p:nvSpPr>
-          <p:cNvPr id="5" name="Footer Placeholder 4"/>
-          <p:cNvSpPr>
-            <a:spLocks noGrp="1"/>
-          </p:cNvSpPr>
-          <p:nvPr>
-            <p:ph type="ftr" sz="quarter" idx="11"/>
-          </p:nvPr>
-        </p:nvSpPr>
-        <p:spPr/>
-        <p:txBody>
-          <a:bodyPr/>
-          <a:lstStyle/>
-          <a:p>
-            <a:endParaRPr lang="en-US"/>
-          </a:p>
-        </p:txBody>
-      </p:sp>
-      <p:sp>
-        <p:nvSpPr>
-          <p:cNvPr id="6" name="Slide Number Placeholder 5"/>
-          <p:cNvSpPr>
-            <a:spLocks noGrp="1"/>
-          </p:cNvSpPr>
-          <p:nvPr>
-            <p:ph type="sldNum" sz="quarter" idx="12"/>
-          </p:nvPr>
-        </p:nvSpPr>
-        <p:spPr/>
-        <p:txBody>
-          <a:bodyPr/>
-          <a:lstStyle/>
-          <a:p>
-            <a:fld id="{579B6F90-744B-4D4A-87F7-7D17E979CBFA}" type="slidenum">
-              <a:rPr lang="en-US" smtClean="0"/>
-              <a:t>‹#›</a:t>
-            </a:fld>
-            <a:endParaRPr lang="en-US"/>
-          </a:p>
-        </p:txBody>
-      </p:sp>
-    </p:spTree>
-    <p:extLst>
-      <p:ext uri="{BB962C8B-B14F-4D97-AF65-F5344CB8AC3E}">
-        <p14:creationId xmlns:p14="http://schemas.microsoft.com/office/powerpoint/2010/main" val="2006811972"/>
-      </p:ext>
-    </p:extLst>
-  </p:cSld>
-  <p:clrMapOvr>
-    <a:masterClrMapping/>
-  </p:clrMapOvr>
-</p:sldLayout>
-</file>
-
-<file path=ppt/slideLayouts/slideLayout11.xml><?xml version="1.0" encoding="utf-8"?>
-<p:sldLayout xmlns:a="http://schemas.openxmlformats.org/drawingml/2006/main" xmlns:r="http://schemas.openxmlformats.org/officeDocument/2006/relationships" xmlns:p="http://schemas.openxmlformats.org/presentationml/2006/main" type="vertTitleAndTx" preserve="1">
-  <p:cSld name="Vertical Title and Text">
-    <p:spTree>
-      <p:nvGrpSpPr>
-        <p:cNvPr id="1" name=""/>
-        <p:cNvGrpSpPr/>
-        <p:nvPr/>
-      </p:nvGrpSpPr>
-      <p:grpSpPr>
-        <a:xfrm>
-          <a:off x="0" y="0"/>
-          <a:ext cx="0" cy="0"/>
-          <a:chOff x="0" y="0"/>
-          <a:chExt cx="0" cy="0"/>
-        </a:xfrm>
-      </p:grpSpPr>
-      <p:sp>
-        <p:nvSpPr>
-          <p:cNvPr id="2" name="Vertical Title 1"/>
-          <p:cNvSpPr>
-            <a:spLocks noGrp="1"/>
-          </p:cNvSpPr>
-          <p:nvPr>
-            <p:ph type="title" orient="vert"/>
-          </p:nvPr>
-        </p:nvSpPr>
-        <p:spPr>
-          <a:xfrm>
-            <a:off x="8724900" y="365125"/>
-            <a:ext cx="2628900" cy="5811838"/>
-          </a:xfrm>
-        </p:spPr>
-        <p:txBody>
-          <a:bodyPr vert="eaVert"/>
-          <a:lstStyle/>
-          <a:p>
-            <a:r>
-              <a:rPr lang="en-US" smtClean="0"/>
-              <a:t>Click to edit Master title style</a:t>
-            </a:r>
-            <a:endParaRPr lang="en-US"/>
-          </a:p>
-        </p:txBody>
-      </p:sp>
-      <p:sp>
-        <p:nvSpPr>
-          <p:cNvPr id="3" name="Vertical Text Placeholder 2"/>
-          <p:cNvSpPr>
-            <a:spLocks noGrp="1"/>
-          </p:cNvSpPr>
-          <p:nvPr>
-            <p:ph type="body" orient="vert" idx="1"/>
-          </p:nvPr>
-        </p:nvSpPr>
-        <p:spPr>
-          <a:xfrm>
-            <a:off x="838200" y="365125"/>
-            <a:ext cx="7734300" cy="5811838"/>
-          </a:xfrm>
-        </p:spPr>
-        <p:txBody>
-          <a:bodyPr vert="eaVert"/>
-          <a:lstStyle/>
-          <a:p>
-            <a:pPr lvl="0"/>
-            <a:r>
-              <a:rPr lang="en-US" smtClean="0"/>
-              <a:t>Click to edit Master text styles</a:t>
-            </a:r>
-          </a:p>
-          <a:p>
-            <a:pPr lvl="1"/>
-            <a:r>
-              <a:rPr lang="en-US" smtClean="0"/>
-              <a:t>Second level</a:t>
-            </a:r>
-          </a:p>
-          <a:p>
-            <a:pPr lvl="2"/>
-            <a:r>
-              <a:rPr lang="en-US" smtClean="0"/>
-              <a:t>Third level</a:t>
-            </a:r>
-          </a:p>
-          <a:p>
-            <a:pPr lvl="3"/>
-            <a:r>
-              <a:rPr lang="en-US" smtClean="0"/>
-              <a:t>Fourth level</a:t>
-            </a:r>
-          </a:p>
-          <a:p>
-            <a:pPr lvl="4"/>
-            <a:r>
-              <a:rPr lang="en-US" smtClean="0"/>
-              <a:t>Fifth level</a:t>
-            </a:r>
-            <a:endParaRPr lang="en-US"/>
-          </a:p>
-        </p:txBody>
-      </p:sp>
-      <p:sp>
-        <p:nvSpPr>
-          <p:cNvPr id="4" name="Date Placeholder 3"/>
-          <p:cNvSpPr>
-            <a:spLocks noGrp="1"/>
-          </p:cNvSpPr>
-          <p:nvPr>
-            <p:ph type="dt" sz="half" idx="10"/>
-          </p:nvPr>
-        </p:nvSpPr>
-        <p:spPr/>
-        <p:txBody>
-          <a:bodyPr/>
-          <a:lstStyle/>
-          <a:p>
-            <a:fld id="{DDADED73-3DFB-7641-B760-2A6E60A49006}" type="datetimeFigureOut">
-              <a:rPr lang="en-US" smtClean="0"/>
-              <a:t>12/9/15</a:t>
-            </a:fld>
-            <a:endParaRPr lang="en-US"/>
-          </a:p>
-        </p:txBody>
-      </p:sp>
-      <p:sp>
-        <p:nvSpPr>
-          <p:cNvPr id="5" name="Footer Placeholder 4"/>
-          <p:cNvSpPr>
-            <a:spLocks noGrp="1"/>
-          </p:cNvSpPr>
-          <p:nvPr>
-            <p:ph type="ftr" sz="quarter" idx="11"/>
-          </p:nvPr>
-        </p:nvSpPr>
-        <p:spPr/>
-        <p:txBody>
-          <a:bodyPr/>
-          <a:lstStyle/>
-          <a:p>
-            <a:endParaRPr lang="en-US"/>
-          </a:p>
-        </p:txBody>
-      </p:sp>
-      <p:sp>
-        <p:nvSpPr>
-          <p:cNvPr id="6" name="Slide Number Placeholder 5"/>
-          <p:cNvSpPr>
-            <a:spLocks noGrp="1"/>
-          </p:cNvSpPr>
-          <p:nvPr>
-            <p:ph type="sldNum" sz="quarter" idx="12"/>
-          </p:nvPr>
-        </p:nvSpPr>
-        <p:spPr/>
-        <p:txBody>
-          <a:bodyPr/>
-          <a:lstStyle/>
-          <a:p>
-            <a:fld id="{579B6F90-744B-4D4A-87F7-7D17E979CBFA}" type="slidenum">
-              <a:rPr lang="en-US" smtClean="0"/>
-              <a:t>‹#›</a:t>
-            </a:fld>
-            <a:endParaRPr lang="en-US"/>
-          </a:p>
-        </p:txBody>
-      </p:sp>
-    </p:spTree>
-    <p:extLst>
-      <p:ext uri="{BB962C8B-B14F-4D97-AF65-F5344CB8AC3E}">
-        <p14:creationId xmlns:p14="http://schemas.microsoft.com/office/powerpoint/2010/main" val="1253207672"/>
-      </p:ext>
-    </p:extLst>
-  </p:cSld>
-  <p:clrMapOvr>
-    <a:masterClrMapping/>
-  </p:clrMapOvr>
-</p:sldLayout>
-</file>
-
-<file path=ppt/slideLayouts/slideLayout2.xml><?xml version="1.0" encoding="utf-8"?>
-<p:sldLayout xmlns:a="http://schemas.openxmlformats.org/drawingml/2006/main" xmlns:r="http://schemas.openxmlformats.org/officeDocument/2006/relationships" xmlns:p="http://schemas.openxmlformats.org/presentationml/2006/main" type="obj" preserve="1">
-  <p:cSld name="Title and Content">
-    <p:spTree>
-      <p:nvGrpSpPr>
-        <p:cNvPr id="1" name=""/>
-        <p:cNvGrpSpPr/>
-        <p:nvPr/>
-      </p:nvGrpSpPr>
-      <p:grpSpPr>
-        <a:xfrm>
-          <a:off x="0" y="0"/>
-          <a:ext cx="0" cy="0"/>
-          <a:chOff x="0" y="0"/>
-          <a:chExt cx="0" cy="0"/>
-        </a:xfrm>
-      </p:grpSpPr>
-      <p:sp>
-        <p:nvSpPr>
-          <p:cNvPr id="2" name="Title 1"/>
-          <p:cNvSpPr>
-            <a:spLocks noGrp="1"/>
-          </p:cNvSpPr>
-          <p:nvPr>
-            <p:ph type="title"/>
-          </p:nvPr>
-        </p:nvSpPr>
-        <p:spPr/>
-        <p:txBody>
-          <a:bodyPr/>
-          <a:lstStyle/>
-          <a:p>
-            <a:r>
-              <a:rPr lang="en-US" smtClean="0"/>
-              <a:t>Click to edit Master title style</a:t>
-            </a:r>
-            <a:endParaRPr lang="en-US"/>
-          </a:p>
-        </p:txBody>
-      </p:sp>
-      <p:sp>
-        <p:nvSpPr>
-          <p:cNvPr id="3" name="Content Placeholder 2"/>
-          <p:cNvSpPr>
-            <a:spLocks noGrp="1"/>
-          </p:cNvSpPr>
-          <p:nvPr>
-            <p:ph idx="1"/>
-          </p:nvPr>
-        </p:nvSpPr>
-        <p:spPr/>
-        <p:txBody>
-          <a:bodyPr/>
-          <a:lstStyle/>
-          <a:p>
-            <a:pPr lvl="0"/>
-            <a:r>
-              <a:rPr lang="en-US" smtClean="0"/>
-              <a:t>Click to edit Master text styles</a:t>
-            </a:r>
-          </a:p>
-          <a:p>
-            <a:pPr lvl="1"/>
-            <a:r>
-              <a:rPr lang="en-US" smtClean="0"/>
-              <a:t>Second level</a:t>
-            </a:r>
-          </a:p>
-          <a:p>
-            <a:pPr lvl="2"/>
-            <a:r>
-              <a:rPr lang="en-US" smtClean="0"/>
-              <a:t>Third level</a:t>
-            </a:r>
-          </a:p>
-          <a:p>
-            <a:pPr lvl="3"/>
-            <a:r>
-              <a:rPr lang="en-US" smtClean="0"/>
-              <a:t>Fourth level</a:t>
-            </a:r>
-          </a:p>
-          <a:p>
-            <a:pPr lvl="4"/>
-            <a:r>
-              <a:rPr lang="en-US" smtClean="0"/>
-              <a:t>Fifth level</a:t>
-            </a:r>
-            <a:endParaRPr lang="en-US"/>
-          </a:p>
-        </p:txBody>
-      </p:sp>
-      <p:sp>
-        <p:nvSpPr>
-          <p:cNvPr id="4" name="Date Placeholder 3"/>
-          <p:cNvSpPr>
-            <a:spLocks noGrp="1"/>
-          </p:cNvSpPr>
-          <p:nvPr>
-            <p:ph type="dt" sz="half" idx="10"/>
-          </p:nvPr>
-        </p:nvSpPr>
-        <p:spPr/>
-        <p:txBody>
-          <a:bodyPr/>
-          <a:lstStyle/>
-          <a:p>
-            <a:fld id="{DDADED73-3DFB-7641-B760-2A6E60A49006}" type="datetimeFigureOut">
-              <a:rPr lang="en-US" smtClean="0"/>
-              <a:t>12/9/15</a:t>
-            </a:fld>
-            <a:endParaRPr lang="en-US"/>
-          </a:p>
-        </p:txBody>
-      </p:sp>
-      <p:sp>
-        <p:nvSpPr>
-          <p:cNvPr id="5" name="Footer Placeholder 4"/>
-          <p:cNvSpPr>
-            <a:spLocks noGrp="1"/>
-          </p:cNvSpPr>
-          <p:nvPr>
-            <p:ph type="ftr" sz="quarter" idx="11"/>
-          </p:nvPr>
-        </p:nvSpPr>
-        <p:spPr/>
-        <p:txBody>
-          <a:bodyPr/>
-          <a:lstStyle/>
-          <a:p>
-            <a:endParaRPr lang="en-US"/>
-          </a:p>
-        </p:txBody>
-      </p:sp>
-      <p:sp>
-        <p:nvSpPr>
-          <p:cNvPr id="6" name="Slide Number Placeholder 5"/>
-          <p:cNvSpPr>
-            <a:spLocks noGrp="1"/>
-          </p:cNvSpPr>
-          <p:nvPr>
-            <p:ph type="sldNum" sz="quarter" idx="12"/>
-          </p:nvPr>
-        </p:nvSpPr>
-        <p:spPr/>
-        <p:txBody>
-          <a:bodyPr/>
-          <a:lstStyle/>
-          <a:p>
-            <a:fld id="{579B6F90-744B-4D4A-87F7-7D17E979CBFA}" type="slidenum">
-              <a:rPr lang="en-US" smtClean="0"/>
-              <a:t>‹#›</a:t>
-            </a:fld>
-            <a:endParaRPr lang="en-US"/>
-          </a:p>
-        </p:txBody>
-      </p:sp>
-    </p:spTree>
-    <p:extLst>
-      <p:ext uri="{BB962C8B-B14F-4D97-AF65-F5344CB8AC3E}">
-        <p14:creationId xmlns:p14="http://schemas.microsoft.com/office/powerpoint/2010/main" val="1984210012"/>
-      </p:ext>
-    </p:extLst>
-  </p:cSld>
-  <p:clrMapOvr>
-    <a:masterClrMapping/>
-  </p:clrMapOvr>
-</p:sldLayout>
-</file>
-
-<file path=ppt/slideLayouts/slideLayout3.xml><?xml version="1.0" encoding="utf-8"?>
-<p:sldLayout xmlns:a="http://schemas.openxmlformats.org/drawingml/2006/main" xmlns:r="http://schemas.openxmlformats.org/officeDocument/2006/relationships" xmlns:p="http://schemas.openxmlformats.org/presentationml/2006/main" type="secHead" preserve="1">
-  <p:cSld name="Section Header">
+<p:sldLayout xmlns:a="http://schemas.openxmlformats.org/drawingml/2006/main" xmlns:r="http://schemas.openxmlformats.org/officeDocument/2006/relationships" xmlns:p="http://schemas.openxmlformats.org/presentationml/2006/main" preserve="1">
+  <p:cSld name="Title and Caption">
     <p:spTree>
       <p:nvGrpSpPr>
         <p:cNvPr id="1" name=""/>
@@ -1905,15 +1529,17 @@
         </p:nvSpPr>
         <p:spPr>
           <a:xfrm>
-            <a:off x="831850" y="1709738"/>
-            <a:ext cx="10515600" cy="2852737"/>
+            <a:off x="2589212" y="609600"/>
+            <a:ext cx="8915399" cy="3117040"/>
           </a:xfrm>
         </p:spPr>
         <p:txBody>
-          <a:bodyPr anchor="b"/>
+          <a:bodyPr anchor="ctr">
+            <a:normAutofit/>
+          </a:bodyPr>
           <a:lstStyle>
-            <a:lvl1pPr>
-              <a:defRPr sz="6000"/>
+            <a:lvl1pPr algn="l">
+              <a:defRPr sz="4800" b="0" cap="none"/>
             </a:lvl1pPr>
           </a:lstStyle>
           <a:p>
@@ -1921,7 +1547,7 @@
               <a:rPr lang="en-US" smtClean="0"/>
               <a:t>Click to edit Master title style</a:t>
             </a:r>
-            <a:endParaRPr lang="en-US"/>
+            <a:endParaRPr lang="en-US" dirty="0"/>
           </a:p>
         </p:txBody>
       </p:sp>
@@ -1937,26 +1563,29 @@
         </p:nvSpPr>
         <p:spPr>
           <a:xfrm>
-            <a:off x="831850" y="4589463"/>
-            <a:ext cx="10515600" cy="1500187"/>
+            <a:off x="2589212" y="4354046"/>
+            <a:ext cx="8915399" cy="1555864"/>
           </a:xfrm>
         </p:spPr>
         <p:txBody>
-          <a:bodyPr/>
+          <a:bodyPr anchor="ctr">
+            <a:normAutofit/>
+          </a:bodyPr>
           <a:lstStyle>
-            <a:lvl1pPr marL="0" indent="0">
+            <a:lvl1pPr marL="0" indent="0" algn="l">
               <a:buNone/>
-              <a:defRPr sz="2400">
+              <a:defRPr sz="1800">
                 <a:solidFill>
                   <a:schemeClr val="tx1">
-                    <a:tint val="75000"/>
+                    <a:lumMod val="65000"/>
+                    <a:lumOff val="35000"/>
                   </a:schemeClr>
                 </a:solidFill>
               </a:defRPr>
             </a:lvl1pPr>
             <a:lvl2pPr marL="457200" indent="0">
               <a:buNone/>
-              <a:defRPr sz="2000">
+              <a:defRPr sz="1800">
                 <a:solidFill>
                   <a:schemeClr val="tx1">
                     <a:tint val="75000"/>
@@ -1966,7 +1595,7 @@
             </a:lvl2pPr>
             <a:lvl3pPr marL="914400" indent="0">
               <a:buNone/>
-              <a:defRPr sz="1800">
+              <a:defRPr sz="1600">
                 <a:solidFill>
                   <a:schemeClr val="tx1">
                     <a:tint val="75000"/>
@@ -1976,7 +1605,7 @@
             </a:lvl3pPr>
             <a:lvl4pPr marL="1371600" indent="0">
               <a:buNone/>
-              <a:defRPr sz="1600">
+              <a:defRPr sz="1400">
                 <a:solidFill>
                   <a:schemeClr val="tx1">
                     <a:tint val="75000"/>
@@ -1986,7 +1615,7 @@
             </a:lvl4pPr>
             <a:lvl5pPr marL="1828800" indent="0">
               <a:buNone/>
-              <a:defRPr sz="1600">
+              <a:defRPr sz="1400">
                 <a:solidFill>
                   <a:schemeClr val="tx1">
                     <a:tint val="75000"/>
@@ -1996,7 +1625,7 @@
             </a:lvl5pPr>
             <a:lvl6pPr marL="2286000" indent="0">
               <a:buNone/>
-              <a:defRPr sz="1600">
+              <a:defRPr sz="1400">
                 <a:solidFill>
                   <a:schemeClr val="tx1">
                     <a:tint val="75000"/>
@@ -2006,7 +1635,7 @@
             </a:lvl6pPr>
             <a:lvl7pPr marL="2743200" indent="0">
               <a:buNone/>
-              <a:defRPr sz="1600">
+              <a:defRPr sz="1400">
                 <a:solidFill>
                   <a:schemeClr val="tx1">
                     <a:tint val="75000"/>
@@ -2016,7 +1645,7 @@
             </a:lvl7pPr>
             <a:lvl8pPr marL="3200400" indent="0">
               <a:buNone/>
-              <a:defRPr sz="1600">
+              <a:defRPr sz="1400">
                 <a:solidFill>
                   <a:schemeClr val="tx1">
                     <a:tint val="75000"/>
@@ -2026,7 +1655,7 @@
             </a:lvl8pPr>
             <a:lvl9pPr marL="3657600" indent="0">
               <a:buNone/>
-              <a:defRPr sz="1600">
+              <a:defRPr sz="1400">
                 <a:solidFill>
                   <a:schemeClr val="tx1">
                     <a:tint val="75000"/>
@@ -2088,6 +1717,88 @@
       </p:sp>
       <p:sp>
         <p:nvSpPr>
+          <p:cNvPr id="9" name="Freeform 11"/>
+          <p:cNvSpPr/>
+          <p:nvPr/>
+        </p:nvSpPr>
+        <p:spPr bwMode="auto">
+          <a:xfrm flipV="1">
+            <a:off x="-4189" y="3178175"/>
+            <a:ext cx="1588527" cy="507297"/>
+          </a:xfrm>
+          <a:custGeom>
+            <a:avLst/>
+            <a:gdLst/>
+            <a:ahLst/>
+            <a:cxnLst/>
+            <a:rect l="l" t="t" r="r" b="b"/>
+            <a:pathLst>
+              <a:path w="9248" h="10000">
+                <a:moveTo>
+                  <a:pt x="9248" y="4701"/>
+                </a:moveTo>
+                <a:lnTo>
+                  <a:pt x="7915" y="188"/>
+                </a:lnTo>
+                <a:cubicBezTo>
+                  <a:pt x="7906" y="156"/>
+                  <a:pt x="7895" y="126"/>
+                  <a:pt x="7886" y="94"/>
+                </a:cubicBezTo>
+                <a:cubicBezTo>
+                  <a:pt x="7859" y="0"/>
+                  <a:pt x="7831" y="0"/>
+                  <a:pt x="7803" y="0"/>
+                </a:cubicBezTo>
+                <a:lnTo>
+                  <a:pt x="7275" y="0"/>
+                </a:lnTo>
+                <a:lnTo>
+                  <a:pt x="0" y="70"/>
+                </a:lnTo>
+                <a:cubicBezTo>
+                  <a:pt x="8" y="3380"/>
+                  <a:pt x="17" y="6690"/>
+                  <a:pt x="25" y="10000"/>
+                </a:cubicBezTo>
+                <a:lnTo>
+                  <a:pt x="7275" y="9966"/>
+                </a:lnTo>
+                <a:lnTo>
+                  <a:pt x="7803" y="9966"/>
+                </a:lnTo>
+                <a:cubicBezTo>
+                  <a:pt x="7831" y="9966"/>
+                  <a:pt x="7859" y="9872"/>
+                  <a:pt x="7886" y="9872"/>
+                </a:cubicBezTo>
+                <a:cubicBezTo>
+                  <a:pt x="7886" y="9778"/>
+                  <a:pt x="7915" y="9778"/>
+                  <a:pt x="7915" y="9778"/>
+                </a:cubicBezTo>
+                <a:lnTo>
+                  <a:pt x="9248" y="5265"/>
+                </a:lnTo>
+                <a:cubicBezTo>
+                  <a:pt x="9303" y="5077"/>
+                  <a:pt x="9303" y="4889"/>
+                  <a:pt x="9248" y="4701"/>
+                </a:cubicBezTo>
+                <a:close/>
+              </a:path>
+            </a:pathLst>
+          </a:custGeom>
+          <a:solidFill>
+            <a:schemeClr val="accent1"/>
+          </a:solidFill>
+          <a:ln>
+            <a:noFill/>
+          </a:ln>
+        </p:spPr>
+      </p:sp>
+      <p:sp>
+        <p:nvSpPr>
           <p:cNvPr id="6" name="Slide Number Placeholder 5"/>
           <p:cNvSpPr>
             <a:spLocks noGrp="1"/>
@@ -2096,7 +1807,12 @@
             <p:ph type="sldNum" sz="quarter" idx="12"/>
           </p:nvPr>
         </p:nvSpPr>
-        <p:spPr/>
+        <p:spPr>
+          <a:xfrm>
+            <a:off x="531812" y="3244139"/>
+            <a:ext cx="779767" cy="365125"/>
+          </a:xfrm>
+        </p:spPr>
         <p:txBody>
           <a:bodyPr/>
           <a:lstStyle/>
@@ -2112,7 +1828,7 @@
     </p:spTree>
     <p:extLst>
       <p:ext uri="{BB962C8B-B14F-4D97-AF65-F5344CB8AC3E}">
-        <p14:creationId xmlns:p14="http://schemas.microsoft.com/office/powerpoint/2010/main" val="231602422"/>
+        <p14:creationId xmlns:p14="http://schemas.microsoft.com/office/powerpoint/2010/main" val="527361970"/>
       </p:ext>
     </p:extLst>
   </p:cSld>
@@ -2122,9 +1838,9 @@
 </p:sldLayout>
 </file>
 
-<file path=ppt/slideLayouts/slideLayout4.xml><?xml version="1.0" encoding="utf-8"?>
-<p:sldLayout xmlns:a="http://schemas.openxmlformats.org/drawingml/2006/main" xmlns:r="http://schemas.openxmlformats.org/officeDocument/2006/relationships" xmlns:p="http://schemas.openxmlformats.org/presentationml/2006/main" type="twoObj" preserve="1">
-  <p:cSld name="Two Content">
+<file path=ppt/slideLayouts/slideLayout11.xml><?xml version="1.0" encoding="utf-8"?>
+<p:sldLayout xmlns:a="http://schemas.openxmlformats.org/drawingml/2006/main" xmlns:r="http://schemas.openxmlformats.org/officeDocument/2006/relationships" xmlns:p="http://schemas.openxmlformats.org/presentationml/2006/main" preserve="1">
+  <p:cSld name="Quote with Caption">
     <p:spTree>
       <p:nvGrpSpPr>
         <p:cNvPr id="1" name=""/>
@@ -2149,38 +1865,84 @@
             <p:ph type="title"/>
           </p:nvPr>
         </p:nvSpPr>
-        <p:spPr/>
+        <p:spPr>
+          <a:xfrm>
+            <a:off x="2849949" y="609600"/>
+            <a:ext cx="8393926" cy="2895600"/>
+          </a:xfrm>
+        </p:spPr>
         <p:txBody>
-          <a:bodyPr/>
-          <a:lstStyle/>
+          <a:bodyPr anchor="ctr">
+            <a:normAutofit/>
+          </a:bodyPr>
+          <a:lstStyle>
+            <a:lvl1pPr algn="l">
+              <a:defRPr sz="4800" b="0" cap="none"/>
+            </a:lvl1pPr>
+          </a:lstStyle>
           <a:p>
             <a:r>
               <a:rPr lang="en-US" smtClean="0"/>
               <a:t>Click to edit Master title style</a:t>
             </a:r>
-            <a:endParaRPr lang="en-US"/>
+            <a:endParaRPr lang="en-US" dirty="0"/>
           </a:p>
         </p:txBody>
       </p:sp>
       <p:sp>
         <p:nvSpPr>
-          <p:cNvPr id="3" name="Content Placeholder 2"/>
+          <p:cNvPr id="13" name="Text Placeholder 9"/>
           <p:cNvSpPr>
             <a:spLocks noGrp="1"/>
           </p:cNvSpPr>
           <p:nvPr>
-            <p:ph sz="half" idx="1"/>
+            <p:ph type="body" sz="quarter" idx="13"/>
           </p:nvPr>
         </p:nvSpPr>
         <p:spPr>
           <a:xfrm>
-            <a:off x="838200" y="1825625"/>
-            <a:ext cx="5181600" cy="4351338"/>
+            <a:off x="3275012" y="3505200"/>
+            <a:ext cx="7536554" cy="381000"/>
           </a:xfrm>
         </p:spPr>
         <p:txBody>
-          <a:bodyPr/>
-          <a:lstStyle/>
+          <a:bodyPr anchor="ctr">
+            <a:noAutofit/>
+          </a:bodyPr>
+          <a:lstStyle>
+            <a:lvl1pPr marL="0" indent="0">
+              <a:buFontTx/>
+              <a:buNone/>
+              <a:defRPr sz="1600">
+                <a:solidFill>
+                  <a:schemeClr val="tx1">
+                    <a:lumMod val="50000"/>
+                    <a:lumOff val="50000"/>
+                  </a:schemeClr>
+                </a:solidFill>
+              </a:defRPr>
+            </a:lvl1pPr>
+            <a:lvl2pPr marL="457200" indent="0">
+              <a:buFontTx/>
+              <a:buNone/>
+              <a:defRPr/>
+            </a:lvl2pPr>
+            <a:lvl3pPr marL="914400" indent="0">
+              <a:buFontTx/>
+              <a:buNone/>
+              <a:defRPr/>
+            </a:lvl3pPr>
+            <a:lvl4pPr marL="1371600" indent="0">
+              <a:buFontTx/>
+              <a:buNone/>
+              <a:defRPr/>
+            </a:lvl4pPr>
+            <a:lvl5pPr marL="1828800" indent="0">
+              <a:buFontTx/>
+              <a:buNone/>
+              <a:defRPr/>
+            </a:lvl5pPr>
+          </a:lstStyle>
           <a:p>
             <a:pPr lvl="0"/>
             <a:r>
@@ -2188,56 +1950,121 @@
               <a:t>Click to edit Master text styles</a:t>
             </a:r>
           </a:p>
-          <a:p>
-            <a:pPr lvl="1"/>
-            <a:r>
-              <a:rPr lang="en-US" smtClean="0"/>
-              <a:t>Second level</a:t>
-            </a:r>
-          </a:p>
-          <a:p>
-            <a:pPr lvl="2"/>
-            <a:r>
-              <a:rPr lang="en-US" smtClean="0"/>
-              <a:t>Third level</a:t>
-            </a:r>
-          </a:p>
-          <a:p>
-            <a:pPr lvl="3"/>
-            <a:r>
-              <a:rPr lang="en-US" smtClean="0"/>
-              <a:t>Fourth level</a:t>
-            </a:r>
-          </a:p>
-          <a:p>
-            <a:pPr lvl="4"/>
-            <a:r>
-              <a:rPr lang="en-US" smtClean="0"/>
-              <a:t>Fifth level</a:t>
-            </a:r>
-            <a:endParaRPr lang="en-US"/>
-          </a:p>
         </p:txBody>
       </p:sp>
       <p:sp>
         <p:nvSpPr>
-          <p:cNvPr id="4" name="Content Placeholder 3"/>
+          <p:cNvPr id="3" name="Text Placeholder 2"/>
           <p:cNvSpPr>
             <a:spLocks noGrp="1"/>
           </p:cNvSpPr>
           <p:nvPr>
-            <p:ph sz="half" idx="2"/>
+            <p:ph type="body" idx="1"/>
           </p:nvPr>
         </p:nvSpPr>
         <p:spPr>
           <a:xfrm>
-            <a:off x="6172200" y="1825625"/>
-            <a:ext cx="5181600" cy="4351338"/>
+            <a:off x="2589212" y="4354046"/>
+            <a:ext cx="8915399" cy="1555864"/>
           </a:xfrm>
         </p:spPr>
         <p:txBody>
-          <a:bodyPr/>
-          <a:lstStyle/>
+          <a:bodyPr anchor="ctr">
+            <a:normAutofit/>
+          </a:bodyPr>
+          <a:lstStyle>
+            <a:lvl1pPr marL="0" indent="0" algn="l">
+              <a:buNone/>
+              <a:defRPr sz="1800">
+                <a:solidFill>
+                  <a:schemeClr val="tx1">
+                    <a:lumMod val="65000"/>
+                    <a:lumOff val="35000"/>
+                  </a:schemeClr>
+                </a:solidFill>
+              </a:defRPr>
+            </a:lvl1pPr>
+            <a:lvl2pPr marL="457200" indent="0">
+              <a:buNone/>
+              <a:defRPr sz="1800">
+                <a:solidFill>
+                  <a:schemeClr val="tx1">
+                    <a:tint val="75000"/>
+                  </a:schemeClr>
+                </a:solidFill>
+              </a:defRPr>
+            </a:lvl2pPr>
+            <a:lvl3pPr marL="914400" indent="0">
+              <a:buNone/>
+              <a:defRPr sz="1600">
+                <a:solidFill>
+                  <a:schemeClr val="tx1">
+                    <a:tint val="75000"/>
+                  </a:schemeClr>
+                </a:solidFill>
+              </a:defRPr>
+            </a:lvl3pPr>
+            <a:lvl4pPr marL="1371600" indent="0">
+              <a:buNone/>
+              <a:defRPr sz="1400">
+                <a:solidFill>
+                  <a:schemeClr val="tx1">
+                    <a:tint val="75000"/>
+                  </a:schemeClr>
+                </a:solidFill>
+              </a:defRPr>
+            </a:lvl4pPr>
+            <a:lvl5pPr marL="1828800" indent="0">
+              <a:buNone/>
+              <a:defRPr sz="1400">
+                <a:solidFill>
+                  <a:schemeClr val="tx1">
+                    <a:tint val="75000"/>
+                  </a:schemeClr>
+                </a:solidFill>
+              </a:defRPr>
+            </a:lvl5pPr>
+            <a:lvl6pPr marL="2286000" indent="0">
+              <a:buNone/>
+              <a:defRPr sz="1400">
+                <a:solidFill>
+                  <a:schemeClr val="tx1">
+                    <a:tint val="75000"/>
+                  </a:schemeClr>
+                </a:solidFill>
+              </a:defRPr>
+            </a:lvl6pPr>
+            <a:lvl7pPr marL="2743200" indent="0">
+              <a:buNone/>
+              <a:defRPr sz="1400">
+                <a:solidFill>
+                  <a:schemeClr val="tx1">
+                    <a:tint val="75000"/>
+                  </a:schemeClr>
+                </a:solidFill>
+              </a:defRPr>
+            </a:lvl7pPr>
+            <a:lvl8pPr marL="3200400" indent="0">
+              <a:buNone/>
+              <a:defRPr sz="1400">
+                <a:solidFill>
+                  <a:schemeClr val="tx1">
+                    <a:tint val="75000"/>
+                  </a:schemeClr>
+                </a:solidFill>
+              </a:defRPr>
+            </a:lvl8pPr>
+            <a:lvl9pPr marL="3657600" indent="0">
+              <a:buNone/>
+              <a:defRPr sz="1400">
+                <a:solidFill>
+                  <a:schemeClr val="tx1">
+                    <a:tint val="75000"/>
+                  </a:schemeClr>
+                </a:solidFill>
+              </a:defRPr>
+            </a:lvl9pPr>
+          </a:lstStyle>
           <a:p>
             <a:pPr lvl="0"/>
             <a:r>
@@ -2245,34 +2072,341 @@
               <a:t>Click to edit Master text styles</a:t>
             </a:r>
           </a:p>
+        </p:txBody>
+      </p:sp>
+      <p:sp>
+        <p:nvSpPr>
+          <p:cNvPr id="4" name="Date Placeholder 3"/>
+          <p:cNvSpPr>
+            <a:spLocks noGrp="1"/>
+          </p:cNvSpPr>
+          <p:nvPr>
+            <p:ph type="dt" sz="half" idx="10"/>
+          </p:nvPr>
+        </p:nvSpPr>
+        <p:spPr/>
+        <p:txBody>
+          <a:bodyPr/>
+          <a:lstStyle/>
           <a:p>
-            <a:pPr lvl="1"/>
+            <a:fld id="{DDADED73-3DFB-7641-B760-2A6E60A49006}" type="datetimeFigureOut">
+              <a:rPr lang="en-US" smtClean="0"/>
+              <a:t>12/9/15</a:t>
+            </a:fld>
+            <a:endParaRPr lang="en-US"/>
+          </a:p>
+        </p:txBody>
+      </p:sp>
+      <p:sp>
+        <p:nvSpPr>
+          <p:cNvPr id="5" name="Footer Placeholder 4"/>
+          <p:cNvSpPr>
+            <a:spLocks noGrp="1"/>
+          </p:cNvSpPr>
+          <p:nvPr>
+            <p:ph type="ftr" sz="quarter" idx="11"/>
+          </p:nvPr>
+        </p:nvSpPr>
+        <p:spPr/>
+        <p:txBody>
+          <a:bodyPr/>
+          <a:lstStyle/>
+          <a:p>
+            <a:endParaRPr lang="en-US"/>
+          </a:p>
+        </p:txBody>
+      </p:sp>
+      <p:sp>
+        <p:nvSpPr>
+          <p:cNvPr id="11" name="Freeform 11"/>
+          <p:cNvSpPr/>
+          <p:nvPr/>
+        </p:nvSpPr>
+        <p:spPr bwMode="auto">
+          <a:xfrm flipV="1">
+            <a:off x="-4189" y="3178175"/>
+            <a:ext cx="1588527" cy="507297"/>
+          </a:xfrm>
+          <a:custGeom>
+            <a:avLst/>
+            <a:gdLst/>
+            <a:ahLst/>
+            <a:cxnLst/>
+            <a:rect l="l" t="t" r="r" b="b"/>
+            <a:pathLst>
+              <a:path w="9248" h="10000">
+                <a:moveTo>
+                  <a:pt x="9248" y="4701"/>
+                </a:moveTo>
+                <a:lnTo>
+                  <a:pt x="7915" y="188"/>
+                </a:lnTo>
+                <a:cubicBezTo>
+                  <a:pt x="7906" y="156"/>
+                  <a:pt x="7895" y="126"/>
+                  <a:pt x="7886" y="94"/>
+                </a:cubicBezTo>
+                <a:cubicBezTo>
+                  <a:pt x="7859" y="0"/>
+                  <a:pt x="7831" y="0"/>
+                  <a:pt x="7803" y="0"/>
+                </a:cubicBezTo>
+                <a:lnTo>
+                  <a:pt x="7275" y="0"/>
+                </a:lnTo>
+                <a:lnTo>
+                  <a:pt x="0" y="70"/>
+                </a:lnTo>
+                <a:cubicBezTo>
+                  <a:pt x="8" y="3380"/>
+                  <a:pt x="17" y="6690"/>
+                  <a:pt x="25" y="10000"/>
+                </a:cubicBezTo>
+                <a:lnTo>
+                  <a:pt x="7275" y="9966"/>
+                </a:lnTo>
+                <a:lnTo>
+                  <a:pt x="7803" y="9966"/>
+                </a:lnTo>
+                <a:cubicBezTo>
+                  <a:pt x="7831" y="9966"/>
+                  <a:pt x="7859" y="9872"/>
+                  <a:pt x="7886" y="9872"/>
+                </a:cubicBezTo>
+                <a:cubicBezTo>
+                  <a:pt x="7886" y="9778"/>
+                  <a:pt x="7915" y="9778"/>
+                  <a:pt x="7915" y="9778"/>
+                </a:cubicBezTo>
+                <a:lnTo>
+                  <a:pt x="9248" y="5265"/>
+                </a:lnTo>
+                <a:cubicBezTo>
+                  <a:pt x="9303" y="5077"/>
+                  <a:pt x="9303" y="4889"/>
+                  <a:pt x="9248" y="4701"/>
+                </a:cubicBezTo>
+                <a:close/>
+              </a:path>
+            </a:pathLst>
+          </a:custGeom>
+          <a:solidFill>
+            <a:schemeClr val="accent1"/>
+          </a:solidFill>
+          <a:ln>
+            <a:noFill/>
+          </a:ln>
+        </p:spPr>
+      </p:sp>
+      <p:sp>
+        <p:nvSpPr>
+          <p:cNvPr id="6" name="Slide Number Placeholder 5"/>
+          <p:cNvSpPr>
+            <a:spLocks noGrp="1"/>
+          </p:cNvSpPr>
+          <p:nvPr>
+            <p:ph type="sldNum" sz="quarter" idx="12"/>
+          </p:nvPr>
+        </p:nvSpPr>
+        <p:spPr>
+          <a:xfrm>
+            <a:off x="531812" y="3244139"/>
+            <a:ext cx="779767" cy="365125"/>
+          </a:xfrm>
+        </p:spPr>
+        <p:txBody>
+          <a:bodyPr/>
+          <a:lstStyle/>
+          <a:p>
+            <a:fld id="{579B6F90-744B-4D4A-87F7-7D17E979CBFA}" type="slidenum">
+              <a:rPr lang="en-US" smtClean="0"/>
+              <a:t>‹#›</a:t>
+            </a:fld>
+            <a:endParaRPr lang="en-US"/>
+          </a:p>
+        </p:txBody>
+      </p:sp>
+      <p:sp>
+        <p:nvSpPr>
+          <p:cNvPr id="14" name="TextBox 13"/>
+          <p:cNvSpPr txBox="1"/>
+          <p:nvPr/>
+        </p:nvSpPr>
+        <p:spPr>
+          <a:xfrm>
+            <a:off x="2467652" y="648005"/>
+            <a:ext cx="609600" cy="584776"/>
+          </a:xfrm>
+          <a:prstGeom prst="rect">
+            <a:avLst/>
+          </a:prstGeom>
+        </p:spPr>
+        <p:txBody>
+          <a:bodyPr vert="horz" lIns="91440" tIns="45720" rIns="91440" bIns="45720" rtlCol="0" anchor="ctr">
+            <a:noAutofit/>
+          </a:bodyPr>
+          <a:lstStyle/>
+          <a:p>
+            <a:pPr lvl="0"/>
+            <a:r>
+              <a:rPr lang="en-US" sz="8000" baseline="0" dirty="0">
+                <a:ln w="3175" cmpd="sng">
+                  <a:noFill/>
+                </a:ln>
+                <a:solidFill>
+                  <a:schemeClr val="accent1"/>
+                </a:solidFill>
+                <a:effectLst/>
+                <a:latin typeface="Arial"/>
+              </a:rPr>
+              <a:t>“</a:t>
+            </a:r>
+          </a:p>
+        </p:txBody>
+      </p:sp>
+      <p:sp>
+        <p:nvSpPr>
+          <p:cNvPr id="15" name="TextBox 14"/>
+          <p:cNvSpPr txBox="1"/>
+          <p:nvPr/>
+        </p:nvSpPr>
+        <p:spPr>
+          <a:xfrm>
+            <a:off x="11114852" y="2905306"/>
+            <a:ext cx="609600" cy="584776"/>
+          </a:xfrm>
+          <a:prstGeom prst="rect">
+            <a:avLst/>
+          </a:prstGeom>
+        </p:spPr>
+        <p:txBody>
+          <a:bodyPr vert="horz" lIns="91440" tIns="45720" rIns="91440" bIns="45720" rtlCol="0" anchor="ctr">
+            <a:noAutofit/>
+          </a:bodyPr>
+          <a:lstStyle/>
+          <a:p>
+            <a:pPr lvl="0"/>
+            <a:r>
+              <a:rPr lang="en-US" sz="8000" baseline="0" dirty="0">
+                <a:ln w="3175" cmpd="sng">
+                  <a:noFill/>
+                </a:ln>
+                <a:solidFill>
+                  <a:schemeClr val="accent1"/>
+                </a:solidFill>
+                <a:effectLst/>
+                <a:latin typeface="Arial"/>
+              </a:rPr>
+              <a:t>”</a:t>
+            </a:r>
+          </a:p>
+        </p:txBody>
+      </p:sp>
+    </p:spTree>
+    <p:extLst>
+      <p:ext uri="{BB962C8B-B14F-4D97-AF65-F5344CB8AC3E}">
+        <p14:creationId xmlns:p14="http://schemas.microsoft.com/office/powerpoint/2010/main" val="707618621"/>
+      </p:ext>
+    </p:extLst>
+  </p:cSld>
+  <p:clrMapOvr>
+    <a:masterClrMapping/>
+  </p:clrMapOvr>
+</p:sldLayout>
+</file>
+
+<file path=ppt/slideLayouts/slideLayout12.xml><?xml version="1.0" encoding="utf-8"?>
+<p:sldLayout xmlns:a="http://schemas.openxmlformats.org/drawingml/2006/main" xmlns:r="http://schemas.openxmlformats.org/officeDocument/2006/relationships" xmlns:p="http://schemas.openxmlformats.org/presentationml/2006/main" preserve="1">
+  <p:cSld name="Name Card">
+    <p:spTree>
+      <p:nvGrpSpPr>
+        <p:cNvPr id="1" name=""/>
+        <p:cNvGrpSpPr/>
+        <p:nvPr/>
+      </p:nvGrpSpPr>
+      <p:grpSpPr>
+        <a:xfrm>
+          <a:off x="0" y="0"/>
+          <a:ext cx="0" cy="0"/>
+          <a:chOff x="0" y="0"/>
+          <a:chExt cx="0" cy="0"/>
+        </a:xfrm>
+      </p:grpSpPr>
+      <p:sp>
+        <p:nvSpPr>
+          <p:cNvPr id="2" name="Title 1"/>
+          <p:cNvSpPr>
+            <a:spLocks noGrp="1"/>
+          </p:cNvSpPr>
+          <p:nvPr>
+            <p:ph type="title"/>
+          </p:nvPr>
+        </p:nvSpPr>
+        <p:spPr>
+          <a:xfrm>
+            <a:off x="2589213" y="2438400"/>
+            <a:ext cx="8915400" cy="2724845"/>
+          </a:xfrm>
+        </p:spPr>
+        <p:txBody>
+          <a:bodyPr anchor="b">
+            <a:normAutofit/>
+          </a:bodyPr>
+          <a:lstStyle>
+            <a:lvl1pPr algn="l">
+              <a:defRPr sz="4800" b="0"/>
+            </a:lvl1pPr>
+          </a:lstStyle>
+          <a:p>
             <a:r>
               <a:rPr lang="en-US" smtClean="0"/>
-              <a:t>Second level</a:t>
+              <a:t>Click to edit Master title style</a:t>
             </a:r>
+            <a:endParaRPr lang="en-US" dirty="0"/>
           </a:p>
+        </p:txBody>
+      </p:sp>
+      <p:sp>
+        <p:nvSpPr>
+          <p:cNvPr id="4" name="Text Placeholder 3"/>
+          <p:cNvSpPr>
+            <a:spLocks noGrp="1"/>
+          </p:cNvSpPr>
+          <p:nvPr>
+            <p:ph type="body" sz="half" idx="2"/>
+          </p:nvPr>
+        </p:nvSpPr>
+        <p:spPr>
+          <a:xfrm>
+            <a:off x="2589213" y="5181600"/>
+            <a:ext cx="8915400" cy="729622"/>
+          </a:xfrm>
+        </p:spPr>
+        <p:txBody>
+          <a:bodyPr vert="horz" lIns="91440" tIns="45720" rIns="91440" bIns="45720" rtlCol="0" anchor="t">
+            <a:normAutofit/>
+          </a:bodyPr>
+          <a:lstStyle>
+            <a:lvl1pPr>
+              <a:buNone/>
+              <a:defRPr lang="en-US">
+                <a:solidFill>
+                  <a:schemeClr val="tx1">
+                    <a:lumMod val="65000"/>
+                    <a:lumOff val="35000"/>
+                  </a:schemeClr>
+                </a:solidFill>
+              </a:defRPr>
+            </a:lvl1pPr>
+          </a:lstStyle>
           <a:p>
-            <a:pPr lvl="2"/>
+            <a:pPr marL="0" lvl="0" indent="0">
+              <a:buNone/>
+            </a:pPr>
             <a:r>
               <a:rPr lang="en-US" smtClean="0"/>
-              <a:t>Third level</a:t>
+              <a:t>Click to edit Master text styles</a:t>
             </a:r>
-          </a:p>
-          <a:p>
-            <a:pPr lvl="3"/>
-            <a:r>
-              <a:rPr lang="en-US" smtClean="0"/>
-              <a:t>Fourth level</a:t>
-            </a:r>
-          </a:p>
-          <a:p>
-            <a:pPr lvl="4"/>
-            <a:r>
-              <a:rPr lang="en-US" smtClean="0"/>
-              <a:t>Fifth level</a:t>
-            </a:r>
-            <a:endParaRPr lang="en-US"/>
           </a:p>
         </p:txBody>
       </p:sp>
@@ -2320,7 +2454,1062 @@
       </p:sp>
       <p:sp>
         <p:nvSpPr>
+          <p:cNvPr id="9" name="Freeform 11"/>
+          <p:cNvSpPr/>
+          <p:nvPr/>
+        </p:nvSpPr>
+        <p:spPr bwMode="auto">
+          <a:xfrm flipV="1">
+            <a:off x="-4189" y="4911725"/>
+            <a:ext cx="1588527" cy="507297"/>
+          </a:xfrm>
+          <a:custGeom>
+            <a:avLst/>
+            <a:gdLst/>
+            <a:ahLst/>
+            <a:cxnLst/>
+            <a:rect l="l" t="t" r="r" b="b"/>
+            <a:pathLst>
+              <a:path w="9248" h="10000">
+                <a:moveTo>
+                  <a:pt x="9248" y="4701"/>
+                </a:moveTo>
+                <a:lnTo>
+                  <a:pt x="7915" y="188"/>
+                </a:lnTo>
+                <a:cubicBezTo>
+                  <a:pt x="7906" y="156"/>
+                  <a:pt x="7895" y="126"/>
+                  <a:pt x="7886" y="94"/>
+                </a:cubicBezTo>
+                <a:cubicBezTo>
+                  <a:pt x="7859" y="0"/>
+                  <a:pt x="7831" y="0"/>
+                  <a:pt x="7803" y="0"/>
+                </a:cubicBezTo>
+                <a:lnTo>
+                  <a:pt x="7275" y="0"/>
+                </a:lnTo>
+                <a:lnTo>
+                  <a:pt x="0" y="70"/>
+                </a:lnTo>
+                <a:cubicBezTo>
+                  <a:pt x="8" y="3380"/>
+                  <a:pt x="17" y="6690"/>
+                  <a:pt x="25" y="10000"/>
+                </a:cubicBezTo>
+                <a:lnTo>
+                  <a:pt x="7275" y="9966"/>
+                </a:lnTo>
+                <a:lnTo>
+                  <a:pt x="7803" y="9966"/>
+                </a:lnTo>
+                <a:cubicBezTo>
+                  <a:pt x="7831" y="9966"/>
+                  <a:pt x="7859" y="9872"/>
+                  <a:pt x="7886" y="9872"/>
+                </a:cubicBezTo>
+                <a:cubicBezTo>
+                  <a:pt x="7886" y="9778"/>
+                  <a:pt x="7915" y="9778"/>
+                  <a:pt x="7915" y="9778"/>
+                </a:cubicBezTo>
+                <a:lnTo>
+                  <a:pt x="9248" y="5265"/>
+                </a:lnTo>
+                <a:cubicBezTo>
+                  <a:pt x="9303" y="5077"/>
+                  <a:pt x="9303" y="4889"/>
+                  <a:pt x="9248" y="4701"/>
+                </a:cubicBezTo>
+                <a:close/>
+              </a:path>
+            </a:pathLst>
+          </a:custGeom>
+          <a:solidFill>
+            <a:schemeClr val="accent1"/>
+          </a:solidFill>
+          <a:ln>
+            <a:noFill/>
+          </a:ln>
+        </p:spPr>
+      </p:sp>
+      <p:sp>
+        <p:nvSpPr>
           <p:cNvPr id="7" name="Slide Number Placeholder 6"/>
+          <p:cNvSpPr>
+            <a:spLocks noGrp="1"/>
+          </p:cNvSpPr>
+          <p:nvPr>
+            <p:ph type="sldNum" sz="quarter" idx="12"/>
+          </p:nvPr>
+        </p:nvSpPr>
+        <p:spPr>
+          <a:xfrm>
+            <a:off x="531812" y="4983087"/>
+            <a:ext cx="779767" cy="365125"/>
+          </a:xfrm>
+        </p:spPr>
+        <p:txBody>
+          <a:bodyPr/>
+          <a:lstStyle/>
+          <a:p>
+            <a:fld id="{579B6F90-744B-4D4A-87F7-7D17E979CBFA}" type="slidenum">
+              <a:rPr lang="en-US" smtClean="0"/>
+              <a:t>‹#›</a:t>
+            </a:fld>
+            <a:endParaRPr lang="en-US"/>
+          </a:p>
+        </p:txBody>
+      </p:sp>
+    </p:spTree>
+    <p:extLst>
+      <p:ext uri="{BB962C8B-B14F-4D97-AF65-F5344CB8AC3E}">
+        <p14:creationId xmlns:p14="http://schemas.microsoft.com/office/powerpoint/2010/main" val="181726061"/>
+      </p:ext>
+    </p:extLst>
+  </p:cSld>
+  <p:clrMapOvr>
+    <a:masterClrMapping/>
+  </p:clrMapOvr>
+</p:sldLayout>
+</file>
+
+<file path=ppt/slideLayouts/slideLayout13.xml><?xml version="1.0" encoding="utf-8"?>
+<p:sldLayout xmlns:a="http://schemas.openxmlformats.org/drawingml/2006/main" xmlns:r="http://schemas.openxmlformats.org/officeDocument/2006/relationships" xmlns:p="http://schemas.openxmlformats.org/presentationml/2006/main" preserve="1">
+  <p:cSld name="Quote Name Card">
+    <p:spTree>
+      <p:nvGrpSpPr>
+        <p:cNvPr id="1" name=""/>
+        <p:cNvGrpSpPr/>
+        <p:nvPr/>
+      </p:nvGrpSpPr>
+      <p:grpSpPr>
+        <a:xfrm>
+          <a:off x="0" y="0"/>
+          <a:ext cx="0" cy="0"/>
+          <a:chOff x="0" y="0"/>
+          <a:chExt cx="0" cy="0"/>
+        </a:xfrm>
+      </p:grpSpPr>
+      <p:sp>
+        <p:nvSpPr>
+          <p:cNvPr id="12" name="Title 1"/>
+          <p:cNvSpPr>
+            <a:spLocks noGrp="1"/>
+          </p:cNvSpPr>
+          <p:nvPr>
+            <p:ph type="title"/>
+          </p:nvPr>
+        </p:nvSpPr>
+        <p:spPr>
+          <a:xfrm>
+            <a:off x="2849949" y="609600"/>
+            <a:ext cx="8393926" cy="2895600"/>
+          </a:xfrm>
+        </p:spPr>
+        <p:txBody>
+          <a:bodyPr anchor="ctr">
+            <a:normAutofit/>
+          </a:bodyPr>
+          <a:lstStyle>
+            <a:lvl1pPr algn="l">
+              <a:defRPr sz="4800" b="0" cap="none"/>
+            </a:lvl1pPr>
+          </a:lstStyle>
+          <a:p>
+            <a:r>
+              <a:rPr lang="en-US" smtClean="0"/>
+              <a:t>Click to edit Master title style</a:t>
+            </a:r>
+            <a:endParaRPr lang="en-US" dirty="0"/>
+          </a:p>
+        </p:txBody>
+      </p:sp>
+      <p:sp>
+        <p:nvSpPr>
+          <p:cNvPr id="21" name="Text Placeholder 9"/>
+          <p:cNvSpPr>
+            <a:spLocks noGrp="1"/>
+          </p:cNvSpPr>
+          <p:nvPr>
+            <p:ph type="body" sz="quarter" idx="13"/>
+          </p:nvPr>
+        </p:nvSpPr>
+        <p:spPr>
+          <a:xfrm>
+            <a:off x="2589212" y="4343400"/>
+            <a:ext cx="8915400" cy="838200"/>
+          </a:xfrm>
+        </p:spPr>
+        <p:txBody>
+          <a:bodyPr anchor="b">
+            <a:noAutofit/>
+          </a:bodyPr>
+          <a:lstStyle>
+            <a:lvl1pPr marL="0" indent="0">
+              <a:buFontTx/>
+              <a:buNone/>
+              <a:defRPr sz="2400">
+                <a:solidFill>
+                  <a:schemeClr val="accent1"/>
+                </a:solidFill>
+              </a:defRPr>
+            </a:lvl1pPr>
+            <a:lvl2pPr marL="457200" indent="0">
+              <a:buFontTx/>
+              <a:buNone/>
+              <a:defRPr/>
+            </a:lvl2pPr>
+            <a:lvl3pPr marL="914400" indent="0">
+              <a:buFontTx/>
+              <a:buNone/>
+              <a:defRPr/>
+            </a:lvl3pPr>
+            <a:lvl4pPr marL="1371600" indent="0">
+              <a:buFontTx/>
+              <a:buNone/>
+              <a:defRPr/>
+            </a:lvl4pPr>
+            <a:lvl5pPr marL="1828800" indent="0">
+              <a:buFontTx/>
+              <a:buNone/>
+              <a:defRPr/>
+            </a:lvl5pPr>
+          </a:lstStyle>
+          <a:p>
+            <a:pPr lvl="0"/>
+            <a:r>
+              <a:rPr lang="en-US" smtClean="0"/>
+              <a:t>Click to edit Master text styles</a:t>
+            </a:r>
+          </a:p>
+        </p:txBody>
+      </p:sp>
+      <p:sp>
+        <p:nvSpPr>
+          <p:cNvPr id="4" name="Text Placeholder 3"/>
+          <p:cNvSpPr>
+            <a:spLocks noGrp="1"/>
+          </p:cNvSpPr>
+          <p:nvPr>
+            <p:ph type="body" sz="half" idx="2"/>
+          </p:nvPr>
+        </p:nvSpPr>
+        <p:spPr>
+          <a:xfrm>
+            <a:off x="2589213" y="5181600"/>
+            <a:ext cx="8915400" cy="729622"/>
+          </a:xfrm>
+        </p:spPr>
+        <p:txBody>
+          <a:bodyPr vert="horz" lIns="91440" tIns="45720" rIns="91440" bIns="45720" rtlCol="0" anchor="t">
+            <a:normAutofit/>
+          </a:bodyPr>
+          <a:lstStyle>
+            <a:lvl1pPr>
+              <a:buNone/>
+              <a:defRPr lang="en-US">
+                <a:solidFill>
+                  <a:schemeClr val="tx1">
+                    <a:lumMod val="65000"/>
+                    <a:lumOff val="35000"/>
+                  </a:schemeClr>
+                </a:solidFill>
+              </a:defRPr>
+            </a:lvl1pPr>
+          </a:lstStyle>
+          <a:p>
+            <a:pPr marL="0" lvl="0" indent="0">
+              <a:buNone/>
+            </a:pPr>
+            <a:r>
+              <a:rPr lang="en-US" smtClean="0"/>
+              <a:t>Click to edit Master text styles</a:t>
+            </a:r>
+          </a:p>
+        </p:txBody>
+      </p:sp>
+      <p:sp>
+        <p:nvSpPr>
+          <p:cNvPr id="5" name="Date Placeholder 4"/>
+          <p:cNvSpPr>
+            <a:spLocks noGrp="1"/>
+          </p:cNvSpPr>
+          <p:nvPr>
+            <p:ph type="dt" sz="half" idx="10"/>
+          </p:nvPr>
+        </p:nvSpPr>
+        <p:spPr/>
+        <p:txBody>
+          <a:bodyPr/>
+          <a:lstStyle/>
+          <a:p>
+            <a:fld id="{DDADED73-3DFB-7641-B760-2A6E60A49006}" type="datetimeFigureOut">
+              <a:rPr lang="en-US" smtClean="0"/>
+              <a:t>12/9/15</a:t>
+            </a:fld>
+            <a:endParaRPr lang="en-US"/>
+          </a:p>
+        </p:txBody>
+      </p:sp>
+      <p:sp>
+        <p:nvSpPr>
+          <p:cNvPr id="6" name="Footer Placeholder 5"/>
+          <p:cNvSpPr>
+            <a:spLocks noGrp="1"/>
+          </p:cNvSpPr>
+          <p:nvPr>
+            <p:ph type="ftr" sz="quarter" idx="11"/>
+          </p:nvPr>
+        </p:nvSpPr>
+        <p:spPr/>
+        <p:txBody>
+          <a:bodyPr/>
+          <a:lstStyle/>
+          <a:p>
+            <a:endParaRPr lang="en-US"/>
+          </a:p>
+        </p:txBody>
+      </p:sp>
+      <p:sp>
+        <p:nvSpPr>
+          <p:cNvPr id="11" name="Freeform 11"/>
+          <p:cNvSpPr/>
+          <p:nvPr/>
+        </p:nvSpPr>
+        <p:spPr bwMode="auto">
+          <a:xfrm flipV="1">
+            <a:off x="-4189" y="4911725"/>
+            <a:ext cx="1588527" cy="507297"/>
+          </a:xfrm>
+          <a:custGeom>
+            <a:avLst/>
+            <a:gdLst/>
+            <a:ahLst/>
+            <a:cxnLst/>
+            <a:rect l="l" t="t" r="r" b="b"/>
+            <a:pathLst>
+              <a:path w="9248" h="10000">
+                <a:moveTo>
+                  <a:pt x="9248" y="4701"/>
+                </a:moveTo>
+                <a:lnTo>
+                  <a:pt x="7915" y="188"/>
+                </a:lnTo>
+                <a:cubicBezTo>
+                  <a:pt x="7906" y="156"/>
+                  <a:pt x="7895" y="126"/>
+                  <a:pt x="7886" y="94"/>
+                </a:cubicBezTo>
+                <a:cubicBezTo>
+                  <a:pt x="7859" y="0"/>
+                  <a:pt x="7831" y="0"/>
+                  <a:pt x="7803" y="0"/>
+                </a:cubicBezTo>
+                <a:lnTo>
+                  <a:pt x="7275" y="0"/>
+                </a:lnTo>
+                <a:lnTo>
+                  <a:pt x="0" y="70"/>
+                </a:lnTo>
+                <a:cubicBezTo>
+                  <a:pt x="8" y="3380"/>
+                  <a:pt x="17" y="6690"/>
+                  <a:pt x="25" y="10000"/>
+                </a:cubicBezTo>
+                <a:lnTo>
+                  <a:pt x="7275" y="9966"/>
+                </a:lnTo>
+                <a:lnTo>
+                  <a:pt x="7803" y="9966"/>
+                </a:lnTo>
+                <a:cubicBezTo>
+                  <a:pt x="7831" y="9966"/>
+                  <a:pt x="7859" y="9872"/>
+                  <a:pt x="7886" y="9872"/>
+                </a:cubicBezTo>
+                <a:cubicBezTo>
+                  <a:pt x="7886" y="9778"/>
+                  <a:pt x="7915" y="9778"/>
+                  <a:pt x="7915" y="9778"/>
+                </a:cubicBezTo>
+                <a:lnTo>
+                  <a:pt x="9248" y="5265"/>
+                </a:lnTo>
+                <a:cubicBezTo>
+                  <a:pt x="9303" y="5077"/>
+                  <a:pt x="9303" y="4889"/>
+                  <a:pt x="9248" y="4701"/>
+                </a:cubicBezTo>
+                <a:close/>
+              </a:path>
+            </a:pathLst>
+          </a:custGeom>
+          <a:solidFill>
+            <a:schemeClr val="accent1"/>
+          </a:solidFill>
+          <a:ln>
+            <a:noFill/>
+          </a:ln>
+        </p:spPr>
+      </p:sp>
+      <p:sp>
+        <p:nvSpPr>
+          <p:cNvPr id="7" name="Slide Number Placeholder 6"/>
+          <p:cNvSpPr>
+            <a:spLocks noGrp="1"/>
+          </p:cNvSpPr>
+          <p:nvPr>
+            <p:ph type="sldNum" sz="quarter" idx="12"/>
+          </p:nvPr>
+        </p:nvSpPr>
+        <p:spPr>
+          <a:xfrm>
+            <a:off x="531812" y="4983087"/>
+            <a:ext cx="779767" cy="365125"/>
+          </a:xfrm>
+        </p:spPr>
+        <p:txBody>
+          <a:bodyPr/>
+          <a:lstStyle/>
+          <a:p>
+            <a:fld id="{579B6F90-744B-4D4A-87F7-7D17E979CBFA}" type="slidenum">
+              <a:rPr lang="en-US" smtClean="0"/>
+              <a:t>‹#›</a:t>
+            </a:fld>
+            <a:endParaRPr lang="en-US"/>
+          </a:p>
+        </p:txBody>
+      </p:sp>
+      <p:sp>
+        <p:nvSpPr>
+          <p:cNvPr id="17" name="TextBox 16"/>
+          <p:cNvSpPr txBox="1"/>
+          <p:nvPr/>
+        </p:nvSpPr>
+        <p:spPr>
+          <a:xfrm>
+            <a:off x="2467652" y="648005"/>
+            <a:ext cx="609600" cy="584776"/>
+          </a:xfrm>
+          <a:prstGeom prst="rect">
+            <a:avLst/>
+          </a:prstGeom>
+        </p:spPr>
+        <p:txBody>
+          <a:bodyPr vert="horz" lIns="91440" tIns="45720" rIns="91440" bIns="45720" rtlCol="0" anchor="ctr">
+            <a:noAutofit/>
+          </a:bodyPr>
+          <a:lstStyle/>
+          <a:p>
+            <a:pPr lvl="0"/>
+            <a:r>
+              <a:rPr lang="en-US" sz="8000" baseline="0" dirty="0">
+                <a:ln w="3175" cmpd="sng">
+                  <a:noFill/>
+                </a:ln>
+                <a:solidFill>
+                  <a:schemeClr val="accent1"/>
+                </a:solidFill>
+                <a:effectLst/>
+                <a:latin typeface="Arial"/>
+              </a:rPr>
+              <a:t>“</a:t>
+            </a:r>
+          </a:p>
+        </p:txBody>
+      </p:sp>
+      <p:sp>
+        <p:nvSpPr>
+          <p:cNvPr id="18" name="TextBox 17"/>
+          <p:cNvSpPr txBox="1"/>
+          <p:nvPr/>
+        </p:nvSpPr>
+        <p:spPr>
+          <a:xfrm>
+            <a:off x="11114852" y="2905306"/>
+            <a:ext cx="609600" cy="584776"/>
+          </a:xfrm>
+          <a:prstGeom prst="rect">
+            <a:avLst/>
+          </a:prstGeom>
+        </p:spPr>
+        <p:txBody>
+          <a:bodyPr vert="horz" lIns="91440" tIns="45720" rIns="91440" bIns="45720" rtlCol="0" anchor="ctr">
+            <a:noAutofit/>
+          </a:bodyPr>
+          <a:lstStyle/>
+          <a:p>
+            <a:pPr lvl="0"/>
+            <a:r>
+              <a:rPr lang="en-US" sz="8000" baseline="0" dirty="0">
+                <a:ln w="3175" cmpd="sng">
+                  <a:noFill/>
+                </a:ln>
+                <a:solidFill>
+                  <a:schemeClr val="accent1"/>
+                </a:solidFill>
+                <a:effectLst/>
+                <a:latin typeface="Arial"/>
+              </a:rPr>
+              <a:t>”</a:t>
+            </a:r>
+          </a:p>
+        </p:txBody>
+      </p:sp>
+    </p:spTree>
+    <p:extLst>
+      <p:ext uri="{BB962C8B-B14F-4D97-AF65-F5344CB8AC3E}">
+        <p14:creationId xmlns:p14="http://schemas.microsoft.com/office/powerpoint/2010/main" val="548161193"/>
+      </p:ext>
+    </p:extLst>
+  </p:cSld>
+  <p:clrMapOvr>
+    <a:masterClrMapping/>
+  </p:clrMapOvr>
+</p:sldLayout>
+</file>
+
+<file path=ppt/slideLayouts/slideLayout14.xml><?xml version="1.0" encoding="utf-8"?>
+<p:sldLayout xmlns:a="http://schemas.openxmlformats.org/drawingml/2006/main" xmlns:r="http://schemas.openxmlformats.org/officeDocument/2006/relationships" xmlns:p="http://schemas.openxmlformats.org/presentationml/2006/main" preserve="1">
+  <p:cSld name="True or False">
+    <p:spTree>
+      <p:nvGrpSpPr>
+        <p:cNvPr id="1" name=""/>
+        <p:cNvGrpSpPr/>
+        <p:nvPr/>
+      </p:nvGrpSpPr>
+      <p:grpSpPr>
+        <a:xfrm>
+          <a:off x="0" y="0"/>
+          <a:ext cx="0" cy="0"/>
+          <a:chOff x="0" y="0"/>
+          <a:chExt cx="0" cy="0"/>
+        </a:xfrm>
+      </p:grpSpPr>
+      <p:sp>
+        <p:nvSpPr>
+          <p:cNvPr id="2" name="Title 1"/>
+          <p:cNvSpPr>
+            <a:spLocks noGrp="1"/>
+          </p:cNvSpPr>
+          <p:nvPr>
+            <p:ph type="title"/>
+          </p:nvPr>
+        </p:nvSpPr>
+        <p:spPr>
+          <a:xfrm>
+            <a:off x="2589212" y="627407"/>
+            <a:ext cx="8915399" cy="2880020"/>
+          </a:xfrm>
+        </p:spPr>
+        <p:txBody>
+          <a:bodyPr anchor="ctr">
+            <a:normAutofit/>
+          </a:bodyPr>
+          <a:lstStyle>
+            <a:lvl1pPr algn="l">
+              <a:defRPr sz="4800" b="0"/>
+            </a:lvl1pPr>
+          </a:lstStyle>
+          <a:p>
+            <a:r>
+              <a:rPr lang="en-US" smtClean="0"/>
+              <a:t>Click to edit Master title style</a:t>
+            </a:r>
+            <a:endParaRPr lang="en-US" dirty="0"/>
+          </a:p>
+        </p:txBody>
+      </p:sp>
+      <p:sp>
+        <p:nvSpPr>
+          <p:cNvPr id="21" name="Text Placeholder 9"/>
+          <p:cNvSpPr>
+            <a:spLocks noGrp="1"/>
+          </p:cNvSpPr>
+          <p:nvPr>
+            <p:ph type="body" sz="quarter" idx="13"/>
+          </p:nvPr>
+        </p:nvSpPr>
+        <p:spPr>
+          <a:xfrm>
+            <a:off x="2589212" y="4343400"/>
+            <a:ext cx="8915400" cy="838200"/>
+          </a:xfrm>
+        </p:spPr>
+        <p:txBody>
+          <a:bodyPr anchor="b">
+            <a:noAutofit/>
+          </a:bodyPr>
+          <a:lstStyle>
+            <a:lvl1pPr marL="0" indent="0">
+              <a:buFontTx/>
+              <a:buNone/>
+              <a:defRPr sz="2400">
+                <a:solidFill>
+                  <a:schemeClr val="accent1"/>
+                </a:solidFill>
+              </a:defRPr>
+            </a:lvl1pPr>
+            <a:lvl2pPr marL="457200" indent="0">
+              <a:buFontTx/>
+              <a:buNone/>
+              <a:defRPr/>
+            </a:lvl2pPr>
+            <a:lvl3pPr marL="914400" indent="0">
+              <a:buFontTx/>
+              <a:buNone/>
+              <a:defRPr/>
+            </a:lvl3pPr>
+            <a:lvl4pPr marL="1371600" indent="0">
+              <a:buFontTx/>
+              <a:buNone/>
+              <a:defRPr/>
+            </a:lvl4pPr>
+            <a:lvl5pPr marL="1828800" indent="0">
+              <a:buFontTx/>
+              <a:buNone/>
+              <a:defRPr/>
+            </a:lvl5pPr>
+          </a:lstStyle>
+          <a:p>
+            <a:pPr lvl="0"/>
+            <a:r>
+              <a:rPr lang="en-US" smtClean="0"/>
+              <a:t>Click to edit Master text styles</a:t>
+            </a:r>
+          </a:p>
+        </p:txBody>
+      </p:sp>
+      <p:sp>
+        <p:nvSpPr>
+          <p:cNvPr id="4" name="Text Placeholder 3"/>
+          <p:cNvSpPr>
+            <a:spLocks noGrp="1"/>
+          </p:cNvSpPr>
+          <p:nvPr>
+            <p:ph type="body" sz="half" idx="2"/>
+          </p:nvPr>
+        </p:nvSpPr>
+        <p:spPr>
+          <a:xfrm>
+            <a:off x="2589213" y="5181600"/>
+            <a:ext cx="8915400" cy="729622"/>
+          </a:xfrm>
+        </p:spPr>
+        <p:txBody>
+          <a:bodyPr vert="horz" lIns="91440" tIns="45720" rIns="91440" bIns="45720" rtlCol="0" anchor="t">
+            <a:normAutofit/>
+          </a:bodyPr>
+          <a:lstStyle>
+            <a:lvl1pPr>
+              <a:buNone/>
+              <a:defRPr lang="en-US">
+                <a:solidFill>
+                  <a:schemeClr val="tx1">
+                    <a:lumMod val="65000"/>
+                    <a:lumOff val="35000"/>
+                  </a:schemeClr>
+                </a:solidFill>
+              </a:defRPr>
+            </a:lvl1pPr>
+          </a:lstStyle>
+          <a:p>
+            <a:pPr marL="0" lvl="0" indent="0">
+              <a:buNone/>
+            </a:pPr>
+            <a:r>
+              <a:rPr lang="en-US" smtClean="0"/>
+              <a:t>Click to edit Master text styles</a:t>
+            </a:r>
+          </a:p>
+        </p:txBody>
+      </p:sp>
+      <p:sp>
+        <p:nvSpPr>
+          <p:cNvPr id="5" name="Date Placeholder 4"/>
+          <p:cNvSpPr>
+            <a:spLocks noGrp="1"/>
+          </p:cNvSpPr>
+          <p:nvPr>
+            <p:ph type="dt" sz="half" idx="10"/>
+          </p:nvPr>
+        </p:nvSpPr>
+        <p:spPr/>
+        <p:txBody>
+          <a:bodyPr/>
+          <a:lstStyle/>
+          <a:p>
+            <a:fld id="{DDADED73-3DFB-7641-B760-2A6E60A49006}" type="datetimeFigureOut">
+              <a:rPr lang="en-US" smtClean="0"/>
+              <a:t>12/9/15</a:t>
+            </a:fld>
+            <a:endParaRPr lang="en-US"/>
+          </a:p>
+        </p:txBody>
+      </p:sp>
+      <p:sp>
+        <p:nvSpPr>
+          <p:cNvPr id="6" name="Footer Placeholder 5"/>
+          <p:cNvSpPr>
+            <a:spLocks noGrp="1"/>
+          </p:cNvSpPr>
+          <p:nvPr>
+            <p:ph type="ftr" sz="quarter" idx="11"/>
+          </p:nvPr>
+        </p:nvSpPr>
+        <p:spPr/>
+        <p:txBody>
+          <a:bodyPr/>
+          <a:lstStyle/>
+          <a:p>
+            <a:endParaRPr lang="en-US"/>
+          </a:p>
+        </p:txBody>
+      </p:sp>
+      <p:sp>
+        <p:nvSpPr>
+          <p:cNvPr id="9" name="Freeform 11"/>
+          <p:cNvSpPr/>
+          <p:nvPr/>
+        </p:nvSpPr>
+        <p:spPr bwMode="auto">
+          <a:xfrm flipV="1">
+            <a:off x="-4189" y="4911725"/>
+            <a:ext cx="1588527" cy="507297"/>
+          </a:xfrm>
+          <a:custGeom>
+            <a:avLst/>
+            <a:gdLst/>
+            <a:ahLst/>
+            <a:cxnLst/>
+            <a:rect l="l" t="t" r="r" b="b"/>
+            <a:pathLst>
+              <a:path w="9248" h="10000">
+                <a:moveTo>
+                  <a:pt x="9248" y="4701"/>
+                </a:moveTo>
+                <a:lnTo>
+                  <a:pt x="7915" y="188"/>
+                </a:lnTo>
+                <a:cubicBezTo>
+                  <a:pt x="7906" y="156"/>
+                  <a:pt x="7895" y="126"/>
+                  <a:pt x="7886" y="94"/>
+                </a:cubicBezTo>
+                <a:cubicBezTo>
+                  <a:pt x="7859" y="0"/>
+                  <a:pt x="7831" y="0"/>
+                  <a:pt x="7803" y="0"/>
+                </a:cubicBezTo>
+                <a:lnTo>
+                  <a:pt x="7275" y="0"/>
+                </a:lnTo>
+                <a:lnTo>
+                  <a:pt x="0" y="70"/>
+                </a:lnTo>
+                <a:cubicBezTo>
+                  <a:pt x="8" y="3380"/>
+                  <a:pt x="17" y="6690"/>
+                  <a:pt x="25" y="10000"/>
+                </a:cubicBezTo>
+                <a:lnTo>
+                  <a:pt x="7275" y="9966"/>
+                </a:lnTo>
+                <a:lnTo>
+                  <a:pt x="7803" y="9966"/>
+                </a:lnTo>
+                <a:cubicBezTo>
+                  <a:pt x="7831" y="9966"/>
+                  <a:pt x="7859" y="9872"/>
+                  <a:pt x="7886" y="9872"/>
+                </a:cubicBezTo>
+                <a:cubicBezTo>
+                  <a:pt x="7886" y="9778"/>
+                  <a:pt x="7915" y="9778"/>
+                  <a:pt x="7915" y="9778"/>
+                </a:cubicBezTo>
+                <a:lnTo>
+                  <a:pt x="9248" y="5265"/>
+                </a:lnTo>
+                <a:cubicBezTo>
+                  <a:pt x="9303" y="5077"/>
+                  <a:pt x="9303" y="4889"/>
+                  <a:pt x="9248" y="4701"/>
+                </a:cubicBezTo>
+                <a:close/>
+              </a:path>
+            </a:pathLst>
+          </a:custGeom>
+          <a:solidFill>
+            <a:schemeClr val="accent1"/>
+          </a:solidFill>
+          <a:ln>
+            <a:noFill/>
+          </a:ln>
+        </p:spPr>
+      </p:sp>
+      <p:sp>
+        <p:nvSpPr>
+          <p:cNvPr id="7" name="Slide Number Placeholder 6"/>
+          <p:cNvSpPr>
+            <a:spLocks noGrp="1"/>
+          </p:cNvSpPr>
+          <p:nvPr>
+            <p:ph type="sldNum" sz="quarter" idx="12"/>
+          </p:nvPr>
+        </p:nvSpPr>
+        <p:spPr>
+          <a:xfrm>
+            <a:off x="531812" y="4983087"/>
+            <a:ext cx="779767" cy="365125"/>
+          </a:xfrm>
+        </p:spPr>
+        <p:txBody>
+          <a:bodyPr/>
+          <a:lstStyle/>
+          <a:p>
+            <a:fld id="{579B6F90-744B-4D4A-87F7-7D17E979CBFA}" type="slidenum">
+              <a:rPr lang="en-US" smtClean="0"/>
+              <a:t>‹#›</a:t>
+            </a:fld>
+            <a:endParaRPr lang="en-US"/>
+          </a:p>
+        </p:txBody>
+      </p:sp>
+    </p:spTree>
+    <p:extLst>
+      <p:ext uri="{BB962C8B-B14F-4D97-AF65-F5344CB8AC3E}">
+        <p14:creationId xmlns:p14="http://schemas.microsoft.com/office/powerpoint/2010/main" val="240325121"/>
+      </p:ext>
+    </p:extLst>
+  </p:cSld>
+  <p:clrMapOvr>
+    <a:masterClrMapping/>
+  </p:clrMapOvr>
+</p:sldLayout>
+</file>
+
+<file path=ppt/slideLayouts/slideLayout15.xml><?xml version="1.0" encoding="utf-8"?>
+<p:sldLayout xmlns:a="http://schemas.openxmlformats.org/drawingml/2006/main" xmlns:r="http://schemas.openxmlformats.org/officeDocument/2006/relationships" xmlns:p="http://schemas.openxmlformats.org/presentationml/2006/main" type="vertTx" preserve="1">
+  <p:cSld name="Title and Vertical Text">
+    <p:spTree>
+      <p:nvGrpSpPr>
+        <p:cNvPr id="1" name=""/>
+        <p:cNvGrpSpPr/>
+        <p:nvPr/>
+      </p:nvGrpSpPr>
+      <p:grpSpPr>
+        <a:xfrm>
+          <a:off x="0" y="0"/>
+          <a:ext cx="0" cy="0"/>
+          <a:chOff x="0" y="0"/>
+          <a:chExt cx="0" cy="0"/>
+        </a:xfrm>
+      </p:grpSpPr>
+      <p:sp>
+        <p:nvSpPr>
+          <p:cNvPr id="2" name="Title 1"/>
+          <p:cNvSpPr>
+            <a:spLocks noGrp="1"/>
+          </p:cNvSpPr>
+          <p:nvPr>
+            <p:ph type="title"/>
+          </p:nvPr>
+        </p:nvSpPr>
+        <p:spPr/>
+        <p:txBody>
+          <a:bodyPr/>
+          <a:lstStyle/>
+          <a:p>
+            <a:r>
+              <a:rPr lang="en-US" smtClean="0"/>
+              <a:t>Click to edit Master title style</a:t>
+            </a:r>
+            <a:endParaRPr lang="en-US" dirty="0"/>
+          </a:p>
+        </p:txBody>
+      </p:sp>
+      <p:sp>
+        <p:nvSpPr>
+          <p:cNvPr id="3" name="Vertical Text Placeholder 2"/>
+          <p:cNvSpPr>
+            <a:spLocks noGrp="1"/>
+          </p:cNvSpPr>
+          <p:nvPr>
+            <p:ph type="body" orient="vert" idx="1"/>
+          </p:nvPr>
+        </p:nvSpPr>
+        <p:spPr/>
+        <p:txBody>
+          <a:bodyPr vert="eaVert" anchor="t"/>
+          <a:lstStyle/>
+          <a:p>
+            <a:pPr lvl="0"/>
+            <a:r>
+              <a:rPr lang="en-US" smtClean="0"/>
+              <a:t>Click to edit Master text styles</a:t>
+            </a:r>
+          </a:p>
+          <a:p>
+            <a:pPr lvl="1"/>
+            <a:r>
+              <a:rPr lang="en-US" smtClean="0"/>
+              <a:t>Second level</a:t>
+            </a:r>
+          </a:p>
+          <a:p>
+            <a:pPr lvl="2"/>
+            <a:r>
+              <a:rPr lang="en-US" smtClean="0"/>
+              <a:t>Third level</a:t>
+            </a:r>
+          </a:p>
+          <a:p>
+            <a:pPr lvl="3"/>
+            <a:r>
+              <a:rPr lang="en-US" smtClean="0"/>
+              <a:t>Fourth level</a:t>
+            </a:r>
+          </a:p>
+          <a:p>
+            <a:pPr lvl="4"/>
+            <a:r>
+              <a:rPr lang="en-US" smtClean="0"/>
+              <a:t>Fifth level</a:t>
+            </a:r>
+            <a:endParaRPr lang="en-US" dirty="0"/>
+          </a:p>
+        </p:txBody>
+      </p:sp>
+      <p:sp>
+        <p:nvSpPr>
+          <p:cNvPr id="4" name="Date Placeholder 3"/>
+          <p:cNvSpPr>
+            <a:spLocks noGrp="1"/>
+          </p:cNvSpPr>
+          <p:nvPr>
+            <p:ph type="dt" sz="half" idx="10"/>
+          </p:nvPr>
+        </p:nvSpPr>
+        <p:spPr/>
+        <p:txBody>
+          <a:bodyPr/>
+          <a:lstStyle/>
+          <a:p>
+            <a:fld id="{DDADED73-3DFB-7641-B760-2A6E60A49006}" type="datetimeFigureOut">
+              <a:rPr lang="en-US" smtClean="0"/>
+              <a:t>12/9/15</a:t>
+            </a:fld>
+            <a:endParaRPr lang="en-US"/>
+          </a:p>
+        </p:txBody>
+      </p:sp>
+      <p:sp>
+        <p:nvSpPr>
+          <p:cNvPr id="5" name="Footer Placeholder 4"/>
+          <p:cNvSpPr>
+            <a:spLocks noGrp="1"/>
+          </p:cNvSpPr>
+          <p:nvPr>
+            <p:ph type="ftr" sz="quarter" idx="11"/>
+          </p:nvPr>
+        </p:nvSpPr>
+        <p:spPr/>
+        <p:txBody>
+          <a:bodyPr/>
+          <a:lstStyle/>
+          <a:p>
+            <a:endParaRPr lang="en-US"/>
+          </a:p>
+        </p:txBody>
+      </p:sp>
+      <p:sp>
+        <p:nvSpPr>
+          <p:cNvPr id="8" name="Freeform 11"/>
+          <p:cNvSpPr/>
+          <p:nvPr/>
+        </p:nvSpPr>
+        <p:spPr bwMode="auto">
+          <a:xfrm flipV="1">
+            <a:off x="-4189" y="714375"/>
+            <a:ext cx="1588527" cy="507297"/>
+          </a:xfrm>
+          <a:custGeom>
+            <a:avLst/>
+            <a:gdLst/>
+            <a:ahLst/>
+            <a:cxnLst/>
+            <a:rect l="l" t="t" r="r" b="b"/>
+            <a:pathLst>
+              <a:path w="9248" h="10000">
+                <a:moveTo>
+                  <a:pt x="9248" y="4701"/>
+                </a:moveTo>
+                <a:lnTo>
+                  <a:pt x="7915" y="188"/>
+                </a:lnTo>
+                <a:cubicBezTo>
+                  <a:pt x="7906" y="156"/>
+                  <a:pt x="7895" y="126"/>
+                  <a:pt x="7886" y="94"/>
+                </a:cubicBezTo>
+                <a:cubicBezTo>
+                  <a:pt x="7859" y="0"/>
+                  <a:pt x="7831" y="0"/>
+                  <a:pt x="7803" y="0"/>
+                </a:cubicBezTo>
+                <a:lnTo>
+                  <a:pt x="7275" y="0"/>
+                </a:lnTo>
+                <a:lnTo>
+                  <a:pt x="0" y="70"/>
+                </a:lnTo>
+                <a:cubicBezTo>
+                  <a:pt x="8" y="3380"/>
+                  <a:pt x="17" y="6690"/>
+                  <a:pt x="25" y="10000"/>
+                </a:cubicBezTo>
+                <a:lnTo>
+                  <a:pt x="7275" y="9966"/>
+                </a:lnTo>
+                <a:lnTo>
+                  <a:pt x="7803" y="9966"/>
+                </a:lnTo>
+                <a:cubicBezTo>
+                  <a:pt x="7831" y="9966"/>
+                  <a:pt x="7859" y="9872"/>
+                  <a:pt x="7886" y="9872"/>
+                </a:cubicBezTo>
+                <a:cubicBezTo>
+                  <a:pt x="7886" y="9778"/>
+                  <a:pt x="7915" y="9778"/>
+                  <a:pt x="7915" y="9778"/>
+                </a:cubicBezTo>
+                <a:lnTo>
+                  <a:pt x="9248" y="5265"/>
+                </a:lnTo>
+                <a:cubicBezTo>
+                  <a:pt x="9303" y="5077"/>
+                  <a:pt x="9303" y="4889"/>
+                  <a:pt x="9248" y="4701"/>
+                </a:cubicBezTo>
+                <a:close/>
+              </a:path>
+            </a:pathLst>
+          </a:custGeom>
+          <a:solidFill>
+            <a:schemeClr val="accent1"/>
+          </a:solidFill>
+          <a:ln>
+            <a:noFill/>
+          </a:ln>
+        </p:spPr>
+      </p:sp>
+      <p:sp>
+        <p:nvSpPr>
+          <p:cNvPr id="6" name="Slide Number Placeholder 5"/>
           <p:cNvSpPr>
             <a:spLocks noGrp="1"/>
           </p:cNvSpPr>
@@ -2344,7 +3533,1188 @@
     </p:spTree>
     <p:extLst>
       <p:ext uri="{BB962C8B-B14F-4D97-AF65-F5344CB8AC3E}">
-        <p14:creationId xmlns:p14="http://schemas.microsoft.com/office/powerpoint/2010/main" val="1389867269"/>
+        <p14:creationId xmlns:p14="http://schemas.microsoft.com/office/powerpoint/2010/main" val="1875052287"/>
+      </p:ext>
+    </p:extLst>
+  </p:cSld>
+  <p:clrMapOvr>
+    <a:masterClrMapping/>
+  </p:clrMapOvr>
+</p:sldLayout>
+</file>
+
+<file path=ppt/slideLayouts/slideLayout16.xml><?xml version="1.0" encoding="utf-8"?>
+<p:sldLayout xmlns:a="http://schemas.openxmlformats.org/drawingml/2006/main" xmlns:r="http://schemas.openxmlformats.org/officeDocument/2006/relationships" xmlns:p="http://schemas.openxmlformats.org/presentationml/2006/main" type="vertTitleAndTx" preserve="1">
+  <p:cSld name="Vertical Title and Text">
+    <p:spTree>
+      <p:nvGrpSpPr>
+        <p:cNvPr id="1" name=""/>
+        <p:cNvGrpSpPr/>
+        <p:nvPr/>
+      </p:nvGrpSpPr>
+      <p:grpSpPr>
+        <a:xfrm>
+          <a:off x="0" y="0"/>
+          <a:ext cx="0" cy="0"/>
+          <a:chOff x="0" y="0"/>
+          <a:chExt cx="0" cy="0"/>
+        </a:xfrm>
+      </p:grpSpPr>
+      <p:sp>
+        <p:nvSpPr>
+          <p:cNvPr id="2" name="Vertical Title 1"/>
+          <p:cNvSpPr>
+            <a:spLocks noGrp="1"/>
+          </p:cNvSpPr>
+          <p:nvPr>
+            <p:ph type="title" orient="vert"/>
+          </p:nvPr>
+        </p:nvSpPr>
+        <p:spPr>
+          <a:xfrm>
+            <a:off x="9294812" y="627405"/>
+            <a:ext cx="2207601" cy="5283817"/>
+          </a:xfrm>
+        </p:spPr>
+        <p:txBody>
+          <a:bodyPr vert="eaVert" anchor="ctr"/>
+          <a:lstStyle/>
+          <a:p>
+            <a:r>
+              <a:rPr lang="en-US" smtClean="0"/>
+              <a:t>Click to edit Master title style</a:t>
+            </a:r>
+            <a:endParaRPr lang="en-US" dirty="0"/>
+          </a:p>
+        </p:txBody>
+      </p:sp>
+      <p:sp>
+        <p:nvSpPr>
+          <p:cNvPr id="3" name="Vertical Text Placeholder 2"/>
+          <p:cNvSpPr>
+            <a:spLocks noGrp="1"/>
+          </p:cNvSpPr>
+          <p:nvPr>
+            <p:ph type="body" orient="vert" idx="1"/>
+          </p:nvPr>
+        </p:nvSpPr>
+        <p:spPr>
+          <a:xfrm>
+            <a:off x="2589212" y="627405"/>
+            <a:ext cx="6477000" cy="5283817"/>
+          </a:xfrm>
+        </p:spPr>
+        <p:txBody>
+          <a:bodyPr vert="eaVert"/>
+          <a:lstStyle/>
+          <a:p>
+            <a:pPr lvl="0"/>
+            <a:r>
+              <a:rPr lang="en-US" smtClean="0"/>
+              <a:t>Click to edit Master text styles</a:t>
+            </a:r>
+          </a:p>
+          <a:p>
+            <a:pPr lvl="1"/>
+            <a:r>
+              <a:rPr lang="en-US" smtClean="0"/>
+              <a:t>Second level</a:t>
+            </a:r>
+          </a:p>
+          <a:p>
+            <a:pPr lvl="2"/>
+            <a:r>
+              <a:rPr lang="en-US" smtClean="0"/>
+              <a:t>Third level</a:t>
+            </a:r>
+          </a:p>
+          <a:p>
+            <a:pPr lvl="3"/>
+            <a:r>
+              <a:rPr lang="en-US" smtClean="0"/>
+              <a:t>Fourth level</a:t>
+            </a:r>
+          </a:p>
+          <a:p>
+            <a:pPr lvl="4"/>
+            <a:r>
+              <a:rPr lang="en-US" smtClean="0"/>
+              <a:t>Fifth level</a:t>
+            </a:r>
+            <a:endParaRPr lang="en-US" dirty="0"/>
+          </a:p>
+        </p:txBody>
+      </p:sp>
+      <p:sp>
+        <p:nvSpPr>
+          <p:cNvPr id="4" name="Date Placeholder 3"/>
+          <p:cNvSpPr>
+            <a:spLocks noGrp="1"/>
+          </p:cNvSpPr>
+          <p:nvPr>
+            <p:ph type="dt" sz="half" idx="10"/>
+          </p:nvPr>
+        </p:nvSpPr>
+        <p:spPr/>
+        <p:txBody>
+          <a:bodyPr/>
+          <a:lstStyle/>
+          <a:p>
+            <a:fld id="{DDADED73-3DFB-7641-B760-2A6E60A49006}" type="datetimeFigureOut">
+              <a:rPr lang="en-US" smtClean="0"/>
+              <a:t>12/9/15</a:t>
+            </a:fld>
+            <a:endParaRPr lang="en-US"/>
+          </a:p>
+        </p:txBody>
+      </p:sp>
+      <p:sp>
+        <p:nvSpPr>
+          <p:cNvPr id="5" name="Footer Placeholder 4"/>
+          <p:cNvSpPr>
+            <a:spLocks noGrp="1"/>
+          </p:cNvSpPr>
+          <p:nvPr>
+            <p:ph type="ftr" sz="quarter" idx="11"/>
+          </p:nvPr>
+        </p:nvSpPr>
+        <p:spPr/>
+        <p:txBody>
+          <a:bodyPr/>
+          <a:lstStyle/>
+          <a:p>
+            <a:endParaRPr lang="en-US"/>
+          </a:p>
+        </p:txBody>
+      </p:sp>
+      <p:sp>
+        <p:nvSpPr>
+          <p:cNvPr id="8" name="Freeform 11"/>
+          <p:cNvSpPr/>
+          <p:nvPr/>
+        </p:nvSpPr>
+        <p:spPr bwMode="auto">
+          <a:xfrm flipV="1">
+            <a:off x="-4189" y="714375"/>
+            <a:ext cx="1588527" cy="507297"/>
+          </a:xfrm>
+          <a:custGeom>
+            <a:avLst/>
+            <a:gdLst/>
+            <a:ahLst/>
+            <a:cxnLst/>
+            <a:rect l="l" t="t" r="r" b="b"/>
+            <a:pathLst>
+              <a:path w="9248" h="10000">
+                <a:moveTo>
+                  <a:pt x="9248" y="4701"/>
+                </a:moveTo>
+                <a:lnTo>
+                  <a:pt x="7915" y="188"/>
+                </a:lnTo>
+                <a:cubicBezTo>
+                  <a:pt x="7906" y="156"/>
+                  <a:pt x="7895" y="126"/>
+                  <a:pt x="7886" y="94"/>
+                </a:cubicBezTo>
+                <a:cubicBezTo>
+                  <a:pt x="7859" y="0"/>
+                  <a:pt x="7831" y="0"/>
+                  <a:pt x="7803" y="0"/>
+                </a:cubicBezTo>
+                <a:lnTo>
+                  <a:pt x="7275" y="0"/>
+                </a:lnTo>
+                <a:lnTo>
+                  <a:pt x="0" y="70"/>
+                </a:lnTo>
+                <a:cubicBezTo>
+                  <a:pt x="8" y="3380"/>
+                  <a:pt x="17" y="6690"/>
+                  <a:pt x="25" y="10000"/>
+                </a:cubicBezTo>
+                <a:lnTo>
+                  <a:pt x="7275" y="9966"/>
+                </a:lnTo>
+                <a:lnTo>
+                  <a:pt x="7803" y="9966"/>
+                </a:lnTo>
+                <a:cubicBezTo>
+                  <a:pt x="7831" y="9966"/>
+                  <a:pt x="7859" y="9872"/>
+                  <a:pt x="7886" y="9872"/>
+                </a:cubicBezTo>
+                <a:cubicBezTo>
+                  <a:pt x="7886" y="9778"/>
+                  <a:pt x="7915" y="9778"/>
+                  <a:pt x="7915" y="9778"/>
+                </a:cubicBezTo>
+                <a:lnTo>
+                  <a:pt x="9248" y="5265"/>
+                </a:lnTo>
+                <a:cubicBezTo>
+                  <a:pt x="9303" y="5077"/>
+                  <a:pt x="9303" y="4889"/>
+                  <a:pt x="9248" y="4701"/>
+                </a:cubicBezTo>
+                <a:close/>
+              </a:path>
+            </a:pathLst>
+          </a:custGeom>
+          <a:solidFill>
+            <a:schemeClr val="accent1"/>
+          </a:solidFill>
+          <a:ln>
+            <a:noFill/>
+          </a:ln>
+        </p:spPr>
+      </p:sp>
+      <p:sp>
+        <p:nvSpPr>
+          <p:cNvPr id="6" name="Slide Number Placeholder 5"/>
+          <p:cNvSpPr>
+            <a:spLocks noGrp="1"/>
+          </p:cNvSpPr>
+          <p:nvPr>
+            <p:ph type="sldNum" sz="quarter" idx="12"/>
+          </p:nvPr>
+        </p:nvSpPr>
+        <p:spPr/>
+        <p:txBody>
+          <a:bodyPr/>
+          <a:lstStyle/>
+          <a:p>
+            <a:fld id="{579B6F90-744B-4D4A-87F7-7D17E979CBFA}" type="slidenum">
+              <a:rPr lang="en-US" smtClean="0"/>
+              <a:t>‹#›</a:t>
+            </a:fld>
+            <a:endParaRPr lang="en-US"/>
+          </a:p>
+        </p:txBody>
+      </p:sp>
+    </p:spTree>
+    <p:extLst>
+      <p:ext uri="{BB962C8B-B14F-4D97-AF65-F5344CB8AC3E}">
+        <p14:creationId xmlns:p14="http://schemas.microsoft.com/office/powerpoint/2010/main" val="1828751531"/>
+      </p:ext>
+    </p:extLst>
+  </p:cSld>
+  <p:clrMapOvr>
+    <a:masterClrMapping/>
+  </p:clrMapOvr>
+</p:sldLayout>
+</file>
+
+<file path=ppt/slideLayouts/slideLayout2.xml><?xml version="1.0" encoding="utf-8"?>
+<p:sldLayout xmlns:a="http://schemas.openxmlformats.org/drawingml/2006/main" xmlns:r="http://schemas.openxmlformats.org/officeDocument/2006/relationships" xmlns:p="http://schemas.openxmlformats.org/presentationml/2006/main" type="obj" preserve="1">
+  <p:cSld name="Title and Content">
+    <p:spTree>
+      <p:nvGrpSpPr>
+        <p:cNvPr id="1" name=""/>
+        <p:cNvGrpSpPr/>
+        <p:nvPr/>
+      </p:nvGrpSpPr>
+      <p:grpSpPr>
+        <a:xfrm>
+          <a:off x="0" y="0"/>
+          <a:ext cx="0" cy="0"/>
+          <a:chOff x="0" y="0"/>
+          <a:chExt cx="0" cy="0"/>
+        </a:xfrm>
+      </p:grpSpPr>
+      <p:sp>
+        <p:nvSpPr>
+          <p:cNvPr id="2" name="Title 1"/>
+          <p:cNvSpPr>
+            <a:spLocks noGrp="1"/>
+          </p:cNvSpPr>
+          <p:nvPr>
+            <p:ph type="title"/>
+          </p:nvPr>
+        </p:nvSpPr>
+        <p:spPr>
+          <a:xfrm>
+            <a:off x="2592925" y="624110"/>
+            <a:ext cx="8911687" cy="1280890"/>
+          </a:xfrm>
+        </p:spPr>
+        <p:txBody>
+          <a:bodyPr/>
+          <a:lstStyle/>
+          <a:p>
+            <a:r>
+              <a:rPr lang="en-US" smtClean="0"/>
+              <a:t>Click to edit Master title style</a:t>
+            </a:r>
+            <a:endParaRPr lang="en-US" dirty="0"/>
+          </a:p>
+        </p:txBody>
+      </p:sp>
+      <p:sp>
+        <p:nvSpPr>
+          <p:cNvPr id="3" name="Content Placeholder 2"/>
+          <p:cNvSpPr>
+            <a:spLocks noGrp="1"/>
+          </p:cNvSpPr>
+          <p:nvPr>
+            <p:ph idx="1"/>
+          </p:nvPr>
+        </p:nvSpPr>
+        <p:spPr>
+          <a:xfrm>
+            <a:off x="2589212" y="2133600"/>
+            <a:ext cx="8915400" cy="3777622"/>
+          </a:xfrm>
+        </p:spPr>
+        <p:txBody>
+          <a:bodyPr/>
+          <a:lstStyle/>
+          <a:p>
+            <a:pPr lvl="0"/>
+            <a:r>
+              <a:rPr lang="en-US" smtClean="0"/>
+              <a:t>Click to edit Master text styles</a:t>
+            </a:r>
+          </a:p>
+          <a:p>
+            <a:pPr lvl="1"/>
+            <a:r>
+              <a:rPr lang="en-US" smtClean="0"/>
+              <a:t>Second level</a:t>
+            </a:r>
+          </a:p>
+          <a:p>
+            <a:pPr lvl="2"/>
+            <a:r>
+              <a:rPr lang="en-US" smtClean="0"/>
+              <a:t>Third level</a:t>
+            </a:r>
+          </a:p>
+          <a:p>
+            <a:pPr lvl="3"/>
+            <a:r>
+              <a:rPr lang="en-US" smtClean="0"/>
+              <a:t>Fourth level</a:t>
+            </a:r>
+          </a:p>
+          <a:p>
+            <a:pPr lvl="4"/>
+            <a:r>
+              <a:rPr lang="en-US" smtClean="0"/>
+              <a:t>Fifth level</a:t>
+            </a:r>
+            <a:endParaRPr lang="en-US" dirty="0"/>
+          </a:p>
+        </p:txBody>
+      </p:sp>
+      <p:sp>
+        <p:nvSpPr>
+          <p:cNvPr id="4" name="Date Placeholder 3"/>
+          <p:cNvSpPr>
+            <a:spLocks noGrp="1"/>
+          </p:cNvSpPr>
+          <p:nvPr>
+            <p:ph type="dt" sz="half" idx="10"/>
+          </p:nvPr>
+        </p:nvSpPr>
+        <p:spPr/>
+        <p:txBody>
+          <a:bodyPr/>
+          <a:lstStyle/>
+          <a:p>
+            <a:fld id="{DDADED73-3DFB-7641-B760-2A6E60A49006}" type="datetimeFigureOut">
+              <a:rPr lang="en-US" smtClean="0"/>
+              <a:t>12/9/15</a:t>
+            </a:fld>
+            <a:endParaRPr lang="en-US"/>
+          </a:p>
+        </p:txBody>
+      </p:sp>
+      <p:sp>
+        <p:nvSpPr>
+          <p:cNvPr id="5" name="Footer Placeholder 4"/>
+          <p:cNvSpPr>
+            <a:spLocks noGrp="1"/>
+          </p:cNvSpPr>
+          <p:nvPr>
+            <p:ph type="ftr" sz="quarter" idx="11"/>
+          </p:nvPr>
+        </p:nvSpPr>
+        <p:spPr/>
+        <p:txBody>
+          <a:bodyPr/>
+          <a:lstStyle/>
+          <a:p>
+            <a:endParaRPr lang="en-US"/>
+          </a:p>
+        </p:txBody>
+      </p:sp>
+      <p:sp>
+        <p:nvSpPr>
+          <p:cNvPr id="8" name="Freeform 11"/>
+          <p:cNvSpPr/>
+          <p:nvPr/>
+        </p:nvSpPr>
+        <p:spPr bwMode="auto">
+          <a:xfrm flipV="1">
+            <a:off x="-4189" y="714375"/>
+            <a:ext cx="1588527" cy="507297"/>
+          </a:xfrm>
+          <a:custGeom>
+            <a:avLst/>
+            <a:gdLst/>
+            <a:ahLst/>
+            <a:cxnLst/>
+            <a:rect l="l" t="t" r="r" b="b"/>
+            <a:pathLst>
+              <a:path w="9248" h="10000">
+                <a:moveTo>
+                  <a:pt x="9248" y="4701"/>
+                </a:moveTo>
+                <a:lnTo>
+                  <a:pt x="7915" y="188"/>
+                </a:lnTo>
+                <a:cubicBezTo>
+                  <a:pt x="7906" y="156"/>
+                  <a:pt x="7895" y="126"/>
+                  <a:pt x="7886" y="94"/>
+                </a:cubicBezTo>
+                <a:cubicBezTo>
+                  <a:pt x="7859" y="0"/>
+                  <a:pt x="7831" y="0"/>
+                  <a:pt x="7803" y="0"/>
+                </a:cubicBezTo>
+                <a:lnTo>
+                  <a:pt x="7275" y="0"/>
+                </a:lnTo>
+                <a:lnTo>
+                  <a:pt x="0" y="70"/>
+                </a:lnTo>
+                <a:cubicBezTo>
+                  <a:pt x="8" y="3380"/>
+                  <a:pt x="17" y="6690"/>
+                  <a:pt x="25" y="10000"/>
+                </a:cubicBezTo>
+                <a:lnTo>
+                  <a:pt x="7275" y="9966"/>
+                </a:lnTo>
+                <a:lnTo>
+                  <a:pt x="7803" y="9966"/>
+                </a:lnTo>
+                <a:cubicBezTo>
+                  <a:pt x="7831" y="9966"/>
+                  <a:pt x="7859" y="9872"/>
+                  <a:pt x="7886" y="9872"/>
+                </a:cubicBezTo>
+                <a:cubicBezTo>
+                  <a:pt x="7886" y="9778"/>
+                  <a:pt x="7915" y="9778"/>
+                  <a:pt x="7915" y="9778"/>
+                </a:cubicBezTo>
+                <a:lnTo>
+                  <a:pt x="9248" y="5265"/>
+                </a:lnTo>
+                <a:cubicBezTo>
+                  <a:pt x="9303" y="5077"/>
+                  <a:pt x="9303" y="4889"/>
+                  <a:pt x="9248" y="4701"/>
+                </a:cubicBezTo>
+                <a:close/>
+              </a:path>
+            </a:pathLst>
+          </a:custGeom>
+          <a:solidFill>
+            <a:schemeClr val="accent1"/>
+          </a:solidFill>
+          <a:ln>
+            <a:noFill/>
+          </a:ln>
+        </p:spPr>
+      </p:sp>
+      <p:sp>
+        <p:nvSpPr>
+          <p:cNvPr id="6" name="Slide Number Placeholder 5"/>
+          <p:cNvSpPr>
+            <a:spLocks noGrp="1"/>
+          </p:cNvSpPr>
+          <p:nvPr>
+            <p:ph type="sldNum" sz="quarter" idx="12"/>
+          </p:nvPr>
+        </p:nvSpPr>
+        <p:spPr/>
+        <p:txBody>
+          <a:bodyPr/>
+          <a:lstStyle/>
+          <a:p>
+            <a:fld id="{579B6F90-744B-4D4A-87F7-7D17E979CBFA}" type="slidenum">
+              <a:rPr lang="en-US" smtClean="0"/>
+              <a:t>‹#›</a:t>
+            </a:fld>
+            <a:endParaRPr lang="en-US"/>
+          </a:p>
+        </p:txBody>
+      </p:sp>
+    </p:spTree>
+    <p:extLst>
+      <p:ext uri="{BB962C8B-B14F-4D97-AF65-F5344CB8AC3E}">
+        <p14:creationId xmlns:p14="http://schemas.microsoft.com/office/powerpoint/2010/main" val="1942340772"/>
+      </p:ext>
+    </p:extLst>
+  </p:cSld>
+  <p:clrMapOvr>
+    <a:masterClrMapping/>
+  </p:clrMapOvr>
+</p:sldLayout>
+</file>
+
+<file path=ppt/slideLayouts/slideLayout3.xml><?xml version="1.0" encoding="utf-8"?>
+<p:sldLayout xmlns:a="http://schemas.openxmlformats.org/drawingml/2006/main" xmlns:r="http://schemas.openxmlformats.org/officeDocument/2006/relationships" xmlns:p="http://schemas.openxmlformats.org/presentationml/2006/main" type="secHead" preserve="1">
+  <p:cSld name="Section Header">
+    <p:spTree>
+      <p:nvGrpSpPr>
+        <p:cNvPr id="1" name=""/>
+        <p:cNvGrpSpPr/>
+        <p:nvPr/>
+      </p:nvGrpSpPr>
+      <p:grpSpPr>
+        <a:xfrm>
+          <a:off x="0" y="0"/>
+          <a:ext cx="0" cy="0"/>
+          <a:chOff x="0" y="0"/>
+          <a:chExt cx="0" cy="0"/>
+        </a:xfrm>
+      </p:grpSpPr>
+      <p:sp>
+        <p:nvSpPr>
+          <p:cNvPr id="2" name="Title 1"/>
+          <p:cNvSpPr>
+            <a:spLocks noGrp="1"/>
+          </p:cNvSpPr>
+          <p:nvPr>
+            <p:ph type="title"/>
+          </p:nvPr>
+        </p:nvSpPr>
+        <p:spPr>
+          <a:xfrm>
+            <a:off x="2589212" y="2058750"/>
+            <a:ext cx="8915399" cy="1468800"/>
+          </a:xfrm>
+        </p:spPr>
+        <p:txBody>
+          <a:bodyPr anchor="b"/>
+          <a:lstStyle>
+            <a:lvl1pPr algn="l">
+              <a:defRPr sz="4000" b="0" cap="none"/>
+            </a:lvl1pPr>
+          </a:lstStyle>
+          <a:p>
+            <a:r>
+              <a:rPr lang="en-US" smtClean="0"/>
+              <a:t>Click to edit Master title style</a:t>
+            </a:r>
+            <a:endParaRPr lang="en-US" dirty="0"/>
+          </a:p>
+        </p:txBody>
+      </p:sp>
+      <p:sp>
+        <p:nvSpPr>
+          <p:cNvPr id="3" name="Text Placeholder 2"/>
+          <p:cNvSpPr>
+            <a:spLocks noGrp="1"/>
+          </p:cNvSpPr>
+          <p:nvPr>
+            <p:ph type="body" idx="1"/>
+          </p:nvPr>
+        </p:nvSpPr>
+        <p:spPr>
+          <a:xfrm>
+            <a:off x="2589212" y="3530129"/>
+            <a:ext cx="8915399" cy="860400"/>
+          </a:xfrm>
+        </p:spPr>
+        <p:txBody>
+          <a:bodyPr anchor="t"/>
+          <a:lstStyle>
+            <a:lvl1pPr marL="0" indent="0" algn="l">
+              <a:buNone/>
+              <a:defRPr sz="2000">
+                <a:solidFill>
+                  <a:schemeClr val="tx1">
+                    <a:lumMod val="65000"/>
+                    <a:lumOff val="35000"/>
+                  </a:schemeClr>
+                </a:solidFill>
+              </a:defRPr>
+            </a:lvl1pPr>
+            <a:lvl2pPr marL="457200" indent="0">
+              <a:buNone/>
+              <a:defRPr sz="1800">
+                <a:solidFill>
+                  <a:schemeClr val="tx1">
+                    <a:tint val="75000"/>
+                  </a:schemeClr>
+                </a:solidFill>
+              </a:defRPr>
+            </a:lvl2pPr>
+            <a:lvl3pPr marL="914400" indent="0">
+              <a:buNone/>
+              <a:defRPr sz="1600">
+                <a:solidFill>
+                  <a:schemeClr val="tx1">
+                    <a:tint val="75000"/>
+                  </a:schemeClr>
+                </a:solidFill>
+              </a:defRPr>
+            </a:lvl3pPr>
+            <a:lvl4pPr marL="1371600" indent="0">
+              <a:buNone/>
+              <a:defRPr sz="1400">
+                <a:solidFill>
+                  <a:schemeClr val="tx1">
+                    <a:tint val="75000"/>
+                  </a:schemeClr>
+                </a:solidFill>
+              </a:defRPr>
+            </a:lvl4pPr>
+            <a:lvl5pPr marL="1828800" indent="0">
+              <a:buNone/>
+              <a:defRPr sz="1400">
+                <a:solidFill>
+                  <a:schemeClr val="tx1">
+                    <a:tint val="75000"/>
+                  </a:schemeClr>
+                </a:solidFill>
+              </a:defRPr>
+            </a:lvl5pPr>
+            <a:lvl6pPr marL="2286000" indent="0">
+              <a:buNone/>
+              <a:defRPr sz="1400">
+                <a:solidFill>
+                  <a:schemeClr val="tx1">
+                    <a:tint val="75000"/>
+                  </a:schemeClr>
+                </a:solidFill>
+              </a:defRPr>
+            </a:lvl6pPr>
+            <a:lvl7pPr marL="2743200" indent="0">
+              <a:buNone/>
+              <a:defRPr sz="1400">
+                <a:solidFill>
+                  <a:schemeClr val="tx1">
+                    <a:tint val="75000"/>
+                  </a:schemeClr>
+                </a:solidFill>
+              </a:defRPr>
+            </a:lvl7pPr>
+            <a:lvl8pPr marL="3200400" indent="0">
+              <a:buNone/>
+              <a:defRPr sz="1400">
+                <a:solidFill>
+                  <a:schemeClr val="tx1">
+                    <a:tint val="75000"/>
+                  </a:schemeClr>
+                </a:solidFill>
+              </a:defRPr>
+            </a:lvl8pPr>
+            <a:lvl9pPr marL="3657600" indent="0">
+              <a:buNone/>
+              <a:defRPr sz="1400">
+                <a:solidFill>
+                  <a:schemeClr val="tx1">
+                    <a:tint val="75000"/>
+                  </a:schemeClr>
+                </a:solidFill>
+              </a:defRPr>
+            </a:lvl9pPr>
+          </a:lstStyle>
+          <a:p>
+            <a:pPr lvl="0"/>
+            <a:r>
+              <a:rPr lang="en-US" smtClean="0"/>
+              <a:t>Click to edit Master text styles</a:t>
+            </a:r>
+          </a:p>
+        </p:txBody>
+      </p:sp>
+      <p:sp>
+        <p:nvSpPr>
+          <p:cNvPr id="4" name="Date Placeholder 3"/>
+          <p:cNvSpPr>
+            <a:spLocks noGrp="1"/>
+          </p:cNvSpPr>
+          <p:nvPr>
+            <p:ph type="dt" sz="half" idx="10"/>
+          </p:nvPr>
+        </p:nvSpPr>
+        <p:spPr/>
+        <p:txBody>
+          <a:bodyPr/>
+          <a:lstStyle/>
+          <a:p>
+            <a:fld id="{DDADED73-3DFB-7641-B760-2A6E60A49006}" type="datetimeFigureOut">
+              <a:rPr lang="en-US" smtClean="0"/>
+              <a:t>12/9/15</a:t>
+            </a:fld>
+            <a:endParaRPr lang="en-US"/>
+          </a:p>
+        </p:txBody>
+      </p:sp>
+      <p:sp>
+        <p:nvSpPr>
+          <p:cNvPr id="5" name="Footer Placeholder 4"/>
+          <p:cNvSpPr>
+            <a:spLocks noGrp="1"/>
+          </p:cNvSpPr>
+          <p:nvPr>
+            <p:ph type="ftr" sz="quarter" idx="11"/>
+          </p:nvPr>
+        </p:nvSpPr>
+        <p:spPr/>
+        <p:txBody>
+          <a:bodyPr/>
+          <a:lstStyle/>
+          <a:p>
+            <a:endParaRPr lang="en-US"/>
+          </a:p>
+        </p:txBody>
+      </p:sp>
+      <p:sp>
+        <p:nvSpPr>
+          <p:cNvPr id="9" name="Freeform 11"/>
+          <p:cNvSpPr/>
+          <p:nvPr/>
+        </p:nvSpPr>
+        <p:spPr bwMode="auto">
+          <a:xfrm flipV="1">
+            <a:off x="-4189" y="3178175"/>
+            <a:ext cx="1588527" cy="507297"/>
+          </a:xfrm>
+          <a:custGeom>
+            <a:avLst/>
+            <a:gdLst/>
+            <a:ahLst/>
+            <a:cxnLst/>
+            <a:rect l="l" t="t" r="r" b="b"/>
+            <a:pathLst>
+              <a:path w="9248" h="10000">
+                <a:moveTo>
+                  <a:pt x="9248" y="4701"/>
+                </a:moveTo>
+                <a:lnTo>
+                  <a:pt x="7915" y="188"/>
+                </a:lnTo>
+                <a:cubicBezTo>
+                  <a:pt x="7906" y="156"/>
+                  <a:pt x="7895" y="126"/>
+                  <a:pt x="7886" y="94"/>
+                </a:cubicBezTo>
+                <a:cubicBezTo>
+                  <a:pt x="7859" y="0"/>
+                  <a:pt x="7831" y="0"/>
+                  <a:pt x="7803" y="0"/>
+                </a:cubicBezTo>
+                <a:lnTo>
+                  <a:pt x="7275" y="0"/>
+                </a:lnTo>
+                <a:lnTo>
+                  <a:pt x="0" y="70"/>
+                </a:lnTo>
+                <a:cubicBezTo>
+                  <a:pt x="8" y="3380"/>
+                  <a:pt x="17" y="6690"/>
+                  <a:pt x="25" y="10000"/>
+                </a:cubicBezTo>
+                <a:lnTo>
+                  <a:pt x="7275" y="9966"/>
+                </a:lnTo>
+                <a:lnTo>
+                  <a:pt x="7803" y="9966"/>
+                </a:lnTo>
+                <a:cubicBezTo>
+                  <a:pt x="7831" y="9966"/>
+                  <a:pt x="7859" y="9872"/>
+                  <a:pt x="7886" y="9872"/>
+                </a:cubicBezTo>
+                <a:cubicBezTo>
+                  <a:pt x="7886" y="9778"/>
+                  <a:pt x="7915" y="9778"/>
+                  <a:pt x="7915" y="9778"/>
+                </a:cubicBezTo>
+                <a:lnTo>
+                  <a:pt x="9248" y="5265"/>
+                </a:lnTo>
+                <a:cubicBezTo>
+                  <a:pt x="9303" y="5077"/>
+                  <a:pt x="9303" y="4889"/>
+                  <a:pt x="9248" y="4701"/>
+                </a:cubicBezTo>
+                <a:close/>
+              </a:path>
+            </a:pathLst>
+          </a:custGeom>
+          <a:solidFill>
+            <a:schemeClr val="accent1"/>
+          </a:solidFill>
+          <a:ln>
+            <a:noFill/>
+          </a:ln>
+        </p:spPr>
+      </p:sp>
+      <p:sp>
+        <p:nvSpPr>
+          <p:cNvPr id="6" name="Slide Number Placeholder 5"/>
+          <p:cNvSpPr>
+            <a:spLocks noGrp="1"/>
+          </p:cNvSpPr>
+          <p:nvPr>
+            <p:ph type="sldNum" sz="quarter" idx="12"/>
+          </p:nvPr>
+        </p:nvSpPr>
+        <p:spPr>
+          <a:xfrm>
+            <a:off x="531812" y="3244139"/>
+            <a:ext cx="779767" cy="365125"/>
+          </a:xfrm>
+        </p:spPr>
+        <p:txBody>
+          <a:bodyPr/>
+          <a:lstStyle/>
+          <a:p>
+            <a:fld id="{579B6F90-744B-4D4A-87F7-7D17E979CBFA}" type="slidenum">
+              <a:rPr lang="en-US" smtClean="0"/>
+              <a:t>‹#›</a:t>
+            </a:fld>
+            <a:endParaRPr lang="en-US"/>
+          </a:p>
+        </p:txBody>
+      </p:sp>
+    </p:spTree>
+    <p:extLst>
+      <p:ext uri="{BB962C8B-B14F-4D97-AF65-F5344CB8AC3E}">
+        <p14:creationId xmlns:p14="http://schemas.microsoft.com/office/powerpoint/2010/main" val="1022436957"/>
+      </p:ext>
+    </p:extLst>
+  </p:cSld>
+  <p:clrMapOvr>
+    <a:masterClrMapping/>
+  </p:clrMapOvr>
+</p:sldLayout>
+</file>
+
+<file path=ppt/slideLayouts/slideLayout4.xml><?xml version="1.0" encoding="utf-8"?>
+<p:sldLayout xmlns:a="http://schemas.openxmlformats.org/drawingml/2006/main" xmlns:r="http://schemas.openxmlformats.org/officeDocument/2006/relationships" xmlns:p="http://schemas.openxmlformats.org/presentationml/2006/main" type="twoObj" preserve="1">
+  <p:cSld name="Two Content">
+    <p:spTree>
+      <p:nvGrpSpPr>
+        <p:cNvPr id="1" name=""/>
+        <p:cNvGrpSpPr/>
+        <p:nvPr/>
+      </p:nvGrpSpPr>
+      <p:grpSpPr>
+        <a:xfrm>
+          <a:off x="0" y="0"/>
+          <a:ext cx="0" cy="0"/>
+          <a:chOff x="0" y="0"/>
+          <a:chExt cx="0" cy="0"/>
+        </a:xfrm>
+      </p:grpSpPr>
+      <p:sp>
+        <p:nvSpPr>
+          <p:cNvPr id="8" name="Title 7"/>
+          <p:cNvSpPr>
+            <a:spLocks noGrp="1"/>
+          </p:cNvSpPr>
+          <p:nvPr>
+            <p:ph type="title"/>
+          </p:nvPr>
+        </p:nvSpPr>
+        <p:spPr/>
+        <p:txBody>
+          <a:bodyPr/>
+          <a:lstStyle/>
+          <a:p>
+            <a:r>
+              <a:rPr lang="en-US" smtClean="0"/>
+              <a:t>Click to edit Master title style</a:t>
+            </a:r>
+            <a:endParaRPr lang="en-US" dirty="0"/>
+          </a:p>
+        </p:txBody>
+      </p:sp>
+      <p:sp>
+        <p:nvSpPr>
+          <p:cNvPr id="3" name="Content Placeholder 2"/>
+          <p:cNvSpPr>
+            <a:spLocks noGrp="1"/>
+          </p:cNvSpPr>
+          <p:nvPr>
+            <p:ph sz="half" idx="1"/>
+          </p:nvPr>
+        </p:nvSpPr>
+        <p:spPr>
+          <a:xfrm>
+            <a:off x="2589212" y="2133600"/>
+            <a:ext cx="4313864" cy="3777622"/>
+          </a:xfrm>
+        </p:spPr>
+        <p:txBody>
+          <a:bodyPr>
+            <a:normAutofit/>
+          </a:bodyPr>
+          <a:lstStyle/>
+          <a:p>
+            <a:pPr lvl="0"/>
+            <a:r>
+              <a:rPr lang="en-US" smtClean="0"/>
+              <a:t>Click to edit Master text styles</a:t>
+            </a:r>
+          </a:p>
+          <a:p>
+            <a:pPr lvl="1"/>
+            <a:r>
+              <a:rPr lang="en-US" smtClean="0"/>
+              <a:t>Second level</a:t>
+            </a:r>
+          </a:p>
+          <a:p>
+            <a:pPr lvl="2"/>
+            <a:r>
+              <a:rPr lang="en-US" smtClean="0"/>
+              <a:t>Third level</a:t>
+            </a:r>
+          </a:p>
+          <a:p>
+            <a:pPr lvl="3"/>
+            <a:r>
+              <a:rPr lang="en-US" smtClean="0"/>
+              <a:t>Fourth level</a:t>
+            </a:r>
+          </a:p>
+          <a:p>
+            <a:pPr lvl="4"/>
+            <a:r>
+              <a:rPr lang="en-US" smtClean="0"/>
+              <a:t>Fifth level</a:t>
+            </a:r>
+            <a:endParaRPr lang="en-US" dirty="0"/>
+          </a:p>
+        </p:txBody>
+      </p:sp>
+      <p:sp>
+        <p:nvSpPr>
+          <p:cNvPr id="4" name="Content Placeholder 3"/>
+          <p:cNvSpPr>
+            <a:spLocks noGrp="1"/>
+          </p:cNvSpPr>
+          <p:nvPr>
+            <p:ph sz="half" idx="2"/>
+          </p:nvPr>
+        </p:nvSpPr>
+        <p:spPr>
+          <a:xfrm>
+            <a:off x="7190747" y="2126222"/>
+            <a:ext cx="4313864" cy="3777622"/>
+          </a:xfrm>
+        </p:spPr>
+        <p:txBody>
+          <a:bodyPr>
+            <a:normAutofit/>
+          </a:bodyPr>
+          <a:lstStyle/>
+          <a:p>
+            <a:pPr lvl="0"/>
+            <a:r>
+              <a:rPr lang="en-US" smtClean="0"/>
+              <a:t>Click to edit Master text styles</a:t>
+            </a:r>
+          </a:p>
+          <a:p>
+            <a:pPr lvl="1"/>
+            <a:r>
+              <a:rPr lang="en-US" smtClean="0"/>
+              <a:t>Second level</a:t>
+            </a:r>
+          </a:p>
+          <a:p>
+            <a:pPr lvl="2"/>
+            <a:r>
+              <a:rPr lang="en-US" smtClean="0"/>
+              <a:t>Third level</a:t>
+            </a:r>
+          </a:p>
+          <a:p>
+            <a:pPr lvl="3"/>
+            <a:r>
+              <a:rPr lang="en-US" smtClean="0"/>
+              <a:t>Fourth level</a:t>
+            </a:r>
+          </a:p>
+          <a:p>
+            <a:pPr lvl="4"/>
+            <a:r>
+              <a:rPr lang="en-US" smtClean="0"/>
+              <a:t>Fifth level</a:t>
+            </a:r>
+            <a:endParaRPr lang="en-US" dirty="0"/>
+          </a:p>
+        </p:txBody>
+      </p:sp>
+      <p:sp>
+        <p:nvSpPr>
+          <p:cNvPr id="5" name="Date Placeholder 4"/>
+          <p:cNvSpPr>
+            <a:spLocks noGrp="1"/>
+          </p:cNvSpPr>
+          <p:nvPr>
+            <p:ph type="dt" sz="half" idx="10"/>
+          </p:nvPr>
+        </p:nvSpPr>
+        <p:spPr/>
+        <p:txBody>
+          <a:bodyPr/>
+          <a:lstStyle/>
+          <a:p>
+            <a:fld id="{DDADED73-3DFB-7641-B760-2A6E60A49006}" type="datetimeFigureOut">
+              <a:rPr lang="en-US" smtClean="0"/>
+              <a:t>12/9/15</a:t>
+            </a:fld>
+            <a:endParaRPr lang="en-US"/>
+          </a:p>
+        </p:txBody>
+      </p:sp>
+      <p:sp>
+        <p:nvSpPr>
+          <p:cNvPr id="6" name="Footer Placeholder 5"/>
+          <p:cNvSpPr>
+            <a:spLocks noGrp="1"/>
+          </p:cNvSpPr>
+          <p:nvPr>
+            <p:ph type="ftr" sz="quarter" idx="11"/>
+          </p:nvPr>
+        </p:nvSpPr>
+        <p:spPr/>
+        <p:txBody>
+          <a:bodyPr/>
+          <a:lstStyle/>
+          <a:p>
+            <a:endParaRPr lang="en-US"/>
+          </a:p>
+        </p:txBody>
+      </p:sp>
+      <p:sp>
+        <p:nvSpPr>
+          <p:cNvPr id="10" name="Freeform 11"/>
+          <p:cNvSpPr/>
+          <p:nvPr/>
+        </p:nvSpPr>
+        <p:spPr bwMode="auto">
+          <a:xfrm flipV="1">
+            <a:off x="-4189" y="714375"/>
+            <a:ext cx="1588527" cy="507297"/>
+          </a:xfrm>
+          <a:custGeom>
+            <a:avLst/>
+            <a:gdLst/>
+            <a:ahLst/>
+            <a:cxnLst/>
+            <a:rect l="l" t="t" r="r" b="b"/>
+            <a:pathLst>
+              <a:path w="9248" h="10000">
+                <a:moveTo>
+                  <a:pt x="9248" y="4701"/>
+                </a:moveTo>
+                <a:lnTo>
+                  <a:pt x="7915" y="188"/>
+                </a:lnTo>
+                <a:cubicBezTo>
+                  <a:pt x="7906" y="156"/>
+                  <a:pt x="7895" y="126"/>
+                  <a:pt x="7886" y="94"/>
+                </a:cubicBezTo>
+                <a:cubicBezTo>
+                  <a:pt x="7859" y="0"/>
+                  <a:pt x="7831" y="0"/>
+                  <a:pt x="7803" y="0"/>
+                </a:cubicBezTo>
+                <a:lnTo>
+                  <a:pt x="7275" y="0"/>
+                </a:lnTo>
+                <a:lnTo>
+                  <a:pt x="0" y="70"/>
+                </a:lnTo>
+                <a:cubicBezTo>
+                  <a:pt x="8" y="3380"/>
+                  <a:pt x="17" y="6690"/>
+                  <a:pt x="25" y="10000"/>
+                </a:cubicBezTo>
+                <a:lnTo>
+                  <a:pt x="7275" y="9966"/>
+                </a:lnTo>
+                <a:lnTo>
+                  <a:pt x="7803" y="9966"/>
+                </a:lnTo>
+                <a:cubicBezTo>
+                  <a:pt x="7831" y="9966"/>
+                  <a:pt x="7859" y="9872"/>
+                  <a:pt x="7886" y="9872"/>
+                </a:cubicBezTo>
+                <a:cubicBezTo>
+                  <a:pt x="7886" y="9778"/>
+                  <a:pt x="7915" y="9778"/>
+                  <a:pt x="7915" y="9778"/>
+                </a:cubicBezTo>
+                <a:lnTo>
+                  <a:pt x="9248" y="5265"/>
+                </a:lnTo>
+                <a:cubicBezTo>
+                  <a:pt x="9303" y="5077"/>
+                  <a:pt x="9303" y="4889"/>
+                  <a:pt x="9248" y="4701"/>
+                </a:cubicBezTo>
+                <a:close/>
+              </a:path>
+            </a:pathLst>
+          </a:custGeom>
+          <a:solidFill>
+            <a:schemeClr val="accent1"/>
+          </a:solidFill>
+          <a:ln>
+            <a:noFill/>
+          </a:ln>
+        </p:spPr>
+      </p:sp>
+      <p:sp>
+        <p:nvSpPr>
+          <p:cNvPr id="11" name="Slide Number Placeholder 5"/>
+          <p:cNvSpPr>
+            <a:spLocks noGrp="1"/>
+          </p:cNvSpPr>
+          <p:nvPr>
+            <p:ph type="sldNum" sz="quarter" idx="12"/>
+          </p:nvPr>
+        </p:nvSpPr>
+        <p:spPr>
+          <a:xfrm>
+            <a:off x="531812" y="787782"/>
+            <a:ext cx="779767" cy="365125"/>
+          </a:xfrm>
+        </p:spPr>
+        <p:txBody>
+          <a:bodyPr/>
+          <a:lstStyle/>
+          <a:p>
+            <a:fld id="{579B6F90-744B-4D4A-87F7-7D17E979CBFA}" type="slidenum">
+              <a:rPr lang="en-US" smtClean="0"/>
+              <a:t>‹#›</a:t>
+            </a:fld>
+            <a:endParaRPr lang="en-US"/>
+          </a:p>
+        </p:txBody>
+      </p:sp>
+    </p:spTree>
+    <p:extLst>
+      <p:ext uri="{BB962C8B-B14F-4D97-AF65-F5344CB8AC3E}">
+        <p14:creationId xmlns:p14="http://schemas.microsoft.com/office/powerpoint/2010/main" val="2081276652"/>
       </p:ext>
     </p:extLst>
   </p:cSld>
@@ -2373,7 +4743,7 @@
       </p:grpSpPr>
       <p:sp>
         <p:nvSpPr>
-          <p:cNvPr id="2" name="Title 1"/>
+          <p:cNvPr id="10" name="Title 9"/>
           <p:cNvSpPr>
             <a:spLocks noGrp="1"/>
           </p:cNvSpPr>
@@ -2381,12 +4751,7 @@
             <p:ph type="title"/>
           </p:nvPr>
         </p:nvSpPr>
-        <p:spPr>
-          <a:xfrm>
-            <a:off x="839788" y="365125"/>
-            <a:ext cx="10515600" cy="1325563"/>
-          </a:xfrm>
-        </p:spPr>
+        <p:spPr/>
         <p:txBody>
           <a:bodyPr/>
           <a:lstStyle/>
@@ -2395,7 +4760,7 @@
               <a:rPr lang="en-US" smtClean="0"/>
               <a:t>Click to edit Master title style</a:t>
             </a:r>
-            <a:endParaRPr lang="en-US"/>
+            <a:endParaRPr lang="en-US" dirty="0"/>
           </a:p>
         </p:txBody>
       </p:sp>
@@ -2411,16 +4776,18 @@
         </p:nvSpPr>
         <p:spPr>
           <a:xfrm>
-            <a:off x="839788" y="1681163"/>
-            <a:ext cx="5157787" cy="823912"/>
+            <a:off x="2939373" y="1972703"/>
+            <a:ext cx="3992732" cy="576262"/>
           </a:xfrm>
         </p:spPr>
         <p:txBody>
-          <a:bodyPr anchor="b"/>
+          <a:bodyPr anchor="b">
+            <a:noAutofit/>
+          </a:bodyPr>
           <a:lstStyle>
             <a:lvl1pPr marL="0" indent="0">
               <a:buNone/>
-              <a:defRPr sz="2400" b="1"/>
+              <a:defRPr sz="2400" b="0"/>
             </a:lvl1pPr>
             <a:lvl2pPr marL="457200" indent="0">
               <a:buNone/>
@@ -2476,12 +4843,14 @@
         </p:nvSpPr>
         <p:spPr>
           <a:xfrm>
-            <a:off x="839788" y="2505075"/>
-            <a:ext cx="5157787" cy="3684588"/>
+            <a:off x="2589212" y="2548966"/>
+            <a:ext cx="4342893" cy="3354060"/>
           </a:xfrm>
         </p:spPr>
         <p:txBody>
-          <a:bodyPr/>
+          <a:bodyPr>
+            <a:normAutofit/>
+          </a:bodyPr>
           <a:lstStyle/>
           <a:p>
             <a:pPr lvl="0"/>
@@ -2517,7 +4886,7 @@
               <a:rPr lang="en-US" smtClean="0"/>
               <a:t>Fifth level</a:t>
             </a:r>
-            <a:endParaRPr lang="en-US"/>
+            <a:endParaRPr lang="en-US" dirty="0"/>
           </a:p>
         </p:txBody>
       </p:sp>
@@ -2533,16 +4902,18 @@
         </p:nvSpPr>
         <p:spPr>
           <a:xfrm>
-            <a:off x="6172200" y="1681163"/>
-            <a:ext cx="5183188" cy="823912"/>
+            <a:off x="7506629" y="1969475"/>
+            <a:ext cx="3999001" cy="576262"/>
           </a:xfrm>
         </p:spPr>
         <p:txBody>
-          <a:bodyPr anchor="b"/>
+          <a:bodyPr anchor="b">
+            <a:noAutofit/>
+          </a:bodyPr>
           <a:lstStyle>
             <a:lvl1pPr marL="0" indent="0">
               <a:buNone/>
-              <a:defRPr sz="2400" b="1"/>
+              <a:defRPr sz="2400" b="0"/>
             </a:lvl1pPr>
             <a:lvl2pPr marL="457200" indent="0">
               <a:buNone/>
@@ -2598,12 +4969,14 @@
         </p:nvSpPr>
         <p:spPr>
           <a:xfrm>
-            <a:off x="6172200" y="2505075"/>
-            <a:ext cx="5183188" cy="3684588"/>
+            <a:off x="7166957" y="2545738"/>
+            <a:ext cx="4338674" cy="3354060"/>
           </a:xfrm>
         </p:spPr>
         <p:txBody>
-          <a:bodyPr/>
+          <a:bodyPr>
+            <a:normAutofit/>
+          </a:bodyPr>
           <a:lstStyle/>
           <a:p>
             <a:pPr lvl="0"/>
@@ -2639,7 +5012,7 @@
               <a:rPr lang="en-US" smtClean="0"/>
               <a:t>Fifth level</a:t>
             </a:r>
-            <a:endParaRPr lang="en-US"/>
+            <a:endParaRPr lang="en-US" dirty="0"/>
           </a:p>
         </p:txBody>
       </p:sp>
@@ -2687,7 +5060,89 @@
       </p:sp>
       <p:sp>
         <p:nvSpPr>
-          <p:cNvPr id="9" name="Slide Number Placeholder 8"/>
+          <p:cNvPr id="12" name="Freeform 11"/>
+          <p:cNvSpPr/>
+          <p:nvPr/>
+        </p:nvSpPr>
+        <p:spPr bwMode="auto">
+          <a:xfrm flipV="1">
+            <a:off x="-4189" y="714375"/>
+            <a:ext cx="1588527" cy="507297"/>
+          </a:xfrm>
+          <a:custGeom>
+            <a:avLst/>
+            <a:gdLst/>
+            <a:ahLst/>
+            <a:cxnLst/>
+            <a:rect l="l" t="t" r="r" b="b"/>
+            <a:pathLst>
+              <a:path w="9248" h="10000">
+                <a:moveTo>
+                  <a:pt x="9248" y="4701"/>
+                </a:moveTo>
+                <a:lnTo>
+                  <a:pt x="7915" y="188"/>
+                </a:lnTo>
+                <a:cubicBezTo>
+                  <a:pt x="7906" y="156"/>
+                  <a:pt x="7895" y="126"/>
+                  <a:pt x="7886" y="94"/>
+                </a:cubicBezTo>
+                <a:cubicBezTo>
+                  <a:pt x="7859" y="0"/>
+                  <a:pt x="7831" y="0"/>
+                  <a:pt x="7803" y="0"/>
+                </a:cubicBezTo>
+                <a:lnTo>
+                  <a:pt x="7275" y="0"/>
+                </a:lnTo>
+                <a:lnTo>
+                  <a:pt x="0" y="70"/>
+                </a:lnTo>
+                <a:cubicBezTo>
+                  <a:pt x="8" y="3380"/>
+                  <a:pt x="17" y="6690"/>
+                  <a:pt x="25" y="10000"/>
+                </a:cubicBezTo>
+                <a:lnTo>
+                  <a:pt x="7275" y="9966"/>
+                </a:lnTo>
+                <a:lnTo>
+                  <a:pt x="7803" y="9966"/>
+                </a:lnTo>
+                <a:cubicBezTo>
+                  <a:pt x="7831" y="9966"/>
+                  <a:pt x="7859" y="9872"/>
+                  <a:pt x="7886" y="9872"/>
+                </a:cubicBezTo>
+                <a:cubicBezTo>
+                  <a:pt x="7886" y="9778"/>
+                  <a:pt x="7915" y="9778"/>
+                  <a:pt x="7915" y="9778"/>
+                </a:cubicBezTo>
+                <a:lnTo>
+                  <a:pt x="9248" y="5265"/>
+                </a:lnTo>
+                <a:cubicBezTo>
+                  <a:pt x="9303" y="5077"/>
+                  <a:pt x="9303" y="4889"/>
+                  <a:pt x="9248" y="4701"/>
+                </a:cubicBezTo>
+                <a:close/>
+              </a:path>
+            </a:pathLst>
+          </a:custGeom>
+          <a:solidFill>
+            <a:schemeClr val="accent1"/>
+          </a:solidFill>
+          <a:ln>
+            <a:noFill/>
+          </a:ln>
+        </p:spPr>
+      </p:sp>
+      <p:sp>
+        <p:nvSpPr>
+          <p:cNvPr id="13" name="Slide Number Placeholder 5"/>
           <p:cNvSpPr>
             <a:spLocks noGrp="1"/>
           </p:cNvSpPr>
@@ -2695,7 +5150,12 @@
             <p:ph type="sldNum" sz="quarter" idx="12"/>
           </p:nvPr>
         </p:nvSpPr>
-        <p:spPr/>
+        <p:spPr>
+          <a:xfrm>
+            <a:off x="531812" y="787782"/>
+            <a:ext cx="779767" cy="365125"/>
+          </a:xfrm>
+        </p:spPr>
         <p:txBody>
           <a:bodyPr/>
           <a:lstStyle/>
@@ -2711,7 +5171,7 @@
     </p:spTree>
     <p:extLst>
       <p:ext uri="{BB962C8B-B14F-4D97-AF65-F5344CB8AC3E}">
-        <p14:creationId xmlns:p14="http://schemas.microsoft.com/office/powerpoint/2010/main" val="780821396"/>
+        <p14:creationId xmlns:p14="http://schemas.microsoft.com/office/powerpoint/2010/main" val="1803047828"/>
       </p:ext>
     </p:extLst>
   </p:cSld>
@@ -2757,7 +5217,7 @@
               <a:rPr lang="en-US" smtClean="0"/>
               <a:t>Click to edit Master title style</a:t>
             </a:r>
-            <a:endParaRPr lang="en-US"/>
+            <a:endParaRPr lang="en-US" dirty="0"/>
           </a:p>
         </p:txBody>
       </p:sp>
@@ -2805,6 +5265,88 @@
       </p:sp>
       <p:sp>
         <p:nvSpPr>
+          <p:cNvPr id="7" name="Freeform 11"/>
+          <p:cNvSpPr/>
+          <p:nvPr/>
+        </p:nvSpPr>
+        <p:spPr bwMode="auto">
+          <a:xfrm flipV="1">
+            <a:off x="-4189" y="714375"/>
+            <a:ext cx="1588527" cy="507297"/>
+          </a:xfrm>
+          <a:custGeom>
+            <a:avLst/>
+            <a:gdLst/>
+            <a:ahLst/>
+            <a:cxnLst/>
+            <a:rect l="l" t="t" r="r" b="b"/>
+            <a:pathLst>
+              <a:path w="9248" h="10000">
+                <a:moveTo>
+                  <a:pt x="9248" y="4701"/>
+                </a:moveTo>
+                <a:lnTo>
+                  <a:pt x="7915" y="188"/>
+                </a:lnTo>
+                <a:cubicBezTo>
+                  <a:pt x="7906" y="156"/>
+                  <a:pt x="7895" y="126"/>
+                  <a:pt x="7886" y="94"/>
+                </a:cubicBezTo>
+                <a:cubicBezTo>
+                  <a:pt x="7859" y="0"/>
+                  <a:pt x="7831" y="0"/>
+                  <a:pt x="7803" y="0"/>
+                </a:cubicBezTo>
+                <a:lnTo>
+                  <a:pt x="7275" y="0"/>
+                </a:lnTo>
+                <a:lnTo>
+                  <a:pt x="0" y="70"/>
+                </a:lnTo>
+                <a:cubicBezTo>
+                  <a:pt x="8" y="3380"/>
+                  <a:pt x="17" y="6690"/>
+                  <a:pt x="25" y="10000"/>
+                </a:cubicBezTo>
+                <a:lnTo>
+                  <a:pt x="7275" y="9966"/>
+                </a:lnTo>
+                <a:lnTo>
+                  <a:pt x="7803" y="9966"/>
+                </a:lnTo>
+                <a:cubicBezTo>
+                  <a:pt x="7831" y="9966"/>
+                  <a:pt x="7859" y="9872"/>
+                  <a:pt x="7886" y="9872"/>
+                </a:cubicBezTo>
+                <a:cubicBezTo>
+                  <a:pt x="7886" y="9778"/>
+                  <a:pt x="7915" y="9778"/>
+                  <a:pt x="7915" y="9778"/>
+                </a:cubicBezTo>
+                <a:lnTo>
+                  <a:pt x="9248" y="5265"/>
+                </a:lnTo>
+                <a:cubicBezTo>
+                  <a:pt x="9303" y="5077"/>
+                  <a:pt x="9303" y="4889"/>
+                  <a:pt x="9248" y="4701"/>
+                </a:cubicBezTo>
+                <a:close/>
+              </a:path>
+            </a:pathLst>
+          </a:custGeom>
+          <a:solidFill>
+            <a:schemeClr val="accent1"/>
+          </a:solidFill>
+          <a:ln>
+            <a:noFill/>
+          </a:ln>
+        </p:spPr>
+      </p:sp>
+      <p:sp>
+        <p:nvSpPr>
           <p:cNvPr id="5" name="Slide Number Placeholder 4"/>
           <p:cNvSpPr>
             <a:spLocks noGrp="1"/>
@@ -2829,7 +5371,7 @@
     </p:spTree>
     <p:extLst>
       <p:ext uri="{BB962C8B-B14F-4D97-AF65-F5344CB8AC3E}">
-        <p14:creationId xmlns:p14="http://schemas.microsoft.com/office/powerpoint/2010/main" val="619054081"/>
+        <p14:creationId xmlns:p14="http://schemas.microsoft.com/office/powerpoint/2010/main" val="683102379"/>
       </p:ext>
     </p:extLst>
   </p:cSld>
@@ -2900,6 +5442,88 @@
       </p:sp>
       <p:sp>
         <p:nvSpPr>
+          <p:cNvPr id="6" name="Freeform 11"/>
+          <p:cNvSpPr/>
+          <p:nvPr/>
+        </p:nvSpPr>
+        <p:spPr bwMode="auto">
+          <a:xfrm flipV="1">
+            <a:off x="-4189" y="714375"/>
+            <a:ext cx="1588527" cy="507297"/>
+          </a:xfrm>
+          <a:custGeom>
+            <a:avLst/>
+            <a:gdLst/>
+            <a:ahLst/>
+            <a:cxnLst/>
+            <a:rect l="l" t="t" r="r" b="b"/>
+            <a:pathLst>
+              <a:path w="9248" h="10000">
+                <a:moveTo>
+                  <a:pt x="9248" y="4701"/>
+                </a:moveTo>
+                <a:lnTo>
+                  <a:pt x="7915" y="188"/>
+                </a:lnTo>
+                <a:cubicBezTo>
+                  <a:pt x="7906" y="156"/>
+                  <a:pt x="7895" y="126"/>
+                  <a:pt x="7886" y="94"/>
+                </a:cubicBezTo>
+                <a:cubicBezTo>
+                  <a:pt x="7859" y="0"/>
+                  <a:pt x="7831" y="0"/>
+                  <a:pt x="7803" y="0"/>
+                </a:cubicBezTo>
+                <a:lnTo>
+                  <a:pt x="7275" y="0"/>
+                </a:lnTo>
+                <a:lnTo>
+                  <a:pt x="0" y="70"/>
+                </a:lnTo>
+                <a:cubicBezTo>
+                  <a:pt x="8" y="3380"/>
+                  <a:pt x="17" y="6690"/>
+                  <a:pt x="25" y="10000"/>
+                </a:cubicBezTo>
+                <a:lnTo>
+                  <a:pt x="7275" y="9966"/>
+                </a:lnTo>
+                <a:lnTo>
+                  <a:pt x="7803" y="9966"/>
+                </a:lnTo>
+                <a:cubicBezTo>
+                  <a:pt x="7831" y="9966"/>
+                  <a:pt x="7859" y="9872"/>
+                  <a:pt x="7886" y="9872"/>
+                </a:cubicBezTo>
+                <a:cubicBezTo>
+                  <a:pt x="7886" y="9778"/>
+                  <a:pt x="7915" y="9778"/>
+                  <a:pt x="7915" y="9778"/>
+                </a:cubicBezTo>
+                <a:lnTo>
+                  <a:pt x="9248" y="5265"/>
+                </a:lnTo>
+                <a:cubicBezTo>
+                  <a:pt x="9303" y="5077"/>
+                  <a:pt x="9303" y="4889"/>
+                  <a:pt x="9248" y="4701"/>
+                </a:cubicBezTo>
+                <a:close/>
+              </a:path>
+            </a:pathLst>
+          </a:custGeom>
+          <a:solidFill>
+            <a:schemeClr val="accent1"/>
+          </a:solidFill>
+          <a:ln>
+            <a:noFill/>
+          </a:ln>
+        </p:spPr>
+      </p:sp>
+      <p:sp>
+        <p:nvSpPr>
           <p:cNvPr id="4" name="Slide Number Placeholder 3"/>
           <p:cNvSpPr>
             <a:spLocks noGrp="1"/>
@@ -2924,7 +5548,7 @@
     </p:spTree>
     <p:extLst>
       <p:ext uri="{BB962C8B-B14F-4D97-AF65-F5344CB8AC3E}">
-        <p14:creationId xmlns:p14="http://schemas.microsoft.com/office/powerpoint/2010/main" val="711645630"/>
+        <p14:creationId xmlns:p14="http://schemas.microsoft.com/office/powerpoint/2010/main" val="454106991"/>
       </p:ext>
     </p:extLst>
   </p:cSld>
@@ -2963,15 +5587,15 @@
         </p:nvSpPr>
         <p:spPr>
           <a:xfrm>
-            <a:off x="839788" y="457200"/>
-            <a:ext cx="3932237" cy="1600200"/>
+            <a:off x="2589212" y="446088"/>
+            <a:ext cx="3505199" cy="976312"/>
           </a:xfrm>
         </p:spPr>
         <p:txBody>
           <a:bodyPr anchor="b"/>
           <a:lstStyle>
-            <a:lvl1pPr>
-              <a:defRPr sz="3200"/>
+            <a:lvl1pPr algn="l">
+              <a:defRPr sz="2000" b="0"/>
             </a:lvl1pPr>
           </a:lstStyle>
           <a:p>
@@ -2979,7 +5603,7 @@
               <a:rPr lang="en-US" smtClean="0"/>
               <a:t>Click to edit Master title style</a:t>
             </a:r>
-            <a:endParaRPr lang="en-US"/>
+            <a:endParaRPr lang="en-US" dirty="0"/>
           </a:p>
         </p:txBody>
       </p:sp>
@@ -2995,41 +5619,15 @@
         </p:nvSpPr>
         <p:spPr>
           <a:xfrm>
-            <a:off x="5183188" y="987425"/>
-            <a:ext cx="6172200" cy="4873625"/>
+            <a:off x="6323012" y="446088"/>
+            <a:ext cx="5181600" cy="5414963"/>
           </a:xfrm>
         </p:spPr>
         <p:txBody>
-          <a:bodyPr/>
-          <a:lstStyle>
-            <a:lvl1pPr>
-              <a:defRPr sz="3200"/>
-            </a:lvl1pPr>
-            <a:lvl2pPr>
-              <a:defRPr sz="2800"/>
-            </a:lvl2pPr>
-            <a:lvl3pPr>
-              <a:defRPr sz="2400"/>
-            </a:lvl3pPr>
-            <a:lvl4pPr>
-              <a:defRPr sz="2000"/>
-            </a:lvl4pPr>
-            <a:lvl5pPr>
-              <a:defRPr sz="2000"/>
-            </a:lvl5pPr>
-            <a:lvl6pPr>
-              <a:defRPr sz="2000"/>
-            </a:lvl6pPr>
-            <a:lvl7pPr>
-              <a:defRPr sz="2000"/>
-            </a:lvl7pPr>
-            <a:lvl8pPr>
-              <a:defRPr sz="2000"/>
-            </a:lvl8pPr>
-            <a:lvl9pPr>
-              <a:defRPr sz="2000"/>
-            </a:lvl9pPr>
-          </a:lstStyle>
+          <a:bodyPr anchor="ctr">
+            <a:normAutofit/>
+          </a:bodyPr>
+          <a:lstStyle/>
           <a:p>
             <a:pPr lvl="0"/>
             <a:r>
@@ -3064,7 +5662,7 @@
               <a:rPr lang="en-US" smtClean="0"/>
               <a:t>Fifth level</a:t>
             </a:r>
-            <a:endParaRPr lang="en-US"/>
+            <a:endParaRPr lang="en-US" dirty="0"/>
           </a:p>
         </p:txBody>
       </p:sp>
@@ -3080,8 +5678,8 @@
         </p:nvSpPr>
         <p:spPr>
           <a:xfrm>
-            <a:off x="839788" y="2057400"/>
-            <a:ext cx="3932237" cy="3811588"/>
+            <a:off x="2589212" y="1598613"/>
+            <a:ext cx="3505199" cy="4262436"/>
           </a:xfrm>
         </p:spPr>
         <p:txBody>
@@ -3089,39 +5687,39 @@
           <a:lstStyle>
             <a:lvl1pPr marL="0" indent="0">
               <a:buNone/>
-              <a:defRPr sz="1600"/>
+              <a:defRPr sz="1400"/>
             </a:lvl1pPr>
             <a:lvl2pPr marL="457200" indent="0">
               <a:buNone/>
-              <a:defRPr sz="1400"/>
+              <a:defRPr sz="1200"/>
             </a:lvl2pPr>
             <a:lvl3pPr marL="914400" indent="0">
               <a:buNone/>
-              <a:defRPr sz="1200"/>
+              <a:defRPr sz="1000"/>
             </a:lvl3pPr>
             <a:lvl4pPr marL="1371600" indent="0">
               <a:buNone/>
-              <a:defRPr sz="1000"/>
+              <a:defRPr sz="900"/>
             </a:lvl4pPr>
             <a:lvl5pPr marL="1828800" indent="0">
               <a:buNone/>
-              <a:defRPr sz="1000"/>
+              <a:defRPr sz="900"/>
             </a:lvl5pPr>
             <a:lvl6pPr marL="2286000" indent="0">
               <a:buNone/>
-              <a:defRPr sz="1000"/>
+              <a:defRPr sz="900"/>
             </a:lvl6pPr>
             <a:lvl7pPr marL="2743200" indent="0">
               <a:buNone/>
-              <a:defRPr sz="1000"/>
+              <a:defRPr sz="900"/>
             </a:lvl7pPr>
             <a:lvl8pPr marL="3200400" indent="0">
               <a:buNone/>
-              <a:defRPr sz="1000"/>
+              <a:defRPr sz="900"/>
             </a:lvl8pPr>
             <a:lvl9pPr marL="3657600" indent="0">
               <a:buNone/>
-              <a:defRPr sz="1000"/>
+              <a:defRPr sz="900"/>
             </a:lvl9pPr>
           </a:lstStyle>
           <a:p>
@@ -3177,6 +5775,88 @@
       </p:sp>
       <p:sp>
         <p:nvSpPr>
+          <p:cNvPr id="9" name="Freeform 11"/>
+          <p:cNvSpPr/>
+          <p:nvPr/>
+        </p:nvSpPr>
+        <p:spPr bwMode="auto">
+          <a:xfrm flipV="1">
+            <a:off x="-4189" y="714375"/>
+            <a:ext cx="1588527" cy="507297"/>
+          </a:xfrm>
+          <a:custGeom>
+            <a:avLst/>
+            <a:gdLst/>
+            <a:ahLst/>
+            <a:cxnLst/>
+            <a:rect l="l" t="t" r="r" b="b"/>
+            <a:pathLst>
+              <a:path w="9248" h="10000">
+                <a:moveTo>
+                  <a:pt x="9248" y="4701"/>
+                </a:moveTo>
+                <a:lnTo>
+                  <a:pt x="7915" y="188"/>
+                </a:lnTo>
+                <a:cubicBezTo>
+                  <a:pt x="7906" y="156"/>
+                  <a:pt x="7895" y="126"/>
+                  <a:pt x="7886" y="94"/>
+                </a:cubicBezTo>
+                <a:cubicBezTo>
+                  <a:pt x="7859" y="0"/>
+                  <a:pt x="7831" y="0"/>
+                  <a:pt x="7803" y="0"/>
+                </a:cubicBezTo>
+                <a:lnTo>
+                  <a:pt x="7275" y="0"/>
+                </a:lnTo>
+                <a:lnTo>
+                  <a:pt x="0" y="70"/>
+                </a:lnTo>
+                <a:cubicBezTo>
+                  <a:pt x="8" y="3380"/>
+                  <a:pt x="17" y="6690"/>
+                  <a:pt x="25" y="10000"/>
+                </a:cubicBezTo>
+                <a:lnTo>
+                  <a:pt x="7275" y="9966"/>
+                </a:lnTo>
+                <a:lnTo>
+                  <a:pt x="7803" y="9966"/>
+                </a:lnTo>
+                <a:cubicBezTo>
+                  <a:pt x="7831" y="9966"/>
+                  <a:pt x="7859" y="9872"/>
+                  <a:pt x="7886" y="9872"/>
+                </a:cubicBezTo>
+                <a:cubicBezTo>
+                  <a:pt x="7886" y="9778"/>
+                  <a:pt x="7915" y="9778"/>
+                  <a:pt x="7915" y="9778"/>
+                </a:cubicBezTo>
+                <a:lnTo>
+                  <a:pt x="9248" y="5265"/>
+                </a:lnTo>
+                <a:cubicBezTo>
+                  <a:pt x="9303" y="5077"/>
+                  <a:pt x="9303" y="4889"/>
+                  <a:pt x="9248" y="4701"/>
+                </a:cubicBezTo>
+                <a:close/>
+              </a:path>
+            </a:pathLst>
+          </a:custGeom>
+          <a:solidFill>
+            <a:schemeClr val="accent1"/>
+          </a:solidFill>
+          <a:ln>
+            <a:noFill/>
+          </a:ln>
+        </p:spPr>
+      </p:sp>
+      <p:sp>
+        <p:nvSpPr>
           <p:cNvPr id="7" name="Slide Number Placeholder 6"/>
           <p:cNvSpPr>
             <a:spLocks noGrp="1"/>
@@ -3201,7 +5881,7 @@
     </p:spTree>
     <p:extLst>
       <p:ext uri="{BB962C8B-B14F-4D97-AF65-F5344CB8AC3E}">
-        <p14:creationId xmlns:p14="http://schemas.microsoft.com/office/powerpoint/2010/main" val="195740084"/>
+        <p14:creationId xmlns:p14="http://schemas.microsoft.com/office/powerpoint/2010/main" val="19316299"/>
       </p:ext>
     </p:extLst>
   </p:cSld>
@@ -3240,15 +5920,17 @@
         </p:nvSpPr>
         <p:spPr>
           <a:xfrm>
-            <a:off x="839788" y="457200"/>
-            <a:ext cx="3932237" cy="1600200"/>
+            <a:off x="2589213" y="4800600"/>
+            <a:ext cx="8915400" cy="566738"/>
           </a:xfrm>
         </p:spPr>
         <p:txBody>
-          <a:bodyPr anchor="b"/>
+          <a:bodyPr anchor="b">
+            <a:normAutofit/>
+          </a:bodyPr>
           <a:lstStyle>
-            <a:lvl1pPr>
-              <a:defRPr sz="3200"/>
+            <a:lvl1pPr algn="l">
+              <a:defRPr sz="2400" b="0"/>
             </a:lvl1pPr>
           </a:lstStyle>
           <a:p>
@@ -3256,7 +5938,7 @@
               <a:rPr lang="en-US" smtClean="0"/>
               <a:t>Click to edit Master title style</a:t>
             </a:r>
-            <a:endParaRPr lang="en-US"/>
+            <a:endParaRPr lang="en-US" dirty="0"/>
           </a:p>
         </p:txBody>
       </p:sp>
@@ -3264,7 +5946,7 @@
         <p:nvSpPr>
           <p:cNvPr id="3" name="Picture Placeholder 2"/>
           <p:cNvSpPr>
-            <a:spLocks noGrp="1"/>
+            <a:spLocks noGrp="1" noChangeAspect="1"/>
           </p:cNvSpPr>
           <p:nvPr>
             <p:ph type="pic" idx="1"/>
@@ -3272,52 +5954,58 @@
         </p:nvSpPr>
         <p:spPr>
           <a:xfrm>
-            <a:off x="5183188" y="987425"/>
-            <a:ext cx="6172200" cy="4873625"/>
+            <a:off x="2589212" y="634965"/>
+            <a:ext cx="8915400" cy="3854970"/>
           </a:xfrm>
         </p:spPr>
         <p:txBody>
-          <a:bodyPr/>
+          <a:bodyPr anchor="t">
+            <a:normAutofit/>
+          </a:bodyPr>
           <a:lstStyle>
-            <a:lvl1pPr marL="0" indent="0">
+            <a:lvl1pPr marL="0" indent="0" algn="ctr">
               <a:buNone/>
-              <a:defRPr sz="3200"/>
+              <a:defRPr sz="1600"/>
             </a:lvl1pPr>
             <a:lvl2pPr marL="457200" indent="0">
               <a:buNone/>
-              <a:defRPr sz="2800"/>
+              <a:defRPr sz="1600"/>
             </a:lvl2pPr>
             <a:lvl3pPr marL="914400" indent="0">
               <a:buNone/>
-              <a:defRPr sz="2400"/>
+              <a:defRPr sz="1600"/>
             </a:lvl3pPr>
             <a:lvl4pPr marL="1371600" indent="0">
               <a:buNone/>
-              <a:defRPr sz="2000"/>
+              <a:defRPr sz="1600"/>
             </a:lvl4pPr>
             <a:lvl5pPr marL="1828800" indent="0">
               <a:buNone/>
-              <a:defRPr sz="2000"/>
+              <a:defRPr sz="1600"/>
             </a:lvl5pPr>
             <a:lvl6pPr marL="2286000" indent="0">
               <a:buNone/>
-              <a:defRPr sz="2000"/>
+              <a:defRPr sz="1600"/>
             </a:lvl6pPr>
             <a:lvl7pPr marL="2743200" indent="0">
               <a:buNone/>
-              <a:defRPr sz="2000"/>
+              <a:defRPr sz="1600"/>
             </a:lvl7pPr>
             <a:lvl8pPr marL="3200400" indent="0">
               <a:buNone/>
-              <a:defRPr sz="2000"/>
+              <a:defRPr sz="1600"/>
             </a:lvl8pPr>
             <a:lvl9pPr marL="3657600" indent="0">
               <a:buNone/>
-              <a:defRPr sz="2000"/>
+              <a:defRPr sz="1600"/>
             </a:lvl9pPr>
           </a:lstStyle>
           <a:p>
-            <a:endParaRPr lang="en-US"/>
+            <a:r>
+              <a:rPr lang="en-US" smtClean="0"/>
+              <a:t>Drag picture to placeholder or click icon to add</a:t>
+            </a:r>
+            <a:endParaRPr lang="en-US" dirty="0"/>
           </a:p>
         </p:txBody>
       </p:sp>
@@ -3333,48 +6021,50 @@
         </p:nvSpPr>
         <p:spPr>
           <a:xfrm>
-            <a:off x="839788" y="2057400"/>
-            <a:ext cx="3932237" cy="3811588"/>
+            <a:off x="2589213" y="5367338"/>
+            <a:ext cx="8915400" cy="493712"/>
           </a:xfrm>
         </p:spPr>
         <p:txBody>
-          <a:bodyPr/>
+          <a:bodyPr>
+            <a:normAutofit/>
+          </a:bodyPr>
           <a:lstStyle>
             <a:lvl1pPr marL="0" indent="0">
               <a:buNone/>
-              <a:defRPr sz="1600"/>
+              <a:defRPr sz="1200"/>
             </a:lvl1pPr>
             <a:lvl2pPr marL="457200" indent="0">
               <a:buNone/>
-              <a:defRPr sz="1400"/>
+              <a:defRPr sz="1200"/>
             </a:lvl2pPr>
             <a:lvl3pPr marL="914400" indent="0">
               <a:buNone/>
-              <a:defRPr sz="1200"/>
+              <a:defRPr sz="1000"/>
             </a:lvl3pPr>
             <a:lvl4pPr marL="1371600" indent="0">
               <a:buNone/>
-              <a:defRPr sz="1000"/>
+              <a:defRPr sz="900"/>
             </a:lvl4pPr>
             <a:lvl5pPr marL="1828800" indent="0">
               <a:buNone/>
-              <a:defRPr sz="1000"/>
+              <a:defRPr sz="900"/>
             </a:lvl5pPr>
             <a:lvl6pPr marL="2286000" indent="0">
               <a:buNone/>
-              <a:defRPr sz="1000"/>
+              <a:defRPr sz="900"/>
             </a:lvl6pPr>
             <a:lvl7pPr marL="2743200" indent="0">
               <a:buNone/>
-              <a:defRPr sz="1000"/>
+              <a:defRPr sz="900"/>
             </a:lvl7pPr>
             <a:lvl8pPr marL="3200400" indent="0">
               <a:buNone/>
-              <a:defRPr sz="1000"/>
+              <a:defRPr sz="900"/>
             </a:lvl8pPr>
             <a:lvl9pPr marL="3657600" indent="0">
               <a:buNone/>
-              <a:defRPr sz="1000"/>
+              <a:defRPr sz="900"/>
             </a:lvl9pPr>
           </a:lstStyle>
           <a:p>
@@ -3430,6 +6120,88 @@
       </p:sp>
       <p:sp>
         <p:nvSpPr>
+          <p:cNvPr id="9" name="Freeform 11"/>
+          <p:cNvSpPr/>
+          <p:nvPr/>
+        </p:nvSpPr>
+        <p:spPr bwMode="auto">
+          <a:xfrm flipV="1">
+            <a:off x="-4189" y="4911725"/>
+            <a:ext cx="1588527" cy="507297"/>
+          </a:xfrm>
+          <a:custGeom>
+            <a:avLst/>
+            <a:gdLst/>
+            <a:ahLst/>
+            <a:cxnLst/>
+            <a:rect l="l" t="t" r="r" b="b"/>
+            <a:pathLst>
+              <a:path w="9248" h="10000">
+                <a:moveTo>
+                  <a:pt x="9248" y="4701"/>
+                </a:moveTo>
+                <a:lnTo>
+                  <a:pt x="7915" y="188"/>
+                </a:lnTo>
+                <a:cubicBezTo>
+                  <a:pt x="7906" y="156"/>
+                  <a:pt x="7895" y="126"/>
+                  <a:pt x="7886" y="94"/>
+                </a:cubicBezTo>
+                <a:cubicBezTo>
+                  <a:pt x="7859" y="0"/>
+                  <a:pt x="7831" y="0"/>
+                  <a:pt x="7803" y="0"/>
+                </a:cubicBezTo>
+                <a:lnTo>
+                  <a:pt x="7275" y="0"/>
+                </a:lnTo>
+                <a:lnTo>
+                  <a:pt x="0" y="70"/>
+                </a:lnTo>
+                <a:cubicBezTo>
+                  <a:pt x="8" y="3380"/>
+                  <a:pt x="17" y="6690"/>
+                  <a:pt x="25" y="10000"/>
+                </a:cubicBezTo>
+                <a:lnTo>
+                  <a:pt x="7275" y="9966"/>
+                </a:lnTo>
+                <a:lnTo>
+                  <a:pt x="7803" y="9966"/>
+                </a:lnTo>
+                <a:cubicBezTo>
+                  <a:pt x="7831" y="9966"/>
+                  <a:pt x="7859" y="9872"/>
+                  <a:pt x="7886" y="9872"/>
+                </a:cubicBezTo>
+                <a:cubicBezTo>
+                  <a:pt x="7886" y="9778"/>
+                  <a:pt x="7915" y="9778"/>
+                  <a:pt x="7915" y="9778"/>
+                </a:cubicBezTo>
+                <a:lnTo>
+                  <a:pt x="9248" y="5265"/>
+                </a:lnTo>
+                <a:cubicBezTo>
+                  <a:pt x="9303" y="5077"/>
+                  <a:pt x="9303" y="4889"/>
+                  <a:pt x="9248" y="4701"/>
+                </a:cubicBezTo>
+                <a:close/>
+              </a:path>
+            </a:pathLst>
+          </a:custGeom>
+          <a:solidFill>
+            <a:schemeClr val="accent1"/>
+          </a:solidFill>
+          <a:ln>
+            <a:noFill/>
+          </a:ln>
+        </p:spPr>
+      </p:sp>
+      <p:sp>
+        <p:nvSpPr>
           <p:cNvPr id="7" name="Slide Number Placeholder 6"/>
           <p:cNvSpPr>
             <a:spLocks noGrp="1"/>
@@ -3438,7 +6210,12 @@
             <p:ph type="sldNum" sz="quarter" idx="12"/>
           </p:nvPr>
         </p:nvSpPr>
-        <p:spPr/>
+        <p:spPr>
+          <a:xfrm>
+            <a:off x="531812" y="4983087"/>
+            <a:ext cx="779767" cy="365125"/>
+          </a:xfrm>
+        </p:spPr>
         <p:txBody>
           <a:bodyPr/>
           <a:lstStyle/>
@@ -3454,7 +6231,7 @@
     </p:spTree>
     <p:extLst>
       <p:ext uri="{BB962C8B-B14F-4D97-AF65-F5344CB8AC3E}">
-        <p14:creationId xmlns:p14="http://schemas.microsoft.com/office/powerpoint/2010/main" val="917679292"/>
+        <p14:creationId xmlns:p14="http://schemas.microsoft.com/office/powerpoint/2010/main" val="379006596"/>
       </p:ext>
     </p:extLst>
   </p:cSld>
@@ -3468,8 +6245,8 @@
 <p:sldMaster xmlns:a="http://schemas.openxmlformats.org/drawingml/2006/main" xmlns:r="http://schemas.openxmlformats.org/officeDocument/2006/relationships" xmlns:p="http://schemas.openxmlformats.org/presentationml/2006/main">
   <p:cSld>
     <p:bg>
-      <p:bgRef idx="1001">
-        <a:schemeClr val="bg1"/>
+      <p:bgRef idx="1003">
+        <a:schemeClr val="bg2"/>
       </p:bgRef>
     </p:bg>
     <p:spTree>
@@ -3486,6 +6263,1823 @@
           <a:chExt cx="0" cy="0"/>
         </a:xfrm>
       </p:grpSpPr>
+      <p:grpSp>
+        <p:nvGrpSpPr>
+          <p:cNvPr id="23" name="Group 22"/>
+          <p:cNvGrpSpPr/>
+          <p:nvPr/>
+        </p:nvGrpSpPr>
+        <p:grpSpPr>
+          <a:xfrm>
+            <a:off x="1" y="228600"/>
+            <a:ext cx="2851516" cy="6638628"/>
+            <a:chOff x="2487613" y="285750"/>
+            <a:chExt cx="2428875" cy="5654676"/>
+          </a:xfrm>
+        </p:grpSpPr>
+        <p:sp>
+          <p:nvSpPr>
+            <p:cNvPr id="24" name="Freeform 11"/>
+            <p:cNvSpPr/>
+            <p:nvPr/>
+          </p:nvSpPr>
+          <p:spPr bwMode="auto">
+            <a:xfrm>
+              <a:off x="2487613" y="2284413"/>
+              <a:ext cx="85725" cy="533400"/>
+            </a:xfrm>
+            <a:custGeom>
+              <a:avLst/>
+              <a:gdLst/>
+              <a:ahLst/>
+              <a:cxnLst/>
+              <a:rect l="0" t="0" r="r" b="b"/>
+              <a:pathLst>
+                <a:path w="22" h="136">
+                  <a:moveTo>
+                    <a:pt x="22" y="136"/>
+                  </a:moveTo>
+                  <a:cubicBezTo>
+                    <a:pt x="20" y="117"/>
+                    <a:pt x="19" y="99"/>
+                    <a:pt x="17" y="80"/>
+                  </a:cubicBezTo>
+                  <a:cubicBezTo>
+                    <a:pt x="11" y="54"/>
+                    <a:pt x="6" y="27"/>
+                    <a:pt x="0" y="0"/>
+                  </a:cubicBezTo>
+                  <a:cubicBezTo>
+                    <a:pt x="0" y="35"/>
+                    <a:pt x="0" y="35"/>
+                    <a:pt x="0" y="35"/>
+                  </a:cubicBezTo>
+                  <a:cubicBezTo>
+                    <a:pt x="6" y="64"/>
+                    <a:pt x="13" y="94"/>
+                    <a:pt x="20" y="124"/>
+                  </a:cubicBezTo>
+                  <a:cubicBezTo>
+                    <a:pt x="20" y="128"/>
+                    <a:pt x="21" y="132"/>
+                    <a:pt x="22" y="136"/>
+                  </a:cubicBezTo>
+                  <a:close/>
+                </a:path>
+              </a:pathLst>
+            </a:custGeom>
+            <a:solidFill>
+              <a:schemeClr val="tx2">
+                <a:alpha val="20000"/>
+              </a:schemeClr>
+            </a:solidFill>
+            <a:ln>
+              <a:noFill/>
+            </a:ln>
+          </p:spPr>
+        </p:sp>
+        <p:sp>
+          <p:nvSpPr>
+            <p:cNvPr id="25" name="Freeform 12"/>
+            <p:cNvSpPr/>
+            <p:nvPr/>
+          </p:nvSpPr>
+          <p:spPr bwMode="auto">
+            <a:xfrm>
+              <a:off x="2597151" y="2779713"/>
+              <a:ext cx="550863" cy="1978025"/>
+            </a:xfrm>
+            <a:custGeom>
+              <a:avLst/>
+              <a:gdLst/>
+              <a:ahLst/>
+              <a:cxnLst/>
+              <a:rect l="0" t="0" r="r" b="b"/>
+              <a:pathLst>
+                <a:path w="140" h="504">
+                  <a:moveTo>
+                    <a:pt x="86" y="350"/>
+                  </a:moveTo>
+                  <a:cubicBezTo>
+                    <a:pt x="103" y="402"/>
+                    <a:pt x="120" y="453"/>
+                    <a:pt x="139" y="504"/>
+                  </a:cubicBezTo>
+                  <a:cubicBezTo>
+                    <a:pt x="139" y="495"/>
+                    <a:pt x="139" y="487"/>
+                    <a:pt x="140" y="478"/>
+                  </a:cubicBezTo>
+                  <a:cubicBezTo>
+                    <a:pt x="124" y="435"/>
+                    <a:pt x="109" y="391"/>
+                    <a:pt x="95" y="347"/>
+                  </a:cubicBezTo>
+                  <a:cubicBezTo>
+                    <a:pt x="58" y="233"/>
+                    <a:pt x="27" y="117"/>
+                    <a:pt x="0" y="0"/>
+                  </a:cubicBezTo>
+                  <a:cubicBezTo>
+                    <a:pt x="2" y="20"/>
+                    <a:pt x="4" y="41"/>
+                    <a:pt x="6" y="61"/>
+                  </a:cubicBezTo>
+                  <a:cubicBezTo>
+                    <a:pt x="30" y="158"/>
+                    <a:pt x="56" y="255"/>
+                    <a:pt x="86" y="350"/>
+                  </a:cubicBezTo>
+                  <a:close/>
+                </a:path>
+              </a:pathLst>
+            </a:custGeom>
+            <a:solidFill>
+              <a:schemeClr val="tx2">
+                <a:alpha val="20000"/>
+              </a:schemeClr>
+            </a:solidFill>
+            <a:ln>
+              <a:noFill/>
+            </a:ln>
+          </p:spPr>
+        </p:sp>
+        <p:sp>
+          <p:nvSpPr>
+            <p:cNvPr id="26" name="Freeform 13"/>
+            <p:cNvSpPr/>
+            <p:nvPr/>
+          </p:nvSpPr>
+          <p:spPr bwMode="auto">
+            <a:xfrm>
+              <a:off x="3175001" y="4730750"/>
+              <a:ext cx="519113" cy="1209675"/>
+            </a:xfrm>
+            <a:custGeom>
+              <a:avLst/>
+              <a:gdLst/>
+              <a:ahLst/>
+              <a:cxnLst/>
+              <a:rect l="0" t="0" r="r" b="b"/>
+              <a:pathLst>
+                <a:path w="132" h="308">
+                  <a:moveTo>
+                    <a:pt x="8" y="22"/>
+                  </a:moveTo>
+                  <a:cubicBezTo>
+                    <a:pt x="5" y="15"/>
+                    <a:pt x="2" y="8"/>
+                    <a:pt x="0" y="0"/>
+                  </a:cubicBezTo>
+                  <a:cubicBezTo>
+                    <a:pt x="0" y="10"/>
+                    <a:pt x="0" y="19"/>
+                    <a:pt x="0" y="29"/>
+                  </a:cubicBezTo>
+                  <a:cubicBezTo>
+                    <a:pt x="21" y="85"/>
+                    <a:pt x="44" y="140"/>
+                    <a:pt x="68" y="194"/>
+                  </a:cubicBezTo>
+                  <a:cubicBezTo>
+                    <a:pt x="85" y="232"/>
+                    <a:pt x="104" y="270"/>
+                    <a:pt x="123" y="308"/>
+                  </a:cubicBezTo>
+                  <a:cubicBezTo>
+                    <a:pt x="132" y="308"/>
+                    <a:pt x="132" y="308"/>
+                    <a:pt x="132" y="308"/>
+                  </a:cubicBezTo>
+                  <a:cubicBezTo>
+                    <a:pt x="113" y="269"/>
+                    <a:pt x="94" y="230"/>
+                    <a:pt x="77" y="190"/>
+                  </a:cubicBezTo>
+                  <a:cubicBezTo>
+                    <a:pt x="52" y="135"/>
+                    <a:pt x="29" y="79"/>
+                    <a:pt x="8" y="22"/>
+                  </a:cubicBezTo>
+                  <a:close/>
+                </a:path>
+              </a:pathLst>
+            </a:custGeom>
+            <a:solidFill>
+              <a:schemeClr val="tx2">
+                <a:alpha val="20000"/>
+              </a:schemeClr>
+            </a:solidFill>
+            <a:ln>
+              <a:noFill/>
+            </a:ln>
+          </p:spPr>
+        </p:sp>
+        <p:sp>
+          <p:nvSpPr>
+            <p:cNvPr id="27" name="Freeform 14"/>
+            <p:cNvSpPr/>
+            <p:nvPr/>
+          </p:nvSpPr>
+          <p:spPr bwMode="auto">
+            <a:xfrm>
+              <a:off x="3305176" y="5630863"/>
+              <a:ext cx="146050" cy="309563"/>
+            </a:xfrm>
+            <a:custGeom>
+              <a:avLst/>
+              <a:gdLst/>
+              <a:ahLst/>
+              <a:cxnLst/>
+              <a:rect l="0" t="0" r="r" b="b"/>
+              <a:pathLst>
+                <a:path w="37" h="79">
+                  <a:moveTo>
+                    <a:pt x="28" y="79"/>
+                  </a:moveTo>
+                  <a:cubicBezTo>
+                    <a:pt x="37" y="79"/>
+                    <a:pt x="37" y="79"/>
+                    <a:pt x="37" y="79"/>
+                  </a:cubicBezTo>
+                  <a:cubicBezTo>
+                    <a:pt x="24" y="53"/>
+                    <a:pt x="12" y="27"/>
+                    <a:pt x="0" y="0"/>
+                  </a:cubicBezTo>
+                  <a:cubicBezTo>
+                    <a:pt x="8" y="27"/>
+                    <a:pt x="17" y="53"/>
+                    <a:pt x="28" y="79"/>
+                  </a:cubicBezTo>
+                  <a:close/>
+                </a:path>
+              </a:pathLst>
+            </a:custGeom>
+            <a:solidFill>
+              <a:schemeClr val="tx2">
+                <a:alpha val="20000"/>
+              </a:schemeClr>
+            </a:solidFill>
+            <a:ln>
+              <a:noFill/>
+            </a:ln>
+          </p:spPr>
+        </p:sp>
+        <p:sp>
+          <p:nvSpPr>
+            <p:cNvPr id="28" name="Freeform 15"/>
+            <p:cNvSpPr/>
+            <p:nvPr/>
+          </p:nvSpPr>
+          <p:spPr bwMode="auto">
+            <a:xfrm>
+              <a:off x="2573338" y="2817813"/>
+              <a:ext cx="700088" cy="2835275"/>
+            </a:xfrm>
+            <a:custGeom>
+              <a:avLst/>
+              <a:gdLst/>
+              <a:ahLst/>
+              <a:cxnLst/>
+              <a:rect l="0" t="0" r="r" b="b"/>
+              <a:pathLst>
+                <a:path w="178" h="722">
+                  <a:moveTo>
+                    <a:pt x="162" y="660"/>
+                  </a:moveTo>
+                  <a:cubicBezTo>
+                    <a:pt x="145" y="618"/>
+                    <a:pt x="130" y="576"/>
+                    <a:pt x="116" y="534"/>
+                  </a:cubicBezTo>
+                  <a:cubicBezTo>
+                    <a:pt x="84" y="437"/>
+                    <a:pt x="59" y="337"/>
+                    <a:pt x="40" y="236"/>
+                  </a:cubicBezTo>
+                  <a:cubicBezTo>
+                    <a:pt x="29" y="175"/>
+                    <a:pt x="20" y="113"/>
+                    <a:pt x="12" y="51"/>
+                  </a:cubicBezTo>
+                  <a:cubicBezTo>
+                    <a:pt x="8" y="34"/>
+                    <a:pt x="4" y="17"/>
+                    <a:pt x="0" y="0"/>
+                  </a:cubicBezTo>
+                  <a:cubicBezTo>
+                    <a:pt x="8" y="79"/>
+                    <a:pt x="19" y="159"/>
+                    <a:pt x="33" y="237"/>
+                  </a:cubicBezTo>
+                  <a:cubicBezTo>
+                    <a:pt x="51" y="339"/>
+                    <a:pt x="76" y="439"/>
+                    <a:pt x="107" y="537"/>
+                  </a:cubicBezTo>
+                  <a:cubicBezTo>
+                    <a:pt x="123" y="586"/>
+                    <a:pt x="141" y="634"/>
+                    <a:pt x="160" y="681"/>
+                  </a:cubicBezTo>
+                  <a:cubicBezTo>
+                    <a:pt x="166" y="695"/>
+                    <a:pt x="172" y="708"/>
+                    <a:pt x="178" y="722"/>
+                  </a:cubicBezTo>
+                  <a:cubicBezTo>
+                    <a:pt x="176" y="717"/>
+                    <a:pt x="175" y="713"/>
+                    <a:pt x="174" y="708"/>
+                  </a:cubicBezTo>
+                  <a:cubicBezTo>
+                    <a:pt x="169" y="692"/>
+                    <a:pt x="165" y="676"/>
+                    <a:pt x="162" y="660"/>
+                  </a:cubicBezTo>
+                  <a:close/>
+                </a:path>
+              </a:pathLst>
+            </a:custGeom>
+            <a:solidFill>
+              <a:schemeClr val="tx2">
+                <a:alpha val="20000"/>
+              </a:schemeClr>
+            </a:solidFill>
+            <a:ln>
+              <a:noFill/>
+            </a:ln>
+          </p:spPr>
+        </p:sp>
+        <p:sp>
+          <p:nvSpPr>
+            <p:cNvPr id="29" name="Freeform 16"/>
+            <p:cNvSpPr/>
+            <p:nvPr/>
+          </p:nvSpPr>
+          <p:spPr bwMode="auto">
+            <a:xfrm>
+              <a:off x="2506663" y="285750"/>
+              <a:ext cx="90488" cy="2493963"/>
+            </a:xfrm>
+            <a:custGeom>
+              <a:avLst/>
+              <a:gdLst/>
+              <a:ahLst/>
+              <a:cxnLst/>
+              <a:rect l="0" t="0" r="r" b="b"/>
+              <a:pathLst>
+                <a:path w="23" h="635">
+                  <a:moveTo>
+                    <a:pt x="11" y="577"/>
+                  </a:moveTo>
+                  <a:cubicBezTo>
+                    <a:pt x="12" y="581"/>
+                    <a:pt x="12" y="585"/>
+                    <a:pt x="12" y="589"/>
+                  </a:cubicBezTo>
+                  <a:cubicBezTo>
+                    <a:pt x="15" y="603"/>
+                    <a:pt x="19" y="617"/>
+                    <a:pt x="22" y="632"/>
+                  </a:cubicBezTo>
+                  <a:cubicBezTo>
+                    <a:pt x="22" y="633"/>
+                    <a:pt x="22" y="634"/>
+                    <a:pt x="23" y="635"/>
+                  </a:cubicBezTo>
+                  <a:cubicBezTo>
+                    <a:pt x="21" y="615"/>
+                    <a:pt x="19" y="596"/>
+                    <a:pt x="17" y="576"/>
+                  </a:cubicBezTo>
+                  <a:cubicBezTo>
+                    <a:pt x="9" y="474"/>
+                    <a:pt x="5" y="372"/>
+                    <a:pt x="5" y="269"/>
+                  </a:cubicBezTo>
+                  <a:cubicBezTo>
+                    <a:pt x="6" y="179"/>
+                    <a:pt x="9" y="90"/>
+                    <a:pt x="15" y="0"/>
+                  </a:cubicBezTo>
+                  <a:cubicBezTo>
+                    <a:pt x="12" y="0"/>
+                    <a:pt x="12" y="0"/>
+                    <a:pt x="12" y="0"/>
+                  </a:cubicBezTo>
+                  <a:cubicBezTo>
+                    <a:pt x="5" y="89"/>
+                    <a:pt x="2" y="179"/>
+                    <a:pt x="1" y="269"/>
+                  </a:cubicBezTo>
+                  <a:cubicBezTo>
+                    <a:pt x="0" y="372"/>
+                    <a:pt x="3" y="474"/>
+                    <a:pt x="11" y="577"/>
+                  </a:cubicBezTo>
+                  <a:close/>
+                </a:path>
+              </a:pathLst>
+            </a:custGeom>
+            <a:solidFill>
+              <a:schemeClr val="tx2">
+                <a:alpha val="20000"/>
+              </a:schemeClr>
+            </a:solidFill>
+            <a:ln>
+              <a:noFill/>
+            </a:ln>
+          </p:spPr>
+        </p:sp>
+        <p:sp>
+          <p:nvSpPr>
+            <p:cNvPr id="30" name="Freeform 17"/>
+            <p:cNvSpPr/>
+            <p:nvPr/>
+          </p:nvSpPr>
+          <p:spPr bwMode="auto">
+            <a:xfrm>
+              <a:off x="2554288" y="2598738"/>
+              <a:ext cx="66675" cy="420688"/>
+            </a:xfrm>
+            <a:custGeom>
+              <a:avLst/>
+              <a:gdLst/>
+              <a:ahLst/>
+              <a:cxnLst/>
+              <a:rect l="0" t="0" r="r" b="b"/>
+              <a:pathLst>
+                <a:path w="17" h="107">
+                  <a:moveTo>
+                    <a:pt x="0" y="0"/>
+                  </a:moveTo>
+                  <a:cubicBezTo>
+                    <a:pt x="2" y="19"/>
+                    <a:pt x="3" y="37"/>
+                    <a:pt x="5" y="56"/>
+                  </a:cubicBezTo>
+                  <a:cubicBezTo>
+                    <a:pt x="9" y="73"/>
+                    <a:pt x="13" y="90"/>
+                    <a:pt x="17" y="107"/>
+                  </a:cubicBezTo>
+                  <a:cubicBezTo>
+                    <a:pt x="15" y="87"/>
+                    <a:pt x="13" y="66"/>
+                    <a:pt x="11" y="46"/>
+                  </a:cubicBezTo>
+                  <a:cubicBezTo>
+                    <a:pt x="10" y="45"/>
+                    <a:pt x="10" y="44"/>
+                    <a:pt x="10" y="43"/>
+                  </a:cubicBezTo>
+                  <a:cubicBezTo>
+                    <a:pt x="7" y="28"/>
+                    <a:pt x="3" y="14"/>
+                    <a:pt x="0" y="0"/>
+                  </a:cubicBezTo>
+                  <a:close/>
+                </a:path>
+              </a:pathLst>
+            </a:custGeom>
+            <a:solidFill>
+              <a:schemeClr val="tx2">
+                <a:alpha val="20000"/>
+              </a:schemeClr>
+            </a:solidFill>
+            <a:ln>
+              <a:noFill/>
+            </a:ln>
+          </p:spPr>
+        </p:sp>
+        <p:sp>
+          <p:nvSpPr>
+            <p:cNvPr id="31" name="Freeform 18"/>
+            <p:cNvSpPr/>
+            <p:nvPr/>
+          </p:nvSpPr>
+          <p:spPr bwMode="auto">
+            <a:xfrm>
+              <a:off x="3143251" y="4757738"/>
+              <a:ext cx="161925" cy="873125"/>
+            </a:xfrm>
+            <a:custGeom>
+              <a:avLst/>
+              <a:gdLst/>
+              <a:ahLst/>
+              <a:cxnLst/>
+              <a:rect l="0" t="0" r="r" b="b"/>
+              <a:pathLst>
+                <a:path w="41" h="222">
+                  <a:moveTo>
+                    <a:pt x="0" y="0"/>
+                  </a:moveTo>
+                  <a:cubicBezTo>
+                    <a:pt x="0" y="31"/>
+                    <a:pt x="2" y="62"/>
+                    <a:pt x="5" y="93"/>
+                  </a:cubicBezTo>
+                  <a:cubicBezTo>
+                    <a:pt x="8" y="117"/>
+                    <a:pt x="12" y="142"/>
+                    <a:pt x="17" y="166"/>
+                  </a:cubicBezTo>
+                  <a:cubicBezTo>
+                    <a:pt x="19" y="172"/>
+                    <a:pt x="22" y="178"/>
+                    <a:pt x="24" y="184"/>
+                  </a:cubicBezTo>
+                  <a:cubicBezTo>
+                    <a:pt x="30" y="197"/>
+                    <a:pt x="35" y="209"/>
+                    <a:pt x="41" y="222"/>
+                  </a:cubicBezTo>
+                  <a:cubicBezTo>
+                    <a:pt x="40" y="219"/>
+                    <a:pt x="39" y="215"/>
+                    <a:pt x="38" y="212"/>
+                  </a:cubicBezTo>
+                  <a:cubicBezTo>
+                    <a:pt x="26" y="172"/>
+                    <a:pt x="18" y="132"/>
+                    <a:pt x="13" y="92"/>
+                  </a:cubicBezTo>
+                  <a:cubicBezTo>
+                    <a:pt x="11" y="68"/>
+                    <a:pt x="9" y="45"/>
+                    <a:pt x="8" y="22"/>
+                  </a:cubicBezTo>
+                  <a:cubicBezTo>
+                    <a:pt x="8" y="21"/>
+                    <a:pt x="7" y="20"/>
+                    <a:pt x="7" y="18"/>
+                  </a:cubicBezTo>
+                  <a:cubicBezTo>
+                    <a:pt x="5" y="12"/>
+                    <a:pt x="2" y="6"/>
+                    <a:pt x="0" y="0"/>
+                  </a:cubicBezTo>
+                  <a:close/>
+                </a:path>
+              </a:pathLst>
+            </a:custGeom>
+            <a:solidFill>
+              <a:schemeClr val="tx2">
+                <a:alpha val="20000"/>
+              </a:schemeClr>
+            </a:solidFill>
+            <a:ln>
+              <a:noFill/>
+            </a:ln>
+          </p:spPr>
+        </p:sp>
+        <p:sp>
+          <p:nvSpPr>
+            <p:cNvPr id="32" name="Freeform 19"/>
+            <p:cNvSpPr/>
+            <p:nvPr/>
+          </p:nvSpPr>
+          <p:spPr bwMode="auto">
+            <a:xfrm>
+              <a:off x="3148013" y="1282700"/>
+              <a:ext cx="1768475" cy="3448050"/>
+            </a:xfrm>
+            <a:custGeom>
+              <a:avLst/>
+              <a:gdLst/>
+              <a:ahLst/>
+              <a:cxnLst/>
+              <a:rect l="0" t="0" r="r" b="b"/>
+              <a:pathLst>
+                <a:path w="450" h="878">
+                  <a:moveTo>
+                    <a:pt x="7" y="854"/>
+                  </a:moveTo>
+                  <a:cubicBezTo>
+                    <a:pt x="10" y="772"/>
+                    <a:pt x="26" y="691"/>
+                    <a:pt x="50" y="613"/>
+                  </a:cubicBezTo>
+                  <a:cubicBezTo>
+                    <a:pt x="75" y="535"/>
+                    <a:pt x="109" y="460"/>
+                    <a:pt x="149" y="388"/>
+                  </a:cubicBezTo>
+                  <a:cubicBezTo>
+                    <a:pt x="189" y="316"/>
+                    <a:pt x="235" y="248"/>
+                    <a:pt x="285" y="183"/>
+                  </a:cubicBezTo>
+                  <a:cubicBezTo>
+                    <a:pt x="310" y="151"/>
+                    <a:pt x="337" y="119"/>
+                    <a:pt x="364" y="89"/>
+                  </a:cubicBezTo>
+                  <a:cubicBezTo>
+                    <a:pt x="378" y="74"/>
+                    <a:pt x="392" y="58"/>
+                    <a:pt x="406" y="44"/>
+                  </a:cubicBezTo>
+                  <a:cubicBezTo>
+                    <a:pt x="421" y="29"/>
+                    <a:pt x="435" y="15"/>
+                    <a:pt x="450" y="1"/>
+                  </a:cubicBezTo>
+                  <a:cubicBezTo>
+                    <a:pt x="450" y="0"/>
+                    <a:pt x="450" y="0"/>
+                    <a:pt x="450" y="0"/>
+                  </a:cubicBezTo>
+                  <a:cubicBezTo>
+                    <a:pt x="434" y="14"/>
+                    <a:pt x="420" y="28"/>
+                    <a:pt x="405" y="43"/>
+                  </a:cubicBezTo>
+                  <a:cubicBezTo>
+                    <a:pt x="391" y="57"/>
+                    <a:pt x="377" y="72"/>
+                    <a:pt x="363" y="88"/>
+                  </a:cubicBezTo>
+                  <a:cubicBezTo>
+                    <a:pt x="335" y="118"/>
+                    <a:pt x="308" y="149"/>
+                    <a:pt x="283" y="181"/>
+                  </a:cubicBezTo>
+                  <a:cubicBezTo>
+                    <a:pt x="232" y="246"/>
+                    <a:pt x="185" y="314"/>
+                    <a:pt x="145" y="386"/>
+                  </a:cubicBezTo>
+                  <a:cubicBezTo>
+                    <a:pt x="104" y="457"/>
+                    <a:pt x="70" y="533"/>
+                    <a:pt x="45" y="611"/>
+                  </a:cubicBezTo>
+                  <a:cubicBezTo>
+                    <a:pt x="19" y="690"/>
+                    <a:pt x="3" y="771"/>
+                    <a:pt x="0" y="854"/>
+                  </a:cubicBezTo>
+                  <a:cubicBezTo>
+                    <a:pt x="0" y="856"/>
+                    <a:pt x="0" y="857"/>
+                    <a:pt x="0" y="859"/>
+                  </a:cubicBezTo>
+                  <a:cubicBezTo>
+                    <a:pt x="2" y="865"/>
+                    <a:pt x="4" y="872"/>
+                    <a:pt x="7" y="878"/>
+                  </a:cubicBezTo>
+                  <a:cubicBezTo>
+                    <a:pt x="7" y="870"/>
+                    <a:pt x="7" y="862"/>
+                    <a:pt x="7" y="854"/>
+                  </a:cubicBezTo>
+                  <a:close/>
+                </a:path>
+              </a:pathLst>
+            </a:custGeom>
+            <a:solidFill>
+              <a:schemeClr val="tx2">
+                <a:alpha val="20000"/>
+              </a:schemeClr>
+            </a:solidFill>
+            <a:ln>
+              <a:noFill/>
+            </a:ln>
+          </p:spPr>
+        </p:sp>
+        <p:sp>
+          <p:nvSpPr>
+            <p:cNvPr id="33" name="Freeform 20"/>
+            <p:cNvSpPr/>
+            <p:nvPr/>
+          </p:nvSpPr>
+          <p:spPr bwMode="auto">
+            <a:xfrm>
+              <a:off x="3273426" y="5653088"/>
+              <a:ext cx="138113" cy="287338"/>
+            </a:xfrm>
+            <a:custGeom>
+              <a:avLst/>
+              <a:gdLst/>
+              <a:ahLst/>
+              <a:cxnLst/>
+              <a:rect l="0" t="0" r="r" b="b"/>
+              <a:pathLst>
+                <a:path w="35" h="73">
+                  <a:moveTo>
+                    <a:pt x="0" y="0"/>
+                  </a:moveTo>
+                  <a:cubicBezTo>
+                    <a:pt x="7" y="24"/>
+                    <a:pt x="16" y="49"/>
+                    <a:pt x="26" y="73"/>
+                  </a:cubicBezTo>
+                  <a:cubicBezTo>
+                    <a:pt x="35" y="73"/>
+                    <a:pt x="35" y="73"/>
+                    <a:pt x="35" y="73"/>
+                  </a:cubicBezTo>
+                  <a:cubicBezTo>
+                    <a:pt x="23" y="49"/>
+                    <a:pt x="11" y="24"/>
+                    <a:pt x="0" y="0"/>
+                  </a:cubicBezTo>
+                  <a:close/>
+                </a:path>
+              </a:pathLst>
+            </a:custGeom>
+            <a:solidFill>
+              <a:schemeClr val="tx2">
+                <a:alpha val="20000"/>
+              </a:schemeClr>
+            </a:solidFill>
+            <a:ln>
+              <a:noFill/>
+            </a:ln>
+          </p:spPr>
+        </p:sp>
+        <p:sp>
+          <p:nvSpPr>
+            <p:cNvPr id="34" name="Freeform 21"/>
+            <p:cNvSpPr/>
+            <p:nvPr/>
+          </p:nvSpPr>
+          <p:spPr bwMode="auto">
+            <a:xfrm>
+              <a:off x="3143251" y="4656138"/>
+              <a:ext cx="31750" cy="188913"/>
+            </a:xfrm>
+            <a:custGeom>
+              <a:avLst/>
+              <a:gdLst/>
+              <a:ahLst/>
+              <a:cxnLst/>
+              <a:rect l="0" t="0" r="r" b="b"/>
+              <a:pathLst>
+                <a:path w="8" h="48">
+                  <a:moveTo>
+                    <a:pt x="7" y="44"/>
+                  </a:moveTo>
+                  <a:cubicBezTo>
+                    <a:pt x="7" y="46"/>
+                    <a:pt x="8" y="47"/>
+                    <a:pt x="8" y="48"/>
+                  </a:cubicBezTo>
+                  <a:cubicBezTo>
+                    <a:pt x="8" y="38"/>
+                    <a:pt x="8" y="29"/>
+                    <a:pt x="8" y="19"/>
+                  </a:cubicBezTo>
+                  <a:cubicBezTo>
+                    <a:pt x="5" y="13"/>
+                    <a:pt x="3" y="6"/>
+                    <a:pt x="1" y="0"/>
+                  </a:cubicBezTo>
+                  <a:cubicBezTo>
+                    <a:pt x="0" y="9"/>
+                    <a:pt x="0" y="17"/>
+                    <a:pt x="0" y="26"/>
+                  </a:cubicBezTo>
+                  <a:cubicBezTo>
+                    <a:pt x="2" y="32"/>
+                    <a:pt x="5" y="38"/>
+                    <a:pt x="7" y="44"/>
+                  </a:cubicBezTo>
+                  <a:close/>
+                </a:path>
+              </a:pathLst>
+            </a:custGeom>
+            <a:solidFill>
+              <a:schemeClr val="tx2">
+                <a:alpha val="20000"/>
+              </a:schemeClr>
+            </a:solidFill>
+            <a:ln>
+              <a:noFill/>
+            </a:ln>
+          </p:spPr>
+        </p:sp>
+        <p:sp>
+          <p:nvSpPr>
+            <p:cNvPr id="35" name="Freeform 22"/>
+            <p:cNvSpPr/>
+            <p:nvPr/>
+          </p:nvSpPr>
+          <p:spPr bwMode="auto">
+            <a:xfrm>
+              <a:off x="3211513" y="5410200"/>
+              <a:ext cx="203200" cy="530225"/>
+            </a:xfrm>
+            <a:custGeom>
+              <a:avLst/>
+              <a:gdLst/>
+              <a:ahLst/>
+              <a:cxnLst/>
+              <a:rect l="0" t="0" r="r" b="b"/>
+              <a:pathLst>
+                <a:path w="52" h="135">
+                  <a:moveTo>
+                    <a:pt x="7" y="18"/>
+                  </a:moveTo>
+                  <a:cubicBezTo>
+                    <a:pt x="5" y="12"/>
+                    <a:pt x="2" y="6"/>
+                    <a:pt x="0" y="0"/>
+                  </a:cubicBezTo>
+                  <a:cubicBezTo>
+                    <a:pt x="3" y="16"/>
+                    <a:pt x="7" y="32"/>
+                    <a:pt x="12" y="48"/>
+                  </a:cubicBezTo>
+                  <a:cubicBezTo>
+                    <a:pt x="13" y="53"/>
+                    <a:pt x="14" y="57"/>
+                    <a:pt x="16" y="62"/>
+                  </a:cubicBezTo>
+                  <a:cubicBezTo>
+                    <a:pt x="27" y="86"/>
+                    <a:pt x="39" y="111"/>
+                    <a:pt x="51" y="135"/>
+                  </a:cubicBezTo>
+                  <a:cubicBezTo>
+                    <a:pt x="52" y="135"/>
+                    <a:pt x="52" y="135"/>
+                    <a:pt x="52" y="135"/>
+                  </a:cubicBezTo>
+                  <a:cubicBezTo>
+                    <a:pt x="41" y="109"/>
+                    <a:pt x="32" y="83"/>
+                    <a:pt x="24" y="56"/>
+                  </a:cubicBezTo>
+                  <a:cubicBezTo>
+                    <a:pt x="18" y="43"/>
+                    <a:pt x="13" y="31"/>
+                    <a:pt x="7" y="18"/>
+                  </a:cubicBezTo>
+                  <a:close/>
+                </a:path>
+              </a:pathLst>
+            </a:custGeom>
+            <a:solidFill>
+              <a:schemeClr val="tx2">
+                <a:alpha val="20000"/>
+              </a:schemeClr>
+            </a:solidFill>
+            <a:ln>
+              <a:noFill/>
+            </a:ln>
+          </p:spPr>
+        </p:sp>
+      </p:grpSp>
+      <p:grpSp>
+        <p:nvGrpSpPr>
+          <p:cNvPr id="10" name="Group 9"/>
+          <p:cNvGrpSpPr/>
+          <p:nvPr/>
+        </p:nvGrpSpPr>
+        <p:grpSpPr>
+          <a:xfrm>
+            <a:off x="27221" y="-786"/>
+            <a:ext cx="2356674" cy="6854039"/>
+            <a:chOff x="6627813" y="194833"/>
+            <a:chExt cx="1952625" cy="5678918"/>
+          </a:xfrm>
+        </p:grpSpPr>
+        <p:sp>
+          <p:nvSpPr>
+            <p:cNvPr id="11" name="Freeform 27"/>
+            <p:cNvSpPr/>
+            <p:nvPr/>
+          </p:nvSpPr>
+          <p:spPr bwMode="auto">
+            <a:xfrm>
+              <a:off x="6627813" y="194833"/>
+              <a:ext cx="409575" cy="3646488"/>
+            </a:xfrm>
+            <a:custGeom>
+              <a:avLst/>
+              <a:gdLst/>
+              <a:ahLst/>
+              <a:cxnLst/>
+              <a:rect l="0" t="0" r="r" b="b"/>
+              <a:pathLst>
+                <a:path w="103" h="920">
+                  <a:moveTo>
+                    <a:pt x="7" y="210"/>
+                  </a:moveTo>
+                  <a:cubicBezTo>
+                    <a:pt x="11" y="288"/>
+                    <a:pt x="17" y="367"/>
+                    <a:pt x="26" y="445"/>
+                  </a:cubicBezTo>
+                  <a:cubicBezTo>
+                    <a:pt x="34" y="523"/>
+                    <a:pt x="44" y="601"/>
+                    <a:pt x="57" y="679"/>
+                  </a:cubicBezTo>
+                  <a:cubicBezTo>
+                    <a:pt x="69" y="757"/>
+                    <a:pt x="84" y="834"/>
+                    <a:pt x="101" y="911"/>
+                  </a:cubicBezTo>
+                  <a:cubicBezTo>
+                    <a:pt x="102" y="914"/>
+                    <a:pt x="103" y="917"/>
+                    <a:pt x="103" y="920"/>
+                  </a:cubicBezTo>
+                  <a:cubicBezTo>
+                    <a:pt x="102" y="905"/>
+                    <a:pt x="100" y="889"/>
+                    <a:pt x="99" y="874"/>
+                  </a:cubicBezTo>
+                  <a:cubicBezTo>
+                    <a:pt x="99" y="871"/>
+                    <a:pt x="99" y="868"/>
+                    <a:pt x="99" y="866"/>
+                  </a:cubicBezTo>
+                  <a:cubicBezTo>
+                    <a:pt x="85" y="803"/>
+                    <a:pt x="73" y="741"/>
+                    <a:pt x="63" y="678"/>
+                  </a:cubicBezTo>
+                  <a:cubicBezTo>
+                    <a:pt x="50" y="600"/>
+                    <a:pt x="39" y="523"/>
+                    <a:pt x="30" y="444"/>
+                  </a:cubicBezTo>
+                  <a:cubicBezTo>
+                    <a:pt x="21" y="366"/>
+                    <a:pt x="14" y="288"/>
+                    <a:pt x="9" y="209"/>
+                  </a:cubicBezTo>
+                  <a:cubicBezTo>
+                    <a:pt x="7" y="170"/>
+                    <a:pt x="5" y="131"/>
+                    <a:pt x="3" y="92"/>
+                  </a:cubicBezTo>
+                  <a:cubicBezTo>
+                    <a:pt x="2" y="61"/>
+                    <a:pt x="1" y="31"/>
+                    <a:pt x="1" y="0"/>
+                  </a:cubicBezTo>
+                  <a:cubicBezTo>
+                    <a:pt x="0" y="0"/>
+                    <a:pt x="0" y="0"/>
+                    <a:pt x="0" y="0"/>
+                  </a:cubicBezTo>
+                  <a:cubicBezTo>
+                    <a:pt x="0" y="31"/>
+                    <a:pt x="1" y="61"/>
+                    <a:pt x="1" y="92"/>
+                  </a:cubicBezTo>
+                  <a:cubicBezTo>
+                    <a:pt x="3" y="131"/>
+                    <a:pt x="4" y="170"/>
+                    <a:pt x="7" y="210"/>
+                  </a:cubicBezTo>
+                  <a:close/>
+                </a:path>
+              </a:pathLst>
+            </a:custGeom>
+            <a:solidFill>
+              <a:schemeClr val="tx2"/>
+            </a:solidFill>
+            <a:ln>
+              <a:noFill/>
+            </a:ln>
+          </p:spPr>
+        </p:sp>
+        <p:sp>
+          <p:nvSpPr>
+            <p:cNvPr id="12" name="Freeform 28"/>
+            <p:cNvSpPr/>
+            <p:nvPr/>
+          </p:nvSpPr>
+          <p:spPr bwMode="auto">
+            <a:xfrm>
+              <a:off x="7061201" y="3771900"/>
+              <a:ext cx="350838" cy="1309688"/>
+            </a:xfrm>
+            <a:custGeom>
+              <a:avLst/>
+              <a:gdLst/>
+              <a:ahLst/>
+              <a:cxnLst/>
+              <a:rect l="0" t="0" r="r" b="b"/>
+              <a:pathLst>
+                <a:path w="88" h="330">
+                  <a:moveTo>
+                    <a:pt x="53" y="229"/>
+                  </a:moveTo>
+                  <a:cubicBezTo>
+                    <a:pt x="64" y="263"/>
+                    <a:pt x="75" y="297"/>
+                    <a:pt x="88" y="330"/>
+                  </a:cubicBezTo>
+                  <a:cubicBezTo>
+                    <a:pt x="88" y="323"/>
+                    <a:pt x="88" y="315"/>
+                    <a:pt x="88" y="308"/>
+                  </a:cubicBezTo>
+                  <a:cubicBezTo>
+                    <a:pt x="88" y="307"/>
+                    <a:pt x="88" y="305"/>
+                    <a:pt x="88" y="304"/>
+                  </a:cubicBezTo>
+                  <a:cubicBezTo>
+                    <a:pt x="79" y="278"/>
+                    <a:pt x="70" y="252"/>
+                    <a:pt x="62" y="226"/>
+                  </a:cubicBezTo>
+                  <a:cubicBezTo>
+                    <a:pt x="38" y="152"/>
+                    <a:pt x="17" y="76"/>
+                    <a:pt x="0" y="0"/>
+                  </a:cubicBezTo>
+                  <a:cubicBezTo>
+                    <a:pt x="2" y="21"/>
+                    <a:pt x="4" y="42"/>
+                    <a:pt x="7" y="63"/>
+                  </a:cubicBezTo>
+                  <a:cubicBezTo>
+                    <a:pt x="21" y="119"/>
+                    <a:pt x="36" y="174"/>
+                    <a:pt x="53" y="229"/>
+                  </a:cubicBezTo>
+                  <a:close/>
+                </a:path>
+              </a:pathLst>
+            </a:custGeom>
+            <a:solidFill>
+              <a:schemeClr val="tx2"/>
+            </a:solidFill>
+            <a:ln>
+              <a:noFill/>
+            </a:ln>
+          </p:spPr>
+        </p:sp>
+        <p:sp>
+          <p:nvSpPr>
+            <p:cNvPr id="13" name="Freeform 29"/>
+            <p:cNvSpPr/>
+            <p:nvPr/>
+          </p:nvSpPr>
+          <p:spPr bwMode="auto">
+            <a:xfrm>
+              <a:off x="7439026" y="5053013"/>
+              <a:ext cx="357188" cy="820738"/>
+            </a:xfrm>
+            <a:custGeom>
+              <a:avLst/>
+              <a:gdLst/>
+              <a:ahLst/>
+              <a:cxnLst/>
+              <a:rect l="0" t="0" r="r" b="b"/>
+              <a:pathLst>
+                <a:path w="90" h="207">
+                  <a:moveTo>
+                    <a:pt x="6" y="15"/>
+                  </a:moveTo>
+                  <a:cubicBezTo>
+                    <a:pt x="4" y="10"/>
+                    <a:pt x="2" y="5"/>
+                    <a:pt x="0" y="0"/>
+                  </a:cubicBezTo>
+                  <a:cubicBezTo>
+                    <a:pt x="0" y="9"/>
+                    <a:pt x="0" y="19"/>
+                    <a:pt x="1" y="29"/>
+                  </a:cubicBezTo>
+                  <a:cubicBezTo>
+                    <a:pt x="14" y="62"/>
+                    <a:pt x="27" y="95"/>
+                    <a:pt x="42" y="127"/>
+                  </a:cubicBezTo>
+                  <a:cubicBezTo>
+                    <a:pt x="54" y="154"/>
+                    <a:pt x="67" y="181"/>
+                    <a:pt x="80" y="207"/>
+                  </a:cubicBezTo>
+                  <a:cubicBezTo>
+                    <a:pt x="90" y="207"/>
+                    <a:pt x="90" y="207"/>
+                    <a:pt x="90" y="207"/>
+                  </a:cubicBezTo>
+                  <a:cubicBezTo>
+                    <a:pt x="76" y="180"/>
+                    <a:pt x="63" y="152"/>
+                    <a:pt x="50" y="123"/>
+                  </a:cubicBezTo>
+                  <a:cubicBezTo>
+                    <a:pt x="34" y="88"/>
+                    <a:pt x="20" y="51"/>
+                    <a:pt x="6" y="15"/>
+                  </a:cubicBezTo>
+                  <a:close/>
+                </a:path>
+              </a:pathLst>
+            </a:custGeom>
+            <a:solidFill>
+              <a:schemeClr val="tx2"/>
+            </a:solidFill>
+            <a:ln>
+              <a:noFill/>
+            </a:ln>
+          </p:spPr>
+        </p:sp>
+        <p:sp>
+          <p:nvSpPr>
+            <p:cNvPr id="14" name="Freeform 30"/>
+            <p:cNvSpPr/>
+            <p:nvPr/>
+          </p:nvSpPr>
+          <p:spPr bwMode="auto">
+            <a:xfrm>
+              <a:off x="7037388" y="3811588"/>
+              <a:ext cx="457200" cy="1852613"/>
+            </a:xfrm>
+            <a:custGeom>
+              <a:avLst/>
+              <a:gdLst/>
+              <a:ahLst/>
+              <a:cxnLst/>
+              <a:rect l="0" t="0" r="r" b="b"/>
+              <a:pathLst>
+                <a:path w="115" h="467">
+                  <a:moveTo>
+                    <a:pt x="101" y="409"/>
+                  </a:moveTo>
+                  <a:cubicBezTo>
+                    <a:pt x="93" y="388"/>
+                    <a:pt x="85" y="366"/>
+                    <a:pt x="78" y="344"/>
+                  </a:cubicBezTo>
+                  <a:cubicBezTo>
+                    <a:pt x="57" y="281"/>
+                    <a:pt x="41" y="216"/>
+                    <a:pt x="29" y="151"/>
+                  </a:cubicBezTo>
+                  <a:cubicBezTo>
+                    <a:pt x="22" y="119"/>
+                    <a:pt x="17" y="86"/>
+                    <a:pt x="13" y="53"/>
+                  </a:cubicBezTo>
+                  <a:cubicBezTo>
+                    <a:pt x="9" y="35"/>
+                    <a:pt x="4" y="18"/>
+                    <a:pt x="0" y="0"/>
+                  </a:cubicBezTo>
+                  <a:cubicBezTo>
+                    <a:pt x="5" y="51"/>
+                    <a:pt x="12" y="102"/>
+                    <a:pt x="21" y="152"/>
+                  </a:cubicBezTo>
+                  <a:cubicBezTo>
+                    <a:pt x="33" y="218"/>
+                    <a:pt x="49" y="283"/>
+                    <a:pt x="69" y="347"/>
+                  </a:cubicBezTo>
+                  <a:cubicBezTo>
+                    <a:pt x="79" y="378"/>
+                    <a:pt x="90" y="410"/>
+                    <a:pt x="103" y="441"/>
+                  </a:cubicBezTo>
+                  <a:cubicBezTo>
+                    <a:pt x="107" y="449"/>
+                    <a:pt x="111" y="458"/>
+                    <a:pt x="115" y="467"/>
+                  </a:cubicBezTo>
+                  <a:cubicBezTo>
+                    <a:pt x="114" y="464"/>
+                    <a:pt x="113" y="461"/>
+                    <a:pt x="112" y="458"/>
+                  </a:cubicBezTo>
+                  <a:cubicBezTo>
+                    <a:pt x="108" y="442"/>
+                    <a:pt x="104" y="425"/>
+                    <a:pt x="101" y="409"/>
+                  </a:cubicBezTo>
+                  <a:close/>
+                </a:path>
+              </a:pathLst>
+            </a:custGeom>
+            <a:solidFill>
+              <a:schemeClr val="tx2"/>
+            </a:solidFill>
+            <a:ln>
+              <a:noFill/>
+            </a:ln>
+          </p:spPr>
+        </p:sp>
+        <p:sp>
+          <p:nvSpPr>
+            <p:cNvPr id="15" name="Freeform 31"/>
+            <p:cNvSpPr/>
+            <p:nvPr/>
+          </p:nvSpPr>
+          <p:spPr bwMode="auto">
+            <a:xfrm>
+              <a:off x="6992938" y="1263650"/>
+              <a:ext cx="144463" cy="2508250"/>
+            </a:xfrm>
+            <a:custGeom>
+              <a:avLst/>
+              <a:gdLst/>
+              <a:ahLst/>
+              <a:cxnLst/>
+              <a:rect l="0" t="0" r="r" b="b"/>
+              <a:pathLst>
+                <a:path w="36" h="633">
+                  <a:moveTo>
+                    <a:pt x="17" y="633"/>
+                  </a:moveTo>
+                  <a:cubicBezTo>
+                    <a:pt x="15" y="621"/>
+                    <a:pt x="14" y="609"/>
+                    <a:pt x="13" y="597"/>
+                  </a:cubicBezTo>
+                  <a:cubicBezTo>
+                    <a:pt x="8" y="530"/>
+                    <a:pt x="5" y="464"/>
+                    <a:pt x="5" y="398"/>
+                  </a:cubicBezTo>
+                  <a:cubicBezTo>
+                    <a:pt x="5" y="331"/>
+                    <a:pt x="8" y="265"/>
+                    <a:pt x="13" y="198"/>
+                  </a:cubicBezTo>
+                  <a:cubicBezTo>
+                    <a:pt x="15" y="165"/>
+                    <a:pt x="18" y="132"/>
+                    <a:pt x="22" y="99"/>
+                  </a:cubicBezTo>
+                  <a:cubicBezTo>
+                    <a:pt x="26" y="66"/>
+                    <a:pt x="30" y="33"/>
+                    <a:pt x="36" y="0"/>
+                  </a:cubicBezTo>
+                  <a:cubicBezTo>
+                    <a:pt x="35" y="0"/>
+                    <a:pt x="35" y="0"/>
+                    <a:pt x="35" y="0"/>
+                  </a:cubicBezTo>
+                  <a:cubicBezTo>
+                    <a:pt x="29" y="33"/>
+                    <a:pt x="24" y="66"/>
+                    <a:pt x="20" y="99"/>
+                  </a:cubicBezTo>
+                  <a:cubicBezTo>
+                    <a:pt x="16" y="132"/>
+                    <a:pt x="13" y="165"/>
+                    <a:pt x="10" y="198"/>
+                  </a:cubicBezTo>
+                  <a:cubicBezTo>
+                    <a:pt x="4" y="264"/>
+                    <a:pt x="1" y="331"/>
+                    <a:pt x="1" y="398"/>
+                  </a:cubicBezTo>
+                  <a:cubicBezTo>
+                    <a:pt x="0" y="461"/>
+                    <a:pt x="2" y="525"/>
+                    <a:pt x="7" y="589"/>
+                  </a:cubicBezTo>
+                  <a:cubicBezTo>
+                    <a:pt x="10" y="603"/>
+                    <a:pt x="13" y="618"/>
+                    <a:pt x="16" y="632"/>
+                  </a:cubicBezTo>
+                  <a:cubicBezTo>
+                    <a:pt x="16" y="632"/>
+                    <a:pt x="17" y="633"/>
+                    <a:pt x="17" y="633"/>
+                  </a:cubicBezTo>
+                  <a:close/>
+                </a:path>
+              </a:pathLst>
+            </a:custGeom>
+            <a:solidFill>
+              <a:schemeClr val="tx2"/>
+            </a:solidFill>
+            <a:ln>
+              <a:noFill/>
+            </a:ln>
+          </p:spPr>
+        </p:sp>
+        <p:sp>
+          <p:nvSpPr>
+            <p:cNvPr id="16" name="Freeform 32"/>
+            <p:cNvSpPr/>
+            <p:nvPr/>
+          </p:nvSpPr>
+          <p:spPr bwMode="auto">
+            <a:xfrm>
+              <a:off x="7526338" y="5640388"/>
+              <a:ext cx="111125" cy="233363"/>
+            </a:xfrm>
+            <a:custGeom>
+              <a:avLst/>
+              <a:gdLst/>
+              <a:ahLst/>
+              <a:cxnLst/>
+              <a:rect l="0" t="0" r="r" b="b"/>
+              <a:pathLst>
+                <a:path w="28" h="59">
+                  <a:moveTo>
+                    <a:pt x="22" y="59"/>
+                  </a:moveTo>
+                  <a:cubicBezTo>
+                    <a:pt x="28" y="59"/>
+                    <a:pt x="28" y="59"/>
+                    <a:pt x="28" y="59"/>
+                  </a:cubicBezTo>
+                  <a:cubicBezTo>
+                    <a:pt x="18" y="40"/>
+                    <a:pt x="9" y="20"/>
+                    <a:pt x="0" y="0"/>
+                  </a:cubicBezTo>
+                  <a:cubicBezTo>
+                    <a:pt x="6" y="20"/>
+                    <a:pt x="13" y="40"/>
+                    <a:pt x="22" y="59"/>
+                  </a:cubicBezTo>
+                  <a:close/>
+                </a:path>
+              </a:pathLst>
+            </a:custGeom>
+            <a:solidFill>
+              <a:schemeClr val="tx2"/>
+            </a:solidFill>
+            <a:ln>
+              <a:noFill/>
+            </a:ln>
+          </p:spPr>
+        </p:sp>
+        <p:sp>
+          <p:nvSpPr>
+            <p:cNvPr id="17" name="Freeform 33"/>
+            <p:cNvSpPr/>
+            <p:nvPr/>
+          </p:nvSpPr>
+          <p:spPr bwMode="auto">
+            <a:xfrm>
+              <a:off x="7021513" y="3598863"/>
+              <a:ext cx="68263" cy="423863"/>
+            </a:xfrm>
+            <a:custGeom>
+              <a:avLst/>
+              <a:gdLst/>
+              <a:ahLst/>
+              <a:cxnLst/>
+              <a:rect l="0" t="0" r="r" b="b"/>
+              <a:pathLst>
+                <a:path w="17" h="107">
+                  <a:moveTo>
+                    <a:pt x="4" y="54"/>
+                  </a:moveTo>
+                  <a:cubicBezTo>
+                    <a:pt x="8" y="72"/>
+                    <a:pt x="13" y="89"/>
+                    <a:pt x="17" y="107"/>
+                  </a:cubicBezTo>
+                  <a:cubicBezTo>
+                    <a:pt x="14" y="86"/>
+                    <a:pt x="12" y="65"/>
+                    <a:pt x="10" y="44"/>
+                  </a:cubicBezTo>
+                  <a:cubicBezTo>
+                    <a:pt x="10" y="44"/>
+                    <a:pt x="9" y="43"/>
+                    <a:pt x="9" y="43"/>
+                  </a:cubicBezTo>
+                  <a:cubicBezTo>
+                    <a:pt x="6" y="29"/>
+                    <a:pt x="3" y="14"/>
+                    <a:pt x="0" y="0"/>
+                  </a:cubicBezTo>
+                  <a:cubicBezTo>
+                    <a:pt x="0" y="2"/>
+                    <a:pt x="0" y="5"/>
+                    <a:pt x="0" y="8"/>
+                  </a:cubicBezTo>
+                  <a:cubicBezTo>
+                    <a:pt x="1" y="23"/>
+                    <a:pt x="3" y="39"/>
+                    <a:pt x="4" y="54"/>
+                  </a:cubicBezTo>
+                  <a:close/>
+                </a:path>
+              </a:pathLst>
+            </a:custGeom>
+            <a:solidFill>
+              <a:schemeClr val="tx2"/>
+            </a:solidFill>
+            <a:ln>
+              <a:noFill/>
+            </a:ln>
+          </p:spPr>
+        </p:sp>
+        <p:sp>
+          <p:nvSpPr>
+            <p:cNvPr id="18" name="Freeform 34"/>
+            <p:cNvSpPr/>
+            <p:nvPr/>
+          </p:nvSpPr>
+          <p:spPr bwMode="auto">
+            <a:xfrm>
+              <a:off x="7412038" y="2801938"/>
+              <a:ext cx="1168400" cy="2251075"/>
+            </a:xfrm>
+            <a:custGeom>
+              <a:avLst/>
+              <a:gdLst/>
+              <a:ahLst/>
+              <a:cxnLst/>
+              <a:rect l="0" t="0" r="r" b="b"/>
+              <a:pathLst>
+                <a:path w="294" h="568">
+                  <a:moveTo>
+                    <a:pt x="8" y="553"/>
+                  </a:moveTo>
+                  <a:cubicBezTo>
+                    <a:pt x="9" y="501"/>
+                    <a:pt x="19" y="448"/>
+                    <a:pt x="35" y="397"/>
+                  </a:cubicBezTo>
+                  <a:cubicBezTo>
+                    <a:pt x="51" y="347"/>
+                    <a:pt x="73" y="298"/>
+                    <a:pt x="99" y="252"/>
+                  </a:cubicBezTo>
+                  <a:cubicBezTo>
+                    <a:pt x="124" y="205"/>
+                    <a:pt x="154" y="161"/>
+                    <a:pt x="187" y="119"/>
+                  </a:cubicBezTo>
+                  <a:cubicBezTo>
+                    <a:pt x="203" y="98"/>
+                    <a:pt x="220" y="77"/>
+                    <a:pt x="238" y="58"/>
+                  </a:cubicBezTo>
+                  <a:cubicBezTo>
+                    <a:pt x="247" y="48"/>
+                    <a:pt x="256" y="38"/>
+                    <a:pt x="265" y="28"/>
+                  </a:cubicBezTo>
+                  <a:cubicBezTo>
+                    <a:pt x="274" y="19"/>
+                    <a:pt x="284" y="9"/>
+                    <a:pt x="294" y="0"/>
+                  </a:cubicBezTo>
+                  <a:cubicBezTo>
+                    <a:pt x="293" y="0"/>
+                    <a:pt x="293" y="0"/>
+                    <a:pt x="293" y="0"/>
+                  </a:cubicBezTo>
+                  <a:cubicBezTo>
+                    <a:pt x="283" y="9"/>
+                    <a:pt x="273" y="18"/>
+                    <a:pt x="264" y="27"/>
+                  </a:cubicBezTo>
+                  <a:cubicBezTo>
+                    <a:pt x="255" y="37"/>
+                    <a:pt x="246" y="47"/>
+                    <a:pt x="237" y="56"/>
+                  </a:cubicBezTo>
+                  <a:cubicBezTo>
+                    <a:pt x="218" y="76"/>
+                    <a:pt x="201" y="96"/>
+                    <a:pt x="185" y="117"/>
+                  </a:cubicBezTo>
+                  <a:cubicBezTo>
+                    <a:pt x="151" y="159"/>
+                    <a:pt x="121" y="203"/>
+                    <a:pt x="95" y="249"/>
+                  </a:cubicBezTo>
+                  <a:cubicBezTo>
+                    <a:pt x="68" y="296"/>
+                    <a:pt x="46" y="345"/>
+                    <a:pt x="30" y="396"/>
+                  </a:cubicBezTo>
+                  <a:cubicBezTo>
+                    <a:pt x="13" y="445"/>
+                    <a:pt x="3" y="497"/>
+                    <a:pt x="0" y="549"/>
+                  </a:cubicBezTo>
+                  <a:cubicBezTo>
+                    <a:pt x="3" y="555"/>
+                    <a:pt x="5" y="561"/>
+                    <a:pt x="7" y="568"/>
+                  </a:cubicBezTo>
+                  <a:cubicBezTo>
+                    <a:pt x="7" y="563"/>
+                    <a:pt x="7" y="558"/>
+                    <a:pt x="8" y="553"/>
+                  </a:cubicBezTo>
+                  <a:close/>
+                </a:path>
+              </a:pathLst>
+            </a:custGeom>
+            <a:solidFill>
+              <a:schemeClr val="tx2"/>
+            </a:solidFill>
+            <a:ln>
+              <a:noFill/>
+            </a:ln>
+          </p:spPr>
+        </p:sp>
+        <p:sp>
+          <p:nvSpPr>
+            <p:cNvPr id="19" name="Freeform 35"/>
+            <p:cNvSpPr/>
+            <p:nvPr/>
+          </p:nvSpPr>
+          <p:spPr bwMode="auto">
+            <a:xfrm>
+              <a:off x="7494588" y="5664200"/>
+              <a:ext cx="100013" cy="209550"/>
+            </a:xfrm>
+            <a:custGeom>
+              <a:avLst/>
+              <a:gdLst/>
+              <a:ahLst/>
+              <a:cxnLst/>
+              <a:rect l="0" t="0" r="r" b="b"/>
+              <a:pathLst>
+                <a:path w="25" h="53">
+                  <a:moveTo>
+                    <a:pt x="0" y="0"/>
+                  </a:moveTo>
+                  <a:cubicBezTo>
+                    <a:pt x="5" y="18"/>
+                    <a:pt x="12" y="36"/>
+                    <a:pt x="19" y="53"/>
+                  </a:cubicBezTo>
+                  <a:cubicBezTo>
+                    <a:pt x="25" y="53"/>
+                    <a:pt x="25" y="53"/>
+                    <a:pt x="25" y="53"/>
+                  </a:cubicBezTo>
+                  <a:cubicBezTo>
+                    <a:pt x="16" y="36"/>
+                    <a:pt x="8" y="18"/>
+                    <a:pt x="0" y="0"/>
+                  </a:cubicBezTo>
+                  <a:close/>
+                </a:path>
+              </a:pathLst>
+            </a:custGeom>
+            <a:solidFill>
+              <a:schemeClr val="tx2"/>
+            </a:solidFill>
+            <a:ln>
+              <a:noFill/>
+            </a:ln>
+          </p:spPr>
+        </p:sp>
+        <p:sp>
+          <p:nvSpPr>
+            <p:cNvPr id="20" name="Freeform 36"/>
+            <p:cNvSpPr/>
+            <p:nvPr/>
+          </p:nvSpPr>
+          <p:spPr bwMode="auto">
+            <a:xfrm>
+              <a:off x="7412038" y="5081588"/>
+              <a:ext cx="114300" cy="558800"/>
+            </a:xfrm>
+            <a:custGeom>
+              <a:avLst/>
+              <a:gdLst/>
+              <a:ahLst/>
+              <a:cxnLst/>
+              <a:rect l="0" t="0" r="r" b="b"/>
+              <a:pathLst>
+                <a:path w="29" h="141">
+                  <a:moveTo>
+                    <a:pt x="0" y="0"/>
+                  </a:moveTo>
+                  <a:cubicBezTo>
+                    <a:pt x="0" y="30"/>
+                    <a:pt x="2" y="60"/>
+                    <a:pt x="7" y="89"/>
+                  </a:cubicBezTo>
+                  <a:cubicBezTo>
+                    <a:pt x="11" y="98"/>
+                    <a:pt x="14" y="108"/>
+                    <a:pt x="18" y="117"/>
+                  </a:cubicBezTo>
+                  <a:cubicBezTo>
+                    <a:pt x="22" y="125"/>
+                    <a:pt x="25" y="133"/>
+                    <a:pt x="29" y="141"/>
+                  </a:cubicBezTo>
+                  <a:cubicBezTo>
+                    <a:pt x="28" y="139"/>
+                    <a:pt x="28" y="137"/>
+                    <a:pt x="27" y="135"/>
+                  </a:cubicBezTo>
+                  <a:cubicBezTo>
+                    <a:pt x="16" y="98"/>
+                    <a:pt x="10" y="60"/>
+                    <a:pt x="8" y="22"/>
+                  </a:cubicBezTo>
+                  <a:cubicBezTo>
+                    <a:pt x="7" y="18"/>
+                    <a:pt x="5" y="15"/>
+                    <a:pt x="4" y="11"/>
+                  </a:cubicBezTo>
+                  <a:cubicBezTo>
+                    <a:pt x="2" y="7"/>
+                    <a:pt x="1" y="3"/>
+                    <a:pt x="0" y="0"/>
+                  </a:cubicBezTo>
+                  <a:close/>
+                </a:path>
+              </a:pathLst>
+            </a:custGeom>
+            <a:solidFill>
+              <a:schemeClr val="tx2"/>
+            </a:solidFill>
+            <a:ln>
+              <a:noFill/>
+            </a:ln>
+          </p:spPr>
+        </p:sp>
+        <p:sp>
+          <p:nvSpPr>
+            <p:cNvPr id="21" name="Freeform 37"/>
+            <p:cNvSpPr/>
+            <p:nvPr/>
+          </p:nvSpPr>
+          <p:spPr bwMode="auto">
+            <a:xfrm>
+              <a:off x="7412038" y="4978400"/>
+              <a:ext cx="31750" cy="188913"/>
+            </a:xfrm>
+            <a:custGeom>
+              <a:avLst/>
+              <a:gdLst/>
+              <a:ahLst/>
+              <a:cxnLst/>
+              <a:rect l="0" t="0" r="r" b="b"/>
+              <a:pathLst>
+                <a:path w="8" h="48">
+                  <a:moveTo>
+                    <a:pt x="0" y="26"/>
+                  </a:moveTo>
+                  <a:cubicBezTo>
+                    <a:pt x="1" y="29"/>
+                    <a:pt x="2" y="33"/>
+                    <a:pt x="4" y="37"/>
+                  </a:cubicBezTo>
+                  <a:cubicBezTo>
+                    <a:pt x="5" y="41"/>
+                    <a:pt x="7" y="44"/>
+                    <a:pt x="8" y="48"/>
+                  </a:cubicBezTo>
+                  <a:cubicBezTo>
+                    <a:pt x="7" y="38"/>
+                    <a:pt x="7" y="28"/>
+                    <a:pt x="7" y="19"/>
+                  </a:cubicBezTo>
+                  <a:cubicBezTo>
+                    <a:pt x="5" y="12"/>
+                    <a:pt x="3" y="6"/>
+                    <a:pt x="0" y="0"/>
+                  </a:cubicBezTo>
+                  <a:cubicBezTo>
+                    <a:pt x="0" y="1"/>
+                    <a:pt x="0" y="3"/>
+                    <a:pt x="0" y="4"/>
+                  </a:cubicBezTo>
+                  <a:cubicBezTo>
+                    <a:pt x="0" y="11"/>
+                    <a:pt x="0" y="19"/>
+                    <a:pt x="0" y="26"/>
+                  </a:cubicBezTo>
+                  <a:close/>
+                </a:path>
+              </a:pathLst>
+            </a:custGeom>
+            <a:solidFill>
+              <a:schemeClr val="tx2"/>
+            </a:solidFill>
+            <a:ln>
+              <a:noFill/>
+            </a:ln>
+          </p:spPr>
+        </p:sp>
+        <p:sp>
+          <p:nvSpPr>
+            <p:cNvPr id="22" name="Freeform 38"/>
+            <p:cNvSpPr/>
+            <p:nvPr/>
+          </p:nvSpPr>
+          <p:spPr bwMode="auto">
+            <a:xfrm>
+              <a:off x="7439026" y="5434013"/>
+              <a:ext cx="174625" cy="439738"/>
+            </a:xfrm>
+            <a:custGeom>
+              <a:avLst/>
+              <a:gdLst/>
+              <a:ahLst/>
+              <a:cxnLst/>
+              <a:rect l="0" t="0" r="r" b="b"/>
+              <a:pathLst>
+                <a:path w="44" h="111">
+                  <a:moveTo>
+                    <a:pt x="11" y="28"/>
+                  </a:moveTo>
+                  <a:cubicBezTo>
+                    <a:pt x="7" y="19"/>
+                    <a:pt x="4" y="9"/>
+                    <a:pt x="0" y="0"/>
+                  </a:cubicBezTo>
+                  <a:cubicBezTo>
+                    <a:pt x="3" y="16"/>
+                    <a:pt x="7" y="33"/>
+                    <a:pt x="11" y="49"/>
+                  </a:cubicBezTo>
+                  <a:cubicBezTo>
+                    <a:pt x="12" y="52"/>
+                    <a:pt x="13" y="55"/>
+                    <a:pt x="14" y="58"/>
+                  </a:cubicBezTo>
+                  <a:cubicBezTo>
+                    <a:pt x="22" y="76"/>
+                    <a:pt x="30" y="94"/>
+                    <a:pt x="39" y="111"/>
+                  </a:cubicBezTo>
+                  <a:cubicBezTo>
+                    <a:pt x="44" y="111"/>
+                    <a:pt x="44" y="111"/>
+                    <a:pt x="44" y="111"/>
+                  </a:cubicBezTo>
+                  <a:cubicBezTo>
+                    <a:pt x="35" y="92"/>
+                    <a:pt x="28" y="72"/>
+                    <a:pt x="22" y="52"/>
+                  </a:cubicBezTo>
+                  <a:cubicBezTo>
+                    <a:pt x="18" y="44"/>
+                    <a:pt x="15" y="36"/>
+                    <a:pt x="11" y="28"/>
+                  </a:cubicBezTo>
+                  <a:close/>
+                </a:path>
+              </a:pathLst>
+            </a:custGeom>
+            <a:solidFill>
+              <a:schemeClr val="tx2"/>
+            </a:solidFill>
+            <a:ln>
+              <a:noFill/>
+            </a:ln>
+          </p:spPr>
+        </p:sp>
+      </p:grpSp>
+      <p:sp>
+        <p:nvSpPr>
+          <p:cNvPr id="7" name="Rectangle 6"/>
+          <p:cNvSpPr/>
+          <p:nvPr/>
+        </p:nvSpPr>
+        <p:spPr>
+          <a:xfrm>
+            <a:off x="0" y="0"/>
+            <a:ext cx="182880" cy="6858000"/>
+          </a:xfrm>
+          <a:prstGeom prst="rect">
+            <a:avLst/>
+          </a:prstGeom>
+          <a:solidFill>
+            <a:schemeClr val="tx2"/>
+          </a:solidFill>
+          <a:ln>
+            <a:noFill/>
+          </a:ln>
+          <a:effectLst/>
+        </p:spPr>
+        <p:style>
+          <a:lnRef idx="1">
+            <a:schemeClr val="accent1"/>
+          </a:lnRef>
+          <a:fillRef idx="3">
+            <a:schemeClr val="accent1"/>
+          </a:fillRef>
+          <a:effectRef idx="2">
+            <a:schemeClr val="accent1"/>
+          </a:effectRef>
+          <a:fontRef idx="minor">
+            <a:schemeClr val="lt1"/>
+          </a:fontRef>
+        </p:style>
+      </p:sp>
       <p:sp>
         <p:nvSpPr>
           <p:cNvPr id="2" name="Title Placeholder 1"/>
@@ -3498,15 +8092,15 @@
         </p:nvSpPr>
         <p:spPr>
           <a:xfrm>
-            <a:off x="838200" y="365125"/>
-            <a:ext cx="10515600" cy="1325563"/>
+            <a:off x="2592924" y="624110"/>
+            <a:ext cx="8911687" cy="1280890"/>
           </a:xfrm>
           <a:prstGeom prst="rect">
             <a:avLst/>
           </a:prstGeom>
         </p:spPr>
         <p:txBody>
-          <a:bodyPr vert="horz" lIns="91440" tIns="45720" rIns="91440" bIns="45720" rtlCol="0" anchor="ctr">
+          <a:bodyPr vert="horz" lIns="91440" tIns="45720" rIns="91440" bIns="45720" rtlCol="0" anchor="t">
             <a:normAutofit/>
           </a:bodyPr>
           <a:lstStyle/>
@@ -3515,7 +8109,7 @@
               <a:rPr lang="en-US" smtClean="0"/>
               <a:t>Click to edit Master title style</a:t>
             </a:r>
-            <a:endParaRPr lang="en-US"/>
+            <a:endParaRPr lang="en-US" dirty="0"/>
           </a:p>
         </p:txBody>
       </p:sp>
@@ -3531,8 +8125,8 @@
         </p:nvSpPr>
         <p:spPr>
           <a:xfrm>
-            <a:off x="838200" y="1825625"/>
-            <a:ext cx="10515600" cy="4351338"/>
+            <a:off x="2589212" y="2133600"/>
+            <a:ext cx="8915400" cy="3886200"/>
           </a:xfrm>
           <a:prstGeom prst="rect">
             <a:avLst/>
@@ -3577,7 +8171,7 @@
               <a:rPr lang="en-US" smtClean="0"/>
               <a:t>Fifth level</a:t>
             </a:r>
-            <a:endParaRPr lang="en-US"/>
+            <a:endParaRPr lang="en-US" dirty="0"/>
           </a:p>
         </p:txBody>
       </p:sp>
@@ -3593,8 +8187,8 @@
         </p:nvSpPr>
         <p:spPr>
           <a:xfrm>
-            <a:off x="838200" y="6356350"/>
-            <a:ext cx="2743200" cy="365125"/>
+            <a:off x="10361612" y="6130437"/>
+            <a:ext cx="1146283" cy="370396"/>
           </a:xfrm>
           <a:prstGeom prst="rect">
             <a:avLst/>
@@ -3603,8 +8197,8 @@
         <p:txBody>
           <a:bodyPr vert="horz" lIns="91440" tIns="45720" rIns="91440" bIns="45720" rtlCol="0" anchor="ctr"/>
           <a:lstStyle>
-            <a:lvl1pPr algn="l">
-              <a:defRPr sz="1200">
+            <a:lvl1pPr algn="r">
+              <a:defRPr sz="900">
                 <a:solidFill>
                   <a:schemeClr val="tx1">
                     <a:tint val="75000"/>
@@ -3634,8 +8228,8 @@
         </p:nvSpPr>
         <p:spPr>
           <a:xfrm>
-            <a:off x="4038600" y="6356350"/>
-            <a:ext cx="4114800" cy="365125"/>
+            <a:off x="2589212" y="6135808"/>
+            <a:ext cx="7619999" cy="365125"/>
           </a:xfrm>
           <a:prstGeom prst="rect">
             <a:avLst/>
@@ -3644,8 +8238,8 @@
         <p:txBody>
           <a:bodyPr vert="horz" lIns="91440" tIns="45720" rIns="91440" bIns="45720" rtlCol="0" anchor="ctr"/>
           <a:lstStyle>
-            <a:lvl1pPr algn="ctr">
-              <a:defRPr sz="1200">
+            <a:lvl1pPr algn="l">
+              <a:defRPr sz="900">
                 <a:solidFill>
                   <a:schemeClr val="tx1">
                     <a:tint val="75000"/>
@@ -3669,10 +8263,10 @@
             <p:ph type="sldNum" sz="quarter" idx="4"/>
           </p:nvPr>
         </p:nvSpPr>
-        <p:spPr>
+        <p:spPr bwMode="gray">
           <a:xfrm>
-            <a:off x="8610600" y="6356350"/>
-            <a:ext cx="2743200" cy="365125"/>
+            <a:off x="531812" y="787782"/>
+            <a:ext cx="779767" cy="365125"/>
           </a:xfrm>
           <a:prstGeom prst="rect">
             <a:avLst/>
@@ -3682,11 +8276,9 @@
           <a:bodyPr vert="horz" lIns="91440" tIns="45720" rIns="91440" bIns="45720" rtlCol="0" anchor="ctr"/>
           <a:lstStyle>
             <a:lvl1pPr algn="r">
-              <a:defRPr sz="1200">
+              <a:defRPr sz="2000">
                 <a:solidFill>
-                  <a:schemeClr val="tx1">
-                    <a:tint val="75000"/>
-                  </a:schemeClr>
+                  <a:srgbClr val="FEFFFF"/>
                 </a:solidFill>
               </a:defRPr>
             </a:lvl1pPr>
@@ -3703,201 +8295,316 @@
     </p:spTree>
     <p:extLst>
       <p:ext uri="{BB962C8B-B14F-4D97-AF65-F5344CB8AC3E}">
-        <p14:creationId xmlns:p14="http://schemas.microsoft.com/office/powerpoint/2010/main" val="1804289383"/>
+        <p14:creationId xmlns:p14="http://schemas.microsoft.com/office/powerpoint/2010/main" val="1154695172"/>
       </p:ext>
     </p:extLst>
   </p:cSld>
   <p:clrMap bg1="lt1" tx1="dk1" bg2="lt2" tx2="dk2" accent1="accent1" accent2="accent2" accent3="accent3" accent4="accent4" accent5="accent5" accent6="accent6" hlink="hlink" folHlink="folHlink"/>
   <p:sldLayoutIdLst>
-    <p:sldLayoutId id="2147483649" r:id="rId1"/>
-    <p:sldLayoutId id="2147483650" r:id="rId2"/>
-    <p:sldLayoutId id="2147483651" r:id="rId3"/>
-    <p:sldLayoutId id="2147483652" r:id="rId4"/>
-    <p:sldLayoutId id="2147483653" r:id="rId5"/>
-    <p:sldLayoutId id="2147483654" r:id="rId6"/>
-    <p:sldLayoutId id="2147483655" r:id="rId7"/>
-    <p:sldLayoutId id="2147483656" r:id="rId8"/>
-    <p:sldLayoutId id="2147483657" r:id="rId9"/>
-    <p:sldLayoutId id="2147483658" r:id="rId10"/>
-    <p:sldLayoutId id="2147483659" r:id="rId11"/>
+    <p:sldLayoutId id="2147483721" r:id="rId1"/>
+    <p:sldLayoutId id="2147483722" r:id="rId2"/>
+    <p:sldLayoutId id="2147483723" r:id="rId3"/>
+    <p:sldLayoutId id="2147483724" r:id="rId4"/>
+    <p:sldLayoutId id="2147483725" r:id="rId5"/>
+    <p:sldLayoutId id="2147483726" r:id="rId6"/>
+    <p:sldLayoutId id="2147483727" r:id="rId7"/>
+    <p:sldLayoutId id="2147483728" r:id="rId8"/>
+    <p:sldLayoutId id="2147483729" r:id="rId9"/>
+    <p:sldLayoutId id="2147483730" r:id="rId10"/>
+    <p:sldLayoutId id="2147483731" r:id="rId11"/>
+    <p:sldLayoutId id="2147483732" r:id="rId12"/>
+    <p:sldLayoutId id="2147483733" r:id="rId13"/>
+    <p:sldLayoutId id="2147483734" r:id="rId14"/>
+    <p:sldLayoutId id="2147483735" r:id="rId15"/>
+    <p:sldLayoutId id="2147483736" r:id="rId16"/>
   </p:sldLayoutIdLst>
   <p:txStyles>
     <p:titleStyle>
-      <a:lvl1pPr algn="l" defTabSz="914400" rtl="0" eaLnBrk="1" latinLnBrk="0" hangingPunct="1">
-        <a:lnSpc>
-          <a:spcPct val="90000"/>
-        </a:lnSpc>
+      <a:lvl1pPr algn="l" defTabSz="457200" rtl="0" eaLnBrk="1" latinLnBrk="0" hangingPunct="1">
         <a:spcBef>
           <a:spcPct val="0"/>
         </a:spcBef>
         <a:buNone/>
-        <a:defRPr sz="4400" kern="1200">
+        <a:defRPr sz="3600" kern="1200">
           <a:solidFill>
-            <a:schemeClr val="tx1"/>
+            <a:schemeClr val="tx1">
+              <a:lumMod val="85000"/>
+              <a:lumOff val="15000"/>
+            </a:schemeClr>
           </a:solidFill>
           <a:latin typeface="+mj-lt"/>
           <a:ea typeface="+mj-ea"/>
           <a:cs typeface="+mj-cs"/>
         </a:defRPr>
       </a:lvl1pPr>
+      <a:lvl2pPr eaLnBrk="1" hangingPunct="1">
+        <a:defRPr>
+          <a:solidFill>
+            <a:schemeClr val="tx2"/>
+          </a:solidFill>
+        </a:defRPr>
+      </a:lvl2pPr>
+      <a:lvl3pPr eaLnBrk="1" hangingPunct="1">
+        <a:defRPr>
+          <a:solidFill>
+            <a:schemeClr val="tx2"/>
+          </a:solidFill>
+        </a:defRPr>
+      </a:lvl3pPr>
+      <a:lvl4pPr eaLnBrk="1" hangingPunct="1">
+        <a:defRPr>
+          <a:solidFill>
+            <a:schemeClr val="tx2"/>
+          </a:solidFill>
+        </a:defRPr>
+      </a:lvl4pPr>
+      <a:lvl5pPr eaLnBrk="1" hangingPunct="1">
+        <a:defRPr>
+          <a:solidFill>
+            <a:schemeClr val="tx2"/>
+          </a:solidFill>
+        </a:defRPr>
+      </a:lvl5pPr>
+      <a:lvl6pPr eaLnBrk="1" hangingPunct="1">
+        <a:defRPr>
+          <a:solidFill>
+            <a:schemeClr val="tx2"/>
+          </a:solidFill>
+        </a:defRPr>
+      </a:lvl6pPr>
+      <a:lvl7pPr eaLnBrk="1" hangingPunct="1">
+        <a:defRPr>
+          <a:solidFill>
+            <a:schemeClr val="tx2"/>
+          </a:solidFill>
+        </a:defRPr>
+      </a:lvl7pPr>
+      <a:lvl8pPr eaLnBrk="1" hangingPunct="1">
+        <a:defRPr>
+          <a:solidFill>
+            <a:schemeClr val="tx2"/>
+          </a:solidFill>
+        </a:defRPr>
+      </a:lvl8pPr>
+      <a:lvl9pPr eaLnBrk="1" hangingPunct="1">
+        <a:defRPr>
+          <a:solidFill>
+            <a:schemeClr val="tx2"/>
+          </a:solidFill>
+        </a:defRPr>
+      </a:lvl9pPr>
     </p:titleStyle>
     <p:bodyStyle>
-      <a:lvl1pPr marL="228600" indent="-228600" algn="l" defTabSz="914400" rtl="0" eaLnBrk="1" latinLnBrk="0" hangingPunct="1">
-        <a:lnSpc>
-          <a:spcPct val="90000"/>
-        </a:lnSpc>
+      <a:lvl1pPr marL="342900" indent="-342900" algn="l" defTabSz="457200" rtl="0" eaLnBrk="1" latinLnBrk="0" hangingPunct="1">
         <a:spcBef>
           <a:spcPts val="1000"/>
         </a:spcBef>
-        <a:buFont typeface="Arial"/>
-        <a:buChar char="•"/>
-        <a:defRPr sz="2800" kern="1200">
+        <a:spcAft>
+          <a:spcPts val="0"/>
+        </a:spcAft>
+        <a:buClr>
+          <a:schemeClr val="accent1"/>
+        </a:buClr>
+        <a:buFont typeface="Wingdings 3" charset="2"/>
+        <a:buChar char=""/>
+        <a:defRPr sz="1800" kern="1200">
           <a:solidFill>
-            <a:schemeClr val="tx1"/>
+            <a:schemeClr val="tx1">
+              <a:lumMod val="75000"/>
+              <a:lumOff val="25000"/>
+            </a:schemeClr>
           </a:solidFill>
           <a:latin typeface="+mn-lt"/>
           <a:ea typeface="+mn-ea"/>
           <a:cs typeface="+mn-cs"/>
         </a:defRPr>
       </a:lvl1pPr>
-      <a:lvl2pPr marL="685800" indent="-228600" algn="l" defTabSz="914400" rtl="0" eaLnBrk="1" latinLnBrk="0" hangingPunct="1">
-        <a:lnSpc>
-          <a:spcPct val="90000"/>
-        </a:lnSpc>
+      <a:lvl2pPr marL="742950" indent="-285750" algn="l" defTabSz="457200" rtl="0" eaLnBrk="1" latinLnBrk="0" hangingPunct="1">
         <a:spcBef>
-          <a:spcPts val="500"/>
+          <a:spcPts val="1000"/>
         </a:spcBef>
-        <a:buFont typeface="Arial"/>
-        <a:buChar char="•"/>
-        <a:defRPr sz="2400" kern="1200">
+        <a:spcAft>
+          <a:spcPts val="0"/>
+        </a:spcAft>
+        <a:buClr>
+          <a:schemeClr val="accent1"/>
+        </a:buClr>
+        <a:buFont typeface="Wingdings 3" charset="2"/>
+        <a:buChar char=""/>
+        <a:defRPr sz="1600" kern="1200">
           <a:solidFill>
-            <a:schemeClr val="tx1"/>
+            <a:schemeClr val="tx1">
+              <a:lumMod val="75000"/>
+              <a:lumOff val="25000"/>
+            </a:schemeClr>
           </a:solidFill>
           <a:latin typeface="+mn-lt"/>
           <a:ea typeface="+mn-ea"/>
           <a:cs typeface="+mn-cs"/>
         </a:defRPr>
       </a:lvl2pPr>
-      <a:lvl3pPr marL="1143000" indent="-228600" algn="l" defTabSz="914400" rtl="0" eaLnBrk="1" latinLnBrk="0" hangingPunct="1">
-        <a:lnSpc>
-          <a:spcPct val="90000"/>
-        </a:lnSpc>
+      <a:lvl3pPr marL="1143000" indent="-228600" algn="l" defTabSz="457200" rtl="0" eaLnBrk="1" latinLnBrk="0" hangingPunct="1">
         <a:spcBef>
-          <a:spcPts val="500"/>
+          <a:spcPts val="1000"/>
         </a:spcBef>
-        <a:buFont typeface="Arial"/>
-        <a:buChar char="•"/>
-        <a:defRPr sz="2000" kern="1200">
+        <a:spcAft>
+          <a:spcPts val="0"/>
+        </a:spcAft>
+        <a:buClr>
+          <a:schemeClr val="accent1"/>
+        </a:buClr>
+        <a:buFont typeface="Wingdings 3" charset="2"/>
+        <a:buChar char=""/>
+        <a:defRPr sz="1400" kern="1200">
           <a:solidFill>
-            <a:schemeClr val="tx1"/>
+            <a:schemeClr val="tx1">
+              <a:lumMod val="75000"/>
+              <a:lumOff val="25000"/>
+            </a:schemeClr>
           </a:solidFill>
           <a:latin typeface="+mn-lt"/>
           <a:ea typeface="+mn-ea"/>
           <a:cs typeface="+mn-cs"/>
         </a:defRPr>
       </a:lvl3pPr>
-      <a:lvl4pPr marL="1600200" indent="-228600" algn="l" defTabSz="914400" rtl="0" eaLnBrk="1" latinLnBrk="0" hangingPunct="1">
-        <a:lnSpc>
-          <a:spcPct val="90000"/>
-        </a:lnSpc>
+      <a:lvl4pPr marL="1600200" indent="-228600" algn="l" defTabSz="457200" rtl="0" eaLnBrk="1" latinLnBrk="0" hangingPunct="1">
         <a:spcBef>
-          <a:spcPts val="500"/>
+          <a:spcPts val="1000"/>
         </a:spcBef>
-        <a:buFont typeface="Arial"/>
-        <a:buChar char="•"/>
-        <a:defRPr sz="1800" kern="1200">
+        <a:spcAft>
+          <a:spcPts val="0"/>
+        </a:spcAft>
+        <a:buClr>
+          <a:schemeClr val="accent1"/>
+        </a:buClr>
+        <a:buFont typeface="Wingdings 3" charset="2"/>
+        <a:buChar char=""/>
+        <a:defRPr sz="1200" kern="1200">
           <a:solidFill>
-            <a:schemeClr val="tx1"/>
+            <a:schemeClr val="tx1">
+              <a:lumMod val="75000"/>
+              <a:lumOff val="25000"/>
+            </a:schemeClr>
           </a:solidFill>
           <a:latin typeface="+mn-lt"/>
           <a:ea typeface="+mn-ea"/>
           <a:cs typeface="+mn-cs"/>
         </a:defRPr>
       </a:lvl4pPr>
-      <a:lvl5pPr marL="2057400" indent="-228600" algn="l" defTabSz="914400" rtl="0" eaLnBrk="1" latinLnBrk="0" hangingPunct="1">
-        <a:lnSpc>
-          <a:spcPct val="90000"/>
-        </a:lnSpc>
+      <a:lvl5pPr marL="2057400" indent="-228600" algn="l" defTabSz="457200" rtl="0" eaLnBrk="1" latinLnBrk="0" hangingPunct="1">
         <a:spcBef>
-          <a:spcPts val="500"/>
+          <a:spcPts val="1000"/>
         </a:spcBef>
-        <a:buFont typeface="Arial"/>
-        <a:buChar char="•"/>
-        <a:defRPr sz="1800" kern="1200">
+        <a:spcAft>
+          <a:spcPts val="0"/>
+        </a:spcAft>
+        <a:buClr>
+          <a:schemeClr val="accent1"/>
+        </a:buClr>
+        <a:buFont typeface="Wingdings 3" charset="2"/>
+        <a:buChar char=""/>
+        <a:defRPr sz="1200" kern="1200">
           <a:solidFill>
-            <a:schemeClr val="tx1"/>
+            <a:schemeClr val="tx1">
+              <a:lumMod val="75000"/>
+              <a:lumOff val="25000"/>
+            </a:schemeClr>
           </a:solidFill>
           <a:latin typeface="+mn-lt"/>
           <a:ea typeface="+mn-ea"/>
           <a:cs typeface="+mn-cs"/>
         </a:defRPr>
       </a:lvl5pPr>
-      <a:lvl6pPr marL="2514600" indent="-228600" algn="l" defTabSz="914400" rtl="0" eaLnBrk="1" latinLnBrk="0" hangingPunct="1">
-        <a:lnSpc>
-          <a:spcPct val="90000"/>
-        </a:lnSpc>
+      <a:lvl6pPr marL="2514600" indent="-228600" algn="l" defTabSz="457200" rtl="0" eaLnBrk="1" latinLnBrk="0" hangingPunct="1">
         <a:spcBef>
-          <a:spcPts val="500"/>
+          <a:spcPts val="1000"/>
         </a:spcBef>
-        <a:buFont typeface="Arial"/>
-        <a:buChar char="•"/>
-        <a:defRPr sz="1800" kern="1200">
+        <a:spcAft>
+          <a:spcPts val="0"/>
+        </a:spcAft>
+        <a:buClr>
+          <a:schemeClr val="accent1"/>
+        </a:buClr>
+        <a:buFont typeface="Wingdings 3" charset="2"/>
+        <a:buChar char=""/>
+        <a:defRPr sz="1200" kern="1200">
           <a:solidFill>
-            <a:schemeClr val="tx1"/>
+            <a:schemeClr val="tx1">
+              <a:lumMod val="75000"/>
+              <a:lumOff val="25000"/>
+            </a:schemeClr>
           </a:solidFill>
           <a:latin typeface="+mn-lt"/>
           <a:ea typeface="+mn-ea"/>
           <a:cs typeface="+mn-cs"/>
         </a:defRPr>
       </a:lvl6pPr>
-      <a:lvl7pPr marL="2971800" indent="-228600" algn="l" defTabSz="914400" rtl="0" eaLnBrk="1" latinLnBrk="0" hangingPunct="1">
-        <a:lnSpc>
-          <a:spcPct val="90000"/>
-        </a:lnSpc>
+      <a:lvl7pPr marL="2971800" indent="-228600" algn="l" defTabSz="457200" rtl="0" eaLnBrk="1" latinLnBrk="0" hangingPunct="1">
         <a:spcBef>
-          <a:spcPts val="500"/>
+          <a:spcPts val="1000"/>
         </a:spcBef>
-        <a:buFont typeface="Arial"/>
-        <a:buChar char="•"/>
-        <a:defRPr sz="1800" kern="1200">
+        <a:spcAft>
+          <a:spcPts val="0"/>
+        </a:spcAft>
+        <a:buClr>
+          <a:schemeClr val="accent1"/>
+        </a:buClr>
+        <a:buFont typeface="Wingdings 3" charset="2"/>
+        <a:buChar char=""/>
+        <a:defRPr sz="1200" kern="1200">
           <a:solidFill>
-            <a:schemeClr val="tx1"/>
+            <a:schemeClr val="tx1">
+              <a:lumMod val="75000"/>
+              <a:lumOff val="25000"/>
+            </a:schemeClr>
           </a:solidFill>
           <a:latin typeface="+mn-lt"/>
           <a:ea typeface="+mn-ea"/>
           <a:cs typeface="+mn-cs"/>
         </a:defRPr>
       </a:lvl7pPr>
-      <a:lvl8pPr marL="3429000" indent="-228600" algn="l" defTabSz="914400" rtl="0" eaLnBrk="1" latinLnBrk="0" hangingPunct="1">
-        <a:lnSpc>
-          <a:spcPct val="90000"/>
-        </a:lnSpc>
+      <a:lvl8pPr marL="3429000" indent="-228600" algn="l" defTabSz="457200" rtl="0" eaLnBrk="1" latinLnBrk="0" hangingPunct="1">
         <a:spcBef>
-          <a:spcPts val="500"/>
+          <a:spcPts val="1000"/>
         </a:spcBef>
-        <a:buFont typeface="Arial"/>
-        <a:buChar char="•"/>
-        <a:defRPr sz="1800" kern="1200">
+        <a:spcAft>
+          <a:spcPts val="0"/>
+        </a:spcAft>
+        <a:buClr>
+          <a:schemeClr val="accent1"/>
+        </a:buClr>
+        <a:buFont typeface="Wingdings 3" charset="2"/>
+        <a:buChar char=""/>
+        <a:defRPr sz="1200" kern="1200">
           <a:solidFill>
-            <a:schemeClr val="tx1"/>
+            <a:schemeClr val="tx1">
+              <a:lumMod val="75000"/>
+              <a:lumOff val="25000"/>
+            </a:schemeClr>
           </a:solidFill>
           <a:latin typeface="+mn-lt"/>
           <a:ea typeface="+mn-ea"/>
           <a:cs typeface="+mn-cs"/>
         </a:defRPr>
       </a:lvl8pPr>
-      <a:lvl9pPr marL="3886200" indent="-228600" algn="l" defTabSz="914400" rtl="0" eaLnBrk="1" latinLnBrk="0" hangingPunct="1">
-        <a:lnSpc>
-          <a:spcPct val="90000"/>
-        </a:lnSpc>
+      <a:lvl9pPr marL="3886200" indent="-228600" algn="l" defTabSz="457200" rtl="0" eaLnBrk="1" latinLnBrk="0" hangingPunct="1">
         <a:spcBef>
-          <a:spcPts val="500"/>
+          <a:spcPts val="1000"/>
         </a:spcBef>
-        <a:buFont typeface="Arial"/>
-        <a:buChar char="•"/>
-        <a:defRPr sz="1800" kern="1200">
+        <a:spcAft>
+          <a:spcPts val="0"/>
+        </a:spcAft>
+        <a:buClr>
+          <a:schemeClr val="accent1"/>
+        </a:buClr>
+        <a:buFont typeface="Wingdings 3" charset="2"/>
+        <a:buChar char=""/>
+        <a:defRPr sz="1200" kern="1200">
           <a:solidFill>
-            <a:schemeClr val="tx1"/>
+            <a:schemeClr val="tx1">
+              <a:lumMod val="75000"/>
+              <a:lumOff val="25000"/>
+            </a:schemeClr>
           </a:solidFill>
           <a:latin typeface="+mn-lt"/>
           <a:ea typeface="+mn-ea"/>
@@ -3909,7 +8616,7 @@
       <a:defPPr>
         <a:defRPr lang="en-US"/>
       </a:defPPr>
-      <a:lvl1pPr marL="0" algn="l" defTabSz="914400" rtl="0" eaLnBrk="1" latinLnBrk="0" hangingPunct="1">
+      <a:lvl1pPr marL="0" algn="l" defTabSz="457200" rtl="0" eaLnBrk="1" latinLnBrk="0" hangingPunct="1">
         <a:defRPr sz="1800" kern="1200">
           <a:solidFill>
             <a:schemeClr val="tx1"/>
@@ -3919,7 +8626,7 @@
           <a:cs typeface="+mn-cs"/>
         </a:defRPr>
       </a:lvl1pPr>
-      <a:lvl2pPr marL="457200" algn="l" defTabSz="914400" rtl="0" eaLnBrk="1" latinLnBrk="0" hangingPunct="1">
+      <a:lvl2pPr marL="457200" algn="l" defTabSz="457200" rtl="0" eaLnBrk="1" latinLnBrk="0" hangingPunct="1">
         <a:defRPr sz="1800" kern="1200">
           <a:solidFill>
             <a:schemeClr val="tx1"/>
@@ -3929,7 +8636,7 @@
           <a:cs typeface="+mn-cs"/>
         </a:defRPr>
       </a:lvl2pPr>
-      <a:lvl3pPr marL="914400" algn="l" defTabSz="914400" rtl="0" eaLnBrk="1" latinLnBrk="0" hangingPunct="1">
+      <a:lvl3pPr marL="914400" algn="l" defTabSz="457200" rtl="0" eaLnBrk="1" latinLnBrk="0" hangingPunct="1">
         <a:defRPr sz="1800" kern="1200">
           <a:solidFill>
             <a:schemeClr val="tx1"/>
@@ -3939,7 +8646,7 @@
           <a:cs typeface="+mn-cs"/>
         </a:defRPr>
       </a:lvl3pPr>
-      <a:lvl4pPr marL="1371600" algn="l" defTabSz="914400" rtl="0" eaLnBrk="1" latinLnBrk="0" hangingPunct="1">
+      <a:lvl4pPr marL="1371600" algn="l" defTabSz="457200" rtl="0" eaLnBrk="1" latinLnBrk="0" hangingPunct="1">
         <a:defRPr sz="1800" kern="1200">
           <a:solidFill>
             <a:schemeClr val="tx1"/>
@@ -3949,7 +8656,7 @@
           <a:cs typeface="+mn-cs"/>
         </a:defRPr>
       </a:lvl4pPr>
-      <a:lvl5pPr marL="1828800" algn="l" defTabSz="914400" rtl="0" eaLnBrk="1" latinLnBrk="0" hangingPunct="1">
+      <a:lvl5pPr marL="1828800" algn="l" defTabSz="457200" rtl="0" eaLnBrk="1" latinLnBrk="0" hangingPunct="1">
         <a:defRPr sz="1800" kern="1200">
           <a:solidFill>
             <a:schemeClr val="tx1"/>
@@ -3959,7 +8666,7 @@
           <a:cs typeface="+mn-cs"/>
         </a:defRPr>
       </a:lvl5pPr>
-      <a:lvl6pPr marL="2286000" algn="l" defTabSz="914400" rtl="0" eaLnBrk="1" latinLnBrk="0" hangingPunct="1">
+      <a:lvl6pPr marL="2286000" algn="l" defTabSz="457200" rtl="0" eaLnBrk="1" latinLnBrk="0" hangingPunct="1">
         <a:defRPr sz="1800" kern="1200">
           <a:solidFill>
             <a:schemeClr val="tx1"/>
@@ -3969,7 +8676,7 @@
           <a:cs typeface="+mn-cs"/>
         </a:defRPr>
       </a:lvl6pPr>
-      <a:lvl7pPr marL="2743200" algn="l" defTabSz="914400" rtl="0" eaLnBrk="1" latinLnBrk="0" hangingPunct="1">
+      <a:lvl7pPr marL="2743200" algn="l" defTabSz="457200" rtl="0" eaLnBrk="1" latinLnBrk="0" hangingPunct="1">
         <a:defRPr sz="1800" kern="1200">
           <a:solidFill>
             <a:schemeClr val="tx1"/>
@@ -3979,7 +8686,7 @@
           <a:cs typeface="+mn-cs"/>
         </a:defRPr>
       </a:lvl7pPr>
-      <a:lvl8pPr marL="3200400" algn="l" defTabSz="914400" rtl="0" eaLnBrk="1" latinLnBrk="0" hangingPunct="1">
+      <a:lvl8pPr marL="3200400" algn="l" defTabSz="457200" rtl="0" eaLnBrk="1" latinLnBrk="0" hangingPunct="1">
         <a:defRPr sz="1800" kern="1200">
           <a:solidFill>
             <a:schemeClr val="tx1"/>
@@ -3989,7 +8696,7 @@
           <a:cs typeface="+mn-cs"/>
         </a:defRPr>
       </a:lvl8pPr>
-      <a:lvl9pPr marL="3657600" algn="l" defTabSz="914400" rtl="0" eaLnBrk="1" latinLnBrk="0" hangingPunct="1">
+      <a:lvl9pPr marL="3657600" algn="l" defTabSz="457200" rtl="0" eaLnBrk="1" latinLnBrk="0" hangingPunct="1">
         <a:defRPr sz="1800" kern="1200">
           <a:solidFill>
             <a:schemeClr val="tx1"/>
@@ -4031,11 +8738,17 @@
             <p:ph type="ctrTitle"/>
           </p:nvPr>
         </p:nvSpPr>
-        <p:spPr/>
+        <p:spPr>
+          <a:xfrm>
+            <a:off x="2589210" y="798579"/>
+            <a:ext cx="8915399" cy="2262781"/>
+          </a:xfrm>
+        </p:spPr>
         <p:txBody>
           <a:bodyPr/>
           <a:lstStyle/>
           <a:p>
+            <a:pPr algn="r"/>
             <a:r>
               <a:rPr lang="en-US" dirty="0" smtClean="0"/>
               <a:t>Evaluating Campaign Finance</a:t>
@@ -4054,67 +8767,66 @@
             <p:ph type="subTitle" idx="1"/>
           </p:nvPr>
         </p:nvSpPr>
-        <p:spPr/>
+        <p:spPr>
+          <a:xfrm>
+            <a:off x="2589210" y="3793531"/>
+            <a:ext cx="8915399" cy="2468373"/>
+          </a:xfrm>
+        </p:spPr>
         <p:txBody>
           <a:bodyPr>
-            <a:normAutofit fontScale="70000" lnSpcReduction="20000"/>
+            <a:noAutofit/>
           </a:bodyPr>
           <a:lstStyle/>
           <a:p>
-            <a:pPr algn="r"/>
             <a:r>
               <a:rPr lang="en-US" u="sng" dirty="0" smtClean="0"/>
               <a:t>50% Chance of Awesome</a:t>
             </a:r>
           </a:p>
           <a:p>
-            <a:pPr algn="r"/>
             <a:r>
-              <a:rPr lang="en-US" sz="2000" dirty="0" smtClean="0"/>
+              <a:rPr lang="en-US" dirty="0" smtClean="0"/>
               <a:t>Timothy </a:t>
             </a:r>
             <a:r>
-              <a:rPr lang="en-US" sz="2000" dirty="0" err="1" smtClean="0"/>
+              <a:rPr lang="en-US" dirty="0" err="1" smtClean="0"/>
               <a:t>Ahn</a:t>
             </a:r>
-            <a:endParaRPr lang="en-US" sz="2000" dirty="0" smtClean="0"/>
+            <a:endParaRPr lang="en-US" dirty="0" smtClean="0"/>
           </a:p>
           <a:p>
-            <a:pPr algn="r"/>
             <a:r>
-              <a:rPr lang="en-US" sz="2000" dirty="0" err="1" smtClean="0"/>
+              <a:rPr lang="en-US" dirty="0" err="1" smtClean="0"/>
               <a:t>Arif</a:t>
             </a:r>
             <a:r>
-              <a:rPr lang="en-US" sz="2000" dirty="0" smtClean="0"/>
+              <a:rPr lang="en-US" dirty="0" smtClean="0"/>
               <a:t> Ali</a:t>
             </a:r>
           </a:p>
           <a:p>
-            <a:pPr algn="r"/>
             <a:r>
-              <a:rPr lang="en-US" sz="2000" dirty="0" smtClean="0"/>
+              <a:rPr lang="en-US" dirty="0" smtClean="0"/>
               <a:t>John Hotchkiss</a:t>
             </a:r>
           </a:p>
           <a:p>
-            <a:pPr algn="r"/>
             <a:r>
-              <a:rPr lang="en-US" sz="2000" dirty="0" smtClean="0"/>
+              <a:rPr lang="en-US" dirty="0" smtClean="0"/>
               <a:t>Joshua Kaplan</a:t>
             </a:r>
           </a:p>
           <a:p>
-            <a:pPr algn="r"/>
             <a:r>
-              <a:rPr lang="en-US" sz="2000" dirty="0" err="1" smtClean="0"/>
+              <a:rPr lang="en-US" dirty="0" err="1" smtClean="0"/>
               <a:t>Hongkai</a:t>
             </a:r>
             <a:r>
-              <a:rPr lang="en-US" sz="2000" dirty="0" smtClean="0"/>
+              <a:rPr lang="en-US" dirty="0" smtClean="0"/>
               <a:t> Wu</a:t>
             </a:r>
-            <a:endParaRPr lang="en-US" sz="2000" dirty="0"/>
+            <a:endParaRPr lang="en-US" dirty="0"/>
           </a:p>
         </p:txBody>
       </p:sp>
@@ -4167,7 +8879,9 @@
         </p:nvSpPr>
         <p:spPr/>
         <p:txBody>
-          <a:bodyPr/>
+          <a:bodyPr>
+            <a:normAutofit/>
+          </a:bodyPr>
           <a:lstStyle/>
           <a:p>
             <a:r>
@@ -6682,6 +11396,13 @@
   <p:clrMapOvr>
     <a:masterClrMapping/>
   </p:clrMapOvr>
+  <p:timing>
+    <p:tnLst>
+      <p:par>
+        <p:cTn id="1" dur="indefinite" restart="never" nodeType="tmRoot"/>
+      </p:par>
+    </p:tnLst>
+  </p:timing>
 </p:sld>
 </file>
 
@@ -6777,6 +11498,13 @@
   <p:clrMapOvr>
     <a:masterClrMapping/>
   </p:clrMapOvr>
+  <p:timing>
+    <p:tnLst>
+      <p:par>
+        <p:cTn id="1" dur="indefinite" restart="never" nodeType="tmRoot"/>
+      </p:par>
+    </p:tnLst>
+  </p:timing>
 </p:sld>
 </file>
 
@@ -6856,7 +11584,7 @@
                 <a:ea typeface="Calibri" charset="0"/>
                 <a:cs typeface="Calibri" charset="0"/>
               </a:rPr>
-              <a:t>(# </a:t>
+              <a:t>% </a:t>
             </a:r>
             <a:r>
               <a:rPr lang="en-US" dirty="0">
@@ -6864,7 +11592,7 @@
                 <a:ea typeface="Calibri" charset="0"/>
                 <a:cs typeface="Calibri" charset="0"/>
               </a:rPr>
-              <a:t>of right predictions) / (all </a:t>
+              <a:t>of </a:t>
             </a:r>
             <a:r>
               <a:rPr lang="en-US" dirty="0" smtClean="0">
@@ -6872,8 +11600,13 @@
                 <a:ea typeface="Calibri" charset="0"/>
                 <a:cs typeface="Calibri" charset="0"/>
               </a:rPr>
-              <a:t>predictions)</a:t>
+              <a:t>predictions that are right</a:t>
             </a:r>
+            <a:endParaRPr lang="en-US" dirty="0" smtClean="0">
+              <a:latin typeface="Calibri" charset="0"/>
+              <a:ea typeface="Calibri" charset="0"/>
+              <a:cs typeface="Calibri" charset="0"/>
+            </a:endParaRPr>
           </a:p>
           <a:p>
             <a:pPr marL="443484" indent="-443484" defTabSz="566674">
@@ -6941,7 +11674,7 @@
                 <a:ea typeface="Calibri" charset="0"/>
                 <a:cs typeface="Calibri" charset="0"/>
               </a:rPr>
-              <a:t>: consider both precision and </a:t>
+              <a:t>: consider both precision </a:t>
             </a:r>
             <a:r>
               <a:rPr lang="en-US" dirty="0" smtClean="0">
@@ -6949,7 +11682,7 @@
                 <a:ea typeface="Calibri" charset="0"/>
                 <a:cs typeface="Calibri" charset="0"/>
               </a:rPr>
-              <a:t>recall</a:t>
+              <a:t>&amp; recall</a:t>
             </a:r>
             <a:endParaRPr lang="en-US" dirty="0">
               <a:latin typeface="Calibri" charset="0"/>
@@ -6969,6 +11702,13 @@
   <p:clrMapOvr>
     <a:masterClrMapping/>
   </p:clrMapOvr>
+  <p:timing>
+    <p:tnLst>
+      <p:par>
+        <p:cTn id="1" dur="indefinite" restart="never" nodeType="tmRoot"/>
+      </p:par>
+    </p:tnLst>
+  </p:timing>
 </p:sld>
 </file>
 
@@ -7013,7 +11753,7 @@
       </p:sp>
       <p:pic>
         <p:nvPicPr>
-          <p:cNvPr id="4" name="Content Placeholder 3"/>
+          <p:cNvPr id="5" name="Content Placeholder 4"/>
           <p:cNvPicPr>
             <a:picLocks noGrp="1" noChangeAspect="1"/>
           </p:cNvPicPr>
@@ -7035,8 +11775,8 @@
         </p:blipFill>
         <p:spPr>
           <a:xfrm>
-            <a:off x="2463800" y="2267744"/>
-            <a:ext cx="7264400" cy="3467100"/>
+            <a:off x="2592925" y="2002419"/>
+            <a:ext cx="8872153" cy="2627453"/>
           </a:xfrm>
         </p:spPr>
       </p:pic>
@@ -7050,6 +11790,13 @@
   <p:clrMapOvr>
     <a:masterClrMapping/>
   </p:clrMapOvr>
+  <p:timing>
+    <p:tnLst>
+      <p:par>
+        <p:cTn id="1" dur="indefinite" restart="never" nodeType="tmRoot"/>
+      </p:par>
+    </p:tnLst>
+  </p:timing>
 </p:sld>
 </file>
 
@@ -7102,7 +11849,12 @@
             <p:ph idx="1"/>
           </p:nvPr>
         </p:nvSpPr>
-        <p:spPr/>
+        <p:spPr>
+          <a:xfrm>
+            <a:off x="2589212" y="2168324"/>
+            <a:ext cx="8915400" cy="3777622"/>
+          </a:xfrm>
+        </p:spPr>
         <p:txBody>
           <a:bodyPr/>
           <a:lstStyle/>
@@ -7135,8 +11887,8 @@
         </p:blipFill>
         <p:spPr>
           <a:xfrm>
-            <a:off x="2500132" y="2353164"/>
-            <a:ext cx="5405584" cy="3958736"/>
+            <a:off x="2777924" y="2556602"/>
+            <a:ext cx="5127792" cy="3755297"/>
           </a:xfrm>
           <a:prstGeom prst="rect">
             <a:avLst/>
@@ -7156,6 +11908,13 @@
   <p:clrMapOvr>
     <a:masterClrMapping/>
   </p:clrMapOvr>
+  <p:timing>
+    <p:tnLst>
+      <p:par>
+        <p:cTn id="1" dur="indefinite" restart="never" nodeType="tmRoot"/>
+      </p:par>
+    </p:tnLst>
+  </p:timing>
 </p:sld>
 </file>
 
@@ -7250,6 +12009,13 @@
   <p:clrMapOvr>
     <a:masterClrMapping/>
   </p:clrMapOvr>
+  <p:timing>
+    <p:tnLst>
+      <p:par>
+        <p:cTn id="1" dur="indefinite" restart="never" nodeType="tmRoot"/>
+      </p:par>
+    </p:tnLst>
+  </p:timing>
 </p:sld>
 </file>
 
@@ -7404,6 +12170,13 @@
   <p:clrMapOvr>
     <a:masterClrMapping/>
   </p:clrMapOvr>
+  <p:timing>
+    <p:tnLst>
+      <p:par>
+        <p:cTn id="1" dur="indefinite" restart="never" nodeType="tmRoot"/>
+      </p:par>
+    </p:tnLst>
+  </p:timing>
 </p:sld>
 </file>
 
@@ -7471,8 +12244,8 @@
         </p:blipFill>
         <p:spPr>
           <a:xfrm>
-            <a:off x="2780700" y="1592283"/>
-            <a:ext cx="6630599" cy="4703581"/>
+            <a:off x="6072245" y="3330690"/>
+            <a:ext cx="1949335" cy="1384069"/>
           </a:xfrm>
         </p:spPr>
       </p:pic>
@@ -7900,6 +12673,13 @@
   <p:clrMapOvr>
     <a:masterClrMapping/>
   </p:clrMapOvr>
+  <p:timing>
+    <p:tnLst>
+      <p:par>
+        <p:cTn id="1" dur="indefinite" restart="never" nodeType="tmRoot"/>
+      </p:par>
+    </p:tnLst>
+  </p:timing>
 </p:sld>
 </file>
 
@@ -8539,13 +13319,8 @@
             </a:r>
             <a:r>
               <a:rPr lang="en-US" dirty="0" smtClean="0"/>
-              <a:t>Ideas</a:t>
+              <a:t>Ideas:</a:t>
             </a:r>
-            <a:r>
-              <a:rPr lang="en-US" dirty="0" smtClean="0"/>
-              <a:t>:</a:t>
-            </a:r>
-            <a:endParaRPr lang="en-US" dirty="0" smtClean="0"/>
           </a:p>
           <a:p>
             <a:pPr lvl="2"/>
@@ -8589,19 +13364,16 @@
             <a:pPr lvl="2"/>
             <a:r>
               <a:rPr lang="en-US" dirty="0" smtClean="0"/>
-              <a:t>The </a:t>
-            </a:r>
-            <a:r>
-              <a:rPr lang="en-US" dirty="0" smtClean="0"/>
-              <a:t>idea morphed into looking at total campaign contributions </a:t>
+              <a:t>The idea morphed into looking at total campaign contributions </a:t>
             </a:r>
           </a:p>
           <a:p>
             <a:pPr lvl="2"/>
             <a:r>
               <a:rPr lang="en-US" dirty="0" smtClean="0"/>
-              <a:t>Due to uncovering very little with respect to stock changes and voting shifts </a:t>
+              <a:t>Stock Data didn’t seem to affect election results. </a:t>
             </a:r>
+            <a:endParaRPr lang="en-US" dirty="0" smtClean="0"/>
           </a:p>
           <a:p>
             <a:pPr lvl="3"/>
@@ -9028,11 +13800,7 @@
           <a:p>
             <a:r>
               <a:rPr lang="en-US" dirty="0" smtClean="0"/>
-              <a:t>Stocks </a:t>
-            </a:r>
-            <a:r>
-              <a:rPr lang="en-US" dirty="0" smtClean="0"/>
-              <a:t>aren’t significantly affected by election results</a:t>
+              <a:t>Stocks aren’t significantly affected by election results</a:t>
             </a:r>
           </a:p>
           <a:p>
@@ -9262,6 +14030,9 @@
               </a:rPr>
               <a:t>hw271/ds_visualization/USCongressionalDistrict/index.html</a:t>
             </a:r>
+            <a:endParaRPr lang="en-US" smtClean="0"/>
+          </a:p>
+          <a:p>
             <a:endParaRPr lang="en-US" dirty="0" smtClean="0"/>
           </a:p>
           <a:p>
@@ -9279,6 +14050,13 @@
   <p:clrMapOvr>
     <a:masterClrMapping/>
   </p:clrMapOvr>
+  <p:timing>
+    <p:tnLst>
+      <p:par>
+        <p:cTn id="1" dur="indefinite" restart="never" nodeType="tmRoot"/>
+      </p:par>
+    </p:tnLst>
+  </p:timing>
 </p:sld>
 </file>
 
@@ -9334,7 +14112,9 @@
         </p:nvSpPr>
         <p:spPr/>
         <p:txBody>
-          <a:bodyPr/>
+          <a:bodyPr>
+            <a:normAutofit/>
+          </a:bodyPr>
           <a:lstStyle/>
           <a:p>
             <a:pPr marL="0" indent="0">
@@ -21057,9 +25837,9 @@
 </file>
 
 <file path=ppt/theme/theme1.xml><?xml version="1.0" encoding="utf-8"?>
-<a:theme xmlns:a="http://schemas.openxmlformats.org/drawingml/2006/main" name="Office Theme">
+<a:theme xmlns:a="http://schemas.openxmlformats.org/drawingml/2006/main" name="Wisp">
   <a:themeElements>
-    <a:clrScheme name="Office">
+    <a:clrScheme name="Wisp">
       <a:dk1>
         <a:sysClr val="windowText" lastClr="000000"/>
       </a:dk1>
@@ -21067,83 +25847,48 @@
         <a:sysClr val="window" lastClr="FFFFFF"/>
       </a:lt1>
       <a:dk2>
-        <a:srgbClr val="44546A"/>
+        <a:srgbClr val="766F54"/>
       </a:dk2>
       <a:lt2>
-        <a:srgbClr val="E7E6E6"/>
+        <a:srgbClr val="E3EACF"/>
       </a:lt2>
       <a:accent1>
-        <a:srgbClr val="5B9BD5"/>
+        <a:srgbClr val="A53010"/>
       </a:accent1>
       <a:accent2>
-        <a:srgbClr val="ED7D31"/>
+        <a:srgbClr val="DE7E18"/>
       </a:accent2>
       <a:accent3>
-        <a:srgbClr val="A5A5A5"/>
+        <a:srgbClr val="9F8351"/>
       </a:accent3>
       <a:accent4>
-        <a:srgbClr val="FFC000"/>
+        <a:srgbClr val="728653"/>
       </a:accent4>
       <a:accent5>
-        <a:srgbClr val="4472C4"/>
+        <a:srgbClr val="92AA4C"/>
       </a:accent5>
       <a:accent6>
-        <a:srgbClr val="70AD47"/>
+        <a:srgbClr val="6AAC91"/>
       </a:accent6>
       <a:hlink>
-        <a:srgbClr val="0563C1"/>
+        <a:srgbClr val="FB4A18"/>
       </a:hlink>
       <a:folHlink>
-        <a:srgbClr val="954F72"/>
+        <a:srgbClr val="FB9318"/>
       </a:folHlink>
     </a:clrScheme>
-    <a:fontScheme name="Office">
+    <a:fontScheme name="Wisp">
       <a:majorFont>
-        <a:latin typeface="Calibri Light" panose="020F0302020204030204"/>
+        <a:latin typeface="Century Gothic" panose="020B0502020202020204"/>
         <a:ea typeface=""/>
         <a:cs typeface=""/>
-        <a:font script="Jpan" typeface="ＭＳ Ｐゴシック"/>
-        <a:font script="Hang" typeface="맑은 고딕"/>
-        <a:font script="Hans" typeface="宋体"/>
-        <a:font script="Hant" typeface="新細明體"/>
-        <a:font script="Arab" typeface="Times New Roman"/>
-        <a:font script="Hebr" typeface="Times New Roman"/>
-        <a:font script="Thai" typeface="Angsana New"/>
-        <a:font script="Ethi" typeface="Nyala"/>
-        <a:font script="Beng" typeface="Vrinda"/>
-        <a:font script="Gujr" typeface="Shruti"/>
-        <a:font script="Khmr" typeface="MoolBoran"/>
-        <a:font script="Knda" typeface="Tunga"/>
-        <a:font script="Guru" typeface="Raavi"/>
-        <a:font script="Cans" typeface="Euphemia"/>
-        <a:font script="Cher" typeface="Plantagenet Cherokee"/>
-        <a:font script="Yiii" typeface="Microsoft Yi Baiti"/>
-        <a:font script="Tibt" typeface="Microsoft Himalaya"/>
-        <a:font script="Thaa" typeface="MV Boli"/>
-        <a:font script="Deva" typeface="Mangal"/>
-        <a:font script="Telu" typeface="Gautami"/>
-        <a:font script="Taml" typeface="Latha"/>
-        <a:font script="Syrc" typeface="Estrangelo Edessa"/>
-        <a:font script="Orya" typeface="Kalinga"/>
-        <a:font script="Mlym" typeface="Kartika"/>
-        <a:font script="Laoo" typeface="DokChampa"/>
-        <a:font script="Sinh" typeface="Iskoola Pota"/>
-        <a:font script="Mong" typeface="Mongolian Baiti"/>
-        <a:font script="Viet" typeface="Times New Roman"/>
-        <a:font script="Uigh" typeface="Microsoft Uighur"/>
-        <a:font script="Geor" typeface="Sylfaen"/>
-      </a:majorFont>
-      <a:minorFont>
-        <a:latin typeface="Calibri" panose="020F0502020204030204"/>
-        <a:ea typeface=""/>
-        <a:cs typeface=""/>
-        <a:font script="Jpan" typeface="ＭＳ Ｐゴシック"/>
-        <a:font script="Hang" typeface="맑은 고딕"/>
-        <a:font script="Hans" typeface="宋体"/>
-        <a:font script="Hant" typeface="新細明體"/>
-        <a:font script="Arab" typeface="Arial"/>
-        <a:font script="Hebr" typeface="Arial"/>
-        <a:font script="Thai" typeface="Cordia New"/>
+        <a:font script="Jpan" typeface="メイリオ"/>
+        <a:font script="Hang" typeface="HY중고딕"/>
+        <a:font script="Hans" typeface="幼圆"/>
+        <a:font script="Hant" typeface="微軟正黑體"/>
+        <a:font script="Arab" typeface="Tahoma"/>
+        <a:font script="Hebr" typeface="Gisha"/>
+        <a:font script="Thai" typeface="DilleniaUPC"/>
         <a:font script="Ethi" typeface="Nyala"/>
         <a:font script="Beng" typeface="Vrinda"/>
         <a:font script="Gujr" typeface="Shruti"/>
@@ -21164,13 +25909,121 @@
         <a:font script="Laoo" typeface="DokChampa"/>
         <a:font script="Sinh" typeface="Iskoola Pota"/>
         <a:font script="Mong" typeface="Mongolian Baiti"/>
-        <a:font script="Viet" typeface="Arial"/>
+        <a:font script="Viet" typeface="Tahoma"/>
+        <a:font script="Uigh" typeface="Microsoft Uighur"/>
+        <a:font script="Geor" typeface="Sylfaen"/>
+      </a:majorFont>
+      <a:minorFont>
+        <a:latin typeface="Century Gothic" panose="020B0502020202020204"/>
+        <a:ea typeface=""/>
+        <a:cs typeface=""/>
+        <a:font script="Jpan" typeface="メイリオ"/>
+        <a:font script="Hang" typeface="HY중고딕"/>
+        <a:font script="Hans" typeface="幼圆"/>
+        <a:font script="Hant" typeface="微軟正黑體"/>
+        <a:font script="Arab" typeface="Tahoma"/>
+        <a:font script="Hebr" typeface="Gisha"/>
+        <a:font script="Thai" typeface="DilleniaUPC"/>
+        <a:font script="Ethi" typeface="Nyala"/>
+        <a:font script="Beng" typeface="Vrinda"/>
+        <a:font script="Gujr" typeface="Shruti"/>
+        <a:font script="Khmr" typeface="DaunPenh"/>
+        <a:font script="Knda" typeface="Tunga"/>
+        <a:font script="Guru" typeface="Raavi"/>
+        <a:font script="Cans" typeface="Euphemia"/>
+        <a:font script="Cher" typeface="Plantagenet Cherokee"/>
+        <a:font script="Yiii" typeface="Microsoft Yi Baiti"/>
+        <a:font script="Tibt" typeface="Microsoft Himalaya"/>
+        <a:font script="Thaa" typeface="MV Boli"/>
+        <a:font script="Deva" typeface="Mangal"/>
+        <a:font script="Telu" typeface="Gautami"/>
+        <a:font script="Taml" typeface="Latha"/>
+        <a:font script="Syrc" typeface="Estrangelo Edessa"/>
+        <a:font script="Orya" typeface="Kalinga"/>
+        <a:font script="Mlym" typeface="Kartika"/>
+        <a:font script="Laoo" typeface="DokChampa"/>
+        <a:font script="Sinh" typeface="Iskoola Pota"/>
+        <a:font script="Mong" typeface="Mongolian Baiti"/>
+        <a:font script="Viet" typeface="Tahoma"/>
         <a:font script="Uigh" typeface="Microsoft Uighur"/>
         <a:font script="Geor" typeface="Sylfaen"/>
       </a:minorFont>
     </a:fontScheme>
-    <a:fmtScheme name="Office">
+    <a:fmtScheme name="Wisp">
       <a:fillStyleLst>
+        <a:solidFill>
+          <a:schemeClr val="phClr"/>
+        </a:solidFill>
+        <a:solidFill>
+          <a:schemeClr val="phClr">
+            <a:tint val="70000"/>
+            <a:lumMod val="104000"/>
+          </a:schemeClr>
+        </a:solidFill>
+        <a:gradFill rotWithShape="1">
+          <a:gsLst>
+            <a:gs pos="0">
+              <a:schemeClr val="phClr">
+                <a:tint val="96000"/>
+                <a:lumMod val="104000"/>
+              </a:schemeClr>
+            </a:gs>
+            <a:gs pos="100000">
+              <a:schemeClr val="phClr">
+                <a:shade val="98000"/>
+                <a:lumMod val="94000"/>
+              </a:schemeClr>
+            </a:gs>
+          </a:gsLst>
+          <a:lin ang="5400000" scaled="0"/>
+        </a:gradFill>
+      </a:fillStyleLst>
+      <a:lnStyleLst>
+        <a:ln w="9525" cap="rnd" cmpd="sng" algn="ctr">
+          <a:solidFill>
+            <a:schemeClr val="phClr">
+              <a:shade val="90000"/>
+            </a:schemeClr>
+          </a:solidFill>
+          <a:prstDash val="solid"/>
+        </a:ln>
+        <a:ln w="15875" cap="rnd" cmpd="sng" algn="ctr">
+          <a:solidFill>
+            <a:schemeClr val="phClr"/>
+          </a:solidFill>
+          <a:prstDash val="solid"/>
+        </a:ln>
+        <a:ln w="22225" cap="rnd" cmpd="sng" algn="ctr">
+          <a:solidFill>
+            <a:schemeClr val="phClr"/>
+          </a:solidFill>
+          <a:prstDash val="solid"/>
+        </a:ln>
+      </a:lnStyleLst>
+      <a:effectStyleLst>
+        <a:effectStyle>
+          <a:effectLst/>
+        </a:effectStyle>
+        <a:effectStyle>
+          <a:effectLst>
+            <a:outerShdw blurRad="38100" dist="25400" dir="5400000" rotWithShape="0">
+              <a:srgbClr val="000000">
+                <a:alpha val="25000"/>
+              </a:srgbClr>
+            </a:outerShdw>
+          </a:effectLst>
+        </a:effectStyle>
+        <a:effectStyle>
+          <a:effectLst>
+            <a:outerShdw blurRad="50800" dist="38100" dir="5400000" rotWithShape="0">
+              <a:srgbClr val="000000">
+                <a:alpha val="60000"/>
+              </a:srgbClr>
+            </a:outerShdw>
+          </a:effectLst>
+        </a:effectStyle>
+      </a:effectStyleLst>
+      <a:bgFillStyleLst>
         <a:solidFill>
           <a:schemeClr val="phClr"/>
         </a:solidFill>
@@ -21178,23 +26031,15 @@
           <a:gsLst>
             <a:gs pos="0">
               <a:schemeClr val="phClr">
-                <a:lumMod val="110000"/>
-                <a:satMod val="105000"/>
-                <a:tint val="67000"/>
-              </a:schemeClr>
-            </a:gs>
-            <a:gs pos="50000">
-              <a:schemeClr val="phClr">
-                <a:lumMod val="105000"/>
-                <a:satMod val="103000"/>
-                <a:tint val="73000"/>
+                <a:tint val="90000"/>
+                <a:lumMod val="120000"/>
               </a:schemeClr>
             </a:gs>
             <a:gs pos="100000">
               <a:schemeClr val="phClr">
-                <a:lumMod val="105000"/>
-                <a:satMod val="109000"/>
-                <a:tint val="81000"/>
+                <a:shade val="98000"/>
+                <a:satMod val="120000"/>
+                <a:lumMod val="98000"/>
               </a:schemeClr>
             </a:gs>
           </a:gsLst>
@@ -21204,105 +26049,22 @@
           <a:gsLst>
             <a:gs pos="0">
               <a:schemeClr val="phClr">
-                <a:satMod val="103000"/>
-                <a:lumMod val="102000"/>
-                <a:tint val="94000"/>
-              </a:schemeClr>
-            </a:gs>
-            <a:gs pos="50000">
-              <a:schemeClr val="phClr">
-                <a:satMod val="110000"/>
-                <a:lumMod val="100000"/>
-                <a:shade val="100000"/>
+                <a:tint val="90000"/>
+                <a:satMod val="92000"/>
+                <a:lumMod val="120000"/>
               </a:schemeClr>
             </a:gs>
             <a:gs pos="100000">
               <a:schemeClr val="phClr">
-                <a:lumMod val="99000"/>
+                <a:shade val="98000"/>
                 <a:satMod val="120000"/>
-                <a:shade val="78000"/>
+                <a:lumMod val="98000"/>
               </a:schemeClr>
             </a:gs>
           </a:gsLst>
-          <a:lin ang="5400000" scaled="0"/>
-        </a:gradFill>
-      </a:fillStyleLst>
-      <a:lnStyleLst>
-        <a:ln w="6350" cap="flat" cmpd="sng" algn="ctr">
-          <a:solidFill>
-            <a:schemeClr val="phClr"/>
-          </a:solidFill>
-          <a:prstDash val="solid"/>
-          <a:miter lim="800000"/>
-        </a:ln>
-        <a:ln w="12700" cap="flat" cmpd="sng" algn="ctr">
-          <a:solidFill>
-            <a:schemeClr val="phClr"/>
-          </a:solidFill>
-          <a:prstDash val="solid"/>
-          <a:miter lim="800000"/>
-        </a:ln>
-        <a:ln w="19050" cap="flat" cmpd="sng" algn="ctr">
-          <a:solidFill>
-            <a:schemeClr val="phClr"/>
-          </a:solidFill>
-          <a:prstDash val="solid"/>
-          <a:miter lim="800000"/>
-        </a:ln>
-      </a:lnStyleLst>
-      <a:effectStyleLst>
-        <a:effectStyle>
-          <a:effectLst/>
-        </a:effectStyle>
-        <a:effectStyle>
-          <a:effectLst/>
-        </a:effectStyle>
-        <a:effectStyle>
-          <a:effectLst>
-            <a:outerShdw blurRad="57150" dist="19050" dir="5400000" algn="ctr" rotWithShape="0">
-              <a:srgbClr val="000000">
-                <a:alpha val="63000"/>
-              </a:srgbClr>
-            </a:outerShdw>
-          </a:effectLst>
-        </a:effectStyle>
-      </a:effectStyleLst>
-      <a:bgFillStyleLst>
-        <a:solidFill>
-          <a:schemeClr val="phClr"/>
-        </a:solidFill>
-        <a:solidFill>
-          <a:schemeClr val="phClr">
-            <a:tint val="95000"/>
-            <a:satMod val="170000"/>
-          </a:schemeClr>
-        </a:solidFill>
-        <a:gradFill rotWithShape="1">
-          <a:gsLst>
-            <a:gs pos="0">
-              <a:schemeClr val="phClr">
-                <a:tint val="93000"/>
-                <a:satMod val="150000"/>
-                <a:shade val="98000"/>
-                <a:lumMod val="102000"/>
-              </a:schemeClr>
-            </a:gs>
-            <a:gs pos="50000">
-              <a:schemeClr val="phClr">
-                <a:tint val="98000"/>
-                <a:satMod val="130000"/>
-                <a:shade val="90000"/>
-                <a:lumMod val="103000"/>
-              </a:schemeClr>
-            </a:gs>
-            <a:gs pos="100000">
-              <a:schemeClr val="phClr">
-                <a:shade val="63000"/>
-                <a:satMod val="120000"/>
-              </a:schemeClr>
-            </a:gs>
-          </a:gsLst>
-          <a:lin ang="5400000" scaled="0"/>
+          <a:path path="circle">
+            <a:fillToRect l="50000" t="50000" r="100000" b="100000"/>
+          </a:path>
         </a:gradFill>
       </a:bgFillStyleLst>
     </a:fmtScheme>
@@ -21311,7 +26073,7 @@
   <a:extraClrSchemeLst/>
   <a:extLst>
     <a:ext uri="{05A4C25C-085E-4340-85A3-A5531E510DB2}">
-      <thm15:themeFamily xmlns:thm15="http://schemas.microsoft.com/office/thememl/2012/main" name="Office Theme" id="{62F939B6-93AF-4DB8-9C6B-D6C7DFDC589F}" vid="{4A3C46E8-61CC-4603-A589-7422A47A8E4A}"/>
+      <thm15:themeFamily xmlns:thm15="http://schemas.microsoft.com/office/thememl/2012/main" name="Wisp" id="{7CB32D59-10C0-40DD-B7BD-2E94284A981C}" vid="{24B1A44C-C006-48B2-A4D7-E5549B3D8CD4}"/>
     </a:ext>
   </a:extLst>
 </a:theme>
